--- a/navigation/jibebe_week_two_progress.pptx
+++ b/navigation/jibebe_week_two_progress.pptx
@@ -1,24 +1,24 @@
 
 <file path=ppt/presentation.xml><?xml version="1.0" encoding="utf-8"?>
-<p:presentation xmlns:a="http://schemas.openxmlformats.org/drawingml/2006/main" xmlns:r="http://schemas.openxmlformats.org/officeDocument/2006/relationships" xmlns:p="http://schemas.openxmlformats.org/presentationml/2006/main" saveSubsetFonts="1">
+<p:presentation xmlns:a="http://schemas.openxmlformats.org/drawingml/2006/main" xmlns:r="http://schemas.openxmlformats.org/officeDocument/2006/relationships" xmlns:p="http://schemas.openxmlformats.org/presentationml/2006/main" xmlns:m="http://schemas.openxmlformats.org/officeDocument/2006/math" xmlns:w="http://schemas.openxmlformats.org/wordprocessingml/2006/main" saveSubsetFonts="1">
   <p:sldMasterIdLst>
-    <p:sldMasterId id="2147483672" r:id="rId1"/>
+    <p:sldMasterId id="2147483648" r:id="rId1"/>
   </p:sldMasterIdLst>
   <p:sldIdLst>
-    <p:sldId id="256" r:id="rId2"/>
-    <p:sldId id="257" r:id="rId3"/>
-    <p:sldId id="258" r:id="rId4"/>
-    <p:sldId id="259" r:id="rId5"/>
-    <p:sldId id="260" r:id="rId6"/>
+    <p:sldId id="256" r:id="rId3"/>
+    <p:sldId id="257" r:id="rId4"/>
+    <p:sldId id="258" r:id="rId5"/>
+    <p:sldId id="259" r:id="rId6"/>
+    <p:sldId id="260" r:id="rId7"/>
   </p:sldIdLst>
   <p:sldSz cx="12192000" cy="6858000"/>
-  <p:notesSz cx="6858000" cy="9144000"/>
+  <p:notesSz cx="12192000" cy="6858000"/>
   <p:defaultTextStyle>
     <a:defPPr>
       <a:defRPr lang="en-US"/>
     </a:defPPr>
-    <a:lvl1pPr marL="0" algn="l" defTabSz="914400" rtl="0" eaLnBrk="1" latinLnBrk="0" hangingPunct="1">
-      <a:defRPr sz="1800" kern="1200">
+    <a:lvl1pPr marL="0" algn="l" defTabSz="914400">
+      <a:defRPr sz="1800">
         <a:solidFill>
           <a:schemeClr val="tx1"/>
         </a:solidFill>
@@ -27,8 +27,8 @@
         <a:cs typeface="+mn-cs"/>
       </a:defRPr>
     </a:lvl1pPr>
-    <a:lvl2pPr marL="457200" algn="l" defTabSz="914400" rtl="0" eaLnBrk="1" latinLnBrk="0" hangingPunct="1">
-      <a:defRPr sz="1800" kern="1200">
+    <a:lvl2pPr marL="457200" algn="l" defTabSz="914400">
+      <a:defRPr sz="1800">
         <a:solidFill>
           <a:schemeClr val="tx1"/>
         </a:solidFill>
@@ -37,8 +37,8 @@
         <a:cs typeface="+mn-cs"/>
       </a:defRPr>
     </a:lvl2pPr>
-    <a:lvl3pPr marL="914400" algn="l" defTabSz="914400" rtl="0" eaLnBrk="1" latinLnBrk="0" hangingPunct="1">
-      <a:defRPr sz="1800" kern="1200">
+    <a:lvl3pPr marL="914400" algn="l" defTabSz="914400">
+      <a:defRPr sz="1800">
         <a:solidFill>
           <a:schemeClr val="tx1"/>
         </a:solidFill>
@@ -47,8 +47,8 @@
         <a:cs typeface="+mn-cs"/>
       </a:defRPr>
     </a:lvl3pPr>
-    <a:lvl4pPr marL="1371600" algn="l" defTabSz="914400" rtl="0" eaLnBrk="1" latinLnBrk="0" hangingPunct="1">
-      <a:defRPr sz="1800" kern="1200">
+    <a:lvl4pPr marL="1371600" algn="l" defTabSz="914400">
+      <a:defRPr sz="1800">
         <a:solidFill>
           <a:schemeClr val="tx1"/>
         </a:solidFill>
@@ -57,8 +57,8 @@
         <a:cs typeface="+mn-cs"/>
       </a:defRPr>
     </a:lvl4pPr>
-    <a:lvl5pPr marL="1828800" algn="l" defTabSz="914400" rtl="0" eaLnBrk="1" latinLnBrk="0" hangingPunct="1">
-      <a:defRPr sz="1800" kern="1200">
+    <a:lvl5pPr marL="1828800" algn="l" defTabSz="914400">
+      <a:defRPr sz="1800">
         <a:solidFill>
           <a:schemeClr val="tx1"/>
         </a:solidFill>
@@ -67,8 +67,8 @@
         <a:cs typeface="+mn-cs"/>
       </a:defRPr>
     </a:lvl5pPr>
-    <a:lvl6pPr marL="2286000" algn="l" defTabSz="914400" rtl="0" eaLnBrk="1" latinLnBrk="0" hangingPunct="1">
-      <a:defRPr sz="1800" kern="1200">
+    <a:lvl6pPr marL="2286000" algn="l" defTabSz="914400">
+      <a:defRPr sz="1800">
         <a:solidFill>
           <a:schemeClr val="tx1"/>
         </a:solidFill>
@@ -77,8 +77,8 @@
         <a:cs typeface="+mn-cs"/>
       </a:defRPr>
     </a:lvl6pPr>
-    <a:lvl7pPr marL="2743200" algn="l" defTabSz="914400" rtl="0" eaLnBrk="1" latinLnBrk="0" hangingPunct="1">
-      <a:defRPr sz="1800" kern="1200">
+    <a:lvl7pPr marL="2743200" algn="l" defTabSz="914400">
+      <a:defRPr sz="1800">
         <a:solidFill>
           <a:schemeClr val="tx1"/>
         </a:solidFill>
@@ -87,8 +87,8 @@
         <a:cs typeface="+mn-cs"/>
       </a:defRPr>
     </a:lvl7pPr>
-    <a:lvl8pPr marL="3200400" algn="l" defTabSz="914400" rtl="0" eaLnBrk="1" latinLnBrk="0" hangingPunct="1">
-      <a:defRPr sz="1800" kern="1200">
+    <a:lvl8pPr marL="3200400" algn="l" defTabSz="914400">
+      <a:defRPr sz="1800">
         <a:solidFill>
           <a:schemeClr val="tx1"/>
         </a:solidFill>
@@ -97,8 +97,8 @@
         <a:cs typeface="+mn-cs"/>
       </a:defRPr>
     </a:lvl8pPr>
-    <a:lvl9pPr marL="3657600" algn="l" defTabSz="914400" rtl="0" eaLnBrk="1" latinLnBrk="0" hangingPunct="1">
-      <a:defRPr sz="1800" kern="1200">
+    <a:lvl9pPr marL="3657600" algn="l" defTabSz="914400">
+      <a:defRPr sz="1800">
         <a:solidFill>
           <a:schemeClr val="tx1"/>
         </a:solidFill>
@@ -108,16 +108,11 @@
       </a:defRPr>
     </a:lvl9pPr>
   </p:defaultTextStyle>
-  <p:extLst>
-    <p:ext uri="{EFAFB233-063F-42B5-8137-9DF3F51BA10A}">
-      <p15:sldGuideLst xmlns:p15="http://schemas.microsoft.com/office/powerpoint/2012/main"/>
-    </p:ext>
-  </p:extLst>
 </p:presentation>
 </file>
 
 <file path=ppt/slideLayouts/slideLayout1.xml><?xml version="1.0" encoding="utf-8"?>
-<p:sldLayout xmlns:a="http://schemas.openxmlformats.org/drawingml/2006/main" xmlns:r="http://schemas.openxmlformats.org/officeDocument/2006/relationships" xmlns:p="http://schemas.openxmlformats.org/presentationml/2006/main" showMasterSp="0" type="title" preserve="1">
+<p:sldLayout xmlns:a="http://schemas.openxmlformats.org/drawingml/2006/main" xmlns:r="http://schemas.openxmlformats.org/officeDocument/2006/relationships" xmlns:p="http://schemas.openxmlformats.org/presentationml/2006/main" xmlns:m="http://schemas.openxmlformats.org/officeDocument/2006/math" xmlns:w="http://schemas.openxmlformats.org/wordprocessingml/2006/main" matchingName="" preserve="1" showMasterPhAnim="0" showMasterSp="0" type="title" userDrawn="1">
   <p:cSld name="Title Slide">
     <p:spTree>
       <p:nvGrpSpPr>
@@ -125,7 +120,7 @@
         <p:cNvGrpSpPr/>
         <p:nvPr/>
       </p:nvGrpSpPr>
-      <p:grpSpPr>
+      <p:grpSpPr bwMode="auto">
         <a:xfrm>
           <a:off x="0" y="0"/>
           <a:ext cx="0" cy="0"/>
@@ -139,7 +134,7 @@
           <p:cNvGrpSpPr/>
           <p:nvPr/>
         </p:nvGrpSpPr>
-        <p:grpSpPr>
+        <p:grpSpPr bwMode="auto">
           <a:xfrm>
             <a:off x="0" y="0"/>
             <a:ext cx="12192000" cy="6858000"/>
@@ -153,7 +148,7 @@
             <p:cNvSpPr/>
             <p:nvPr/>
           </p:nvSpPr>
-          <p:spPr>
+          <p:spPr bwMode="auto">
             <a:xfrm>
               <a:off x="0" y="0"/>
               <a:ext cx="12192000" cy="6858000"/>
@@ -177,9 +172,7 @@
                   </a:schemeClr>
                 </a:duotone>
               </a:blip>
-              <a:stretch>
-                <a:fillRect/>
-              </a:stretch>
+              <a:stretch/>
             </a:blipFill>
             <a:ln>
               <a:noFill/>
@@ -222,7 +215,7 @@
               <a:cxnLst/>
               <a:rect l="0" t="0" r="r" b="b"/>
               <a:pathLst>
-                <a:path w="15356" h="8638">
+                <a:path w="15356" h="8638" fill="norm" stroke="1" extrusionOk="0">
                   <a:moveTo>
                     <a:pt x="0" y="0"/>
                   </a:moveTo>
@@ -277,7 +270,7 @@
             <p:ph type="ctrTitle"/>
           </p:nvPr>
         </p:nvSpPr>
-        <p:spPr>
+        <p:spPr bwMode="auto">
           <a:xfrm>
             <a:off x="1154955" y="2099733"/>
             <a:ext cx="8825658" cy="2677648"/>
@@ -291,11 +284,14 @@
             </a:lvl1pPr>
           </a:lstStyle>
           <a:p>
+            <a:pPr>
+              <a:defRPr/>
+            </a:pPr>
             <a:r>
-              <a:rPr lang="en-US" smtClean="0"/>
+              <a:rPr lang="en-US"/>
               <a:t>Click to edit Master title style</a:t>
             </a:r>
-            <a:endParaRPr lang="en-US" dirty="0"/>
+            <a:endParaRPr lang="en-US"/>
           </a:p>
         </p:txBody>
       </p:sp>
@@ -411,11 +407,14 @@
             </a:lvl9pPr>
           </a:lstStyle>
           <a:p>
+            <a:pPr>
+              <a:defRPr/>
+            </a:pPr>
             <a:r>
-              <a:rPr lang="en-US" smtClean="0"/>
+              <a:rPr lang="en-US"/>
               <a:t>Click to edit Master subtitle style</a:t>
             </a:r>
-            <a:endParaRPr lang="en-US" dirty="0"/>
+            <a:endParaRPr lang="en-US"/>
           </a:p>
         </p:txBody>
       </p:sp>
@@ -449,9 +448,12 @@
             </a:lvl1pPr>
           </a:lstStyle>
           <a:p>
+            <a:pPr>
+              <a:defRPr/>
+            </a:pPr>
             <a:fld id="{BA38155F-AEC7-4C83-BD8B-86231E183429}" type="datetimeFigureOut">
-              <a:rPr lang="en-US" smtClean="0"/>
-              <a:t>2/1/2023</a:t>
+              <a:rPr lang="en-US"/>
+              <a:t/>
             </a:fld>
             <a:endParaRPr lang="en-US"/>
           </a:p>
@@ -487,6 +489,9 @@
             </a:lvl1pPr>
           </a:lstStyle>
           <a:p>
+            <a:pPr>
+              <a:defRPr/>
+            </a:pPr>
             <a:endParaRPr lang="en-US"/>
           </a:p>
         </p:txBody>
@@ -497,7 +502,7 @@
           <p:cNvSpPr/>
           <p:nvPr/>
         </p:nvSpPr>
-        <p:spPr>
+        <p:spPr bwMode="auto">
           <a:xfrm>
             <a:off x="10437812" y="0"/>
             <a:ext cx="685800" cy="1143000"/>
@@ -537,51 +542,37 @@
             <p:ph type="sldNum" sz="quarter" idx="12"/>
           </p:nvPr>
         </p:nvSpPr>
-        <p:spPr>
+        <p:spPr bwMode="auto">
           <a:xfrm>
-            <a:off x="10352540" y="295729"/>
-            <a:ext cx="838199" cy="767687"/>
+            <a:off x="10352539" y="295728"/>
+            <a:ext cx="838198" cy="767687"/>
           </a:xfrm>
         </p:spPr>
         <p:txBody>
           <a:bodyPr/>
           <a:lstStyle/>
           <a:p>
+            <a:pPr>
+              <a:defRPr/>
+            </a:pPr>
             <a:fld id="{00E55A38-CD7B-4575-ADB2-599742FE9C88}" type="slidenum">
-              <a:rPr lang="en-US" smtClean="0"/>
-              <a:t>‹#›</a:t>
+              <a:rPr lang="en-US"/>
+              <a:t/>
             </a:fld>
             <a:endParaRPr lang="en-US"/>
           </a:p>
         </p:txBody>
       </p:sp>
     </p:spTree>
-    <p:extLst>
-      <p:ext uri="{BB962C8B-B14F-4D97-AF65-F5344CB8AC3E}">
-        <p14:creationId xmlns:p14="http://schemas.microsoft.com/office/powerpoint/2010/main" val="3985481857"/>
-      </p:ext>
-    </p:extLst>
   </p:cSld>
   <p:clrMapOvr>
     <a:masterClrMapping/>
   </p:clrMapOvr>
-  <mc:AlternateContent xmlns:mc="http://schemas.openxmlformats.org/markup-compatibility/2006">
-    <mc:Choice xmlns:p14="http://schemas.microsoft.com/office/powerpoint/2010/main" Requires="p14">
-      <p:transition spd="med" p14:dur="700">
-        <p:fade/>
-      </p:transition>
-    </mc:Choice>
-    <mc:Fallback>
-      <p:transition spd="med">
-        <p:fade/>
-      </p:transition>
-    </mc:Fallback>
-  </mc:AlternateContent>
 </p:sldLayout>
 </file>
 
 <file path=ppt/slideLayouts/slideLayout10.xml><?xml version="1.0" encoding="utf-8"?>
-<p:sldLayout xmlns:a="http://schemas.openxmlformats.org/drawingml/2006/main" xmlns:r="http://schemas.openxmlformats.org/officeDocument/2006/relationships" xmlns:p="http://schemas.openxmlformats.org/presentationml/2006/main" preserve="1">
+<p:sldLayout xmlns:a="http://schemas.openxmlformats.org/drawingml/2006/main" xmlns:r="http://schemas.openxmlformats.org/officeDocument/2006/relationships" xmlns:p="http://schemas.openxmlformats.org/presentationml/2006/main" xmlns:m="http://schemas.openxmlformats.org/officeDocument/2006/math" xmlns:w="http://schemas.openxmlformats.org/wordprocessingml/2006/main" matchingName="" preserve="1" showMasterPhAnim="0" userDrawn="1">
   <p:cSld name="Panoramic Picture with Caption">
     <p:spTree>
       <p:nvGrpSpPr>
@@ -589,7 +580,7 @@
         <p:cNvGrpSpPr/>
         <p:nvPr/>
       </p:nvGrpSpPr>
-      <p:grpSpPr>
+      <p:grpSpPr bwMode="auto">
         <a:xfrm>
           <a:off x="0" y="0"/>
           <a:ext cx="0" cy="0"/>
@@ -603,7 +594,7 @@
           <p:cNvGrpSpPr/>
           <p:nvPr/>
         </p:nvGrpSpPr>
-        <p:grpSpPr>
+        <p:grpSpPr bwMode="auto">
           <a:xfrm>
             <a:off x="0" y="0"/>
             <a:ext cx="12192000" cy="6858000"/>
@@ -617,7 +608,7 @@
             <p:cNvSpPr/>
             <p:nvPr/>
           </p:nvSpPr>
-          <p:spPr>
+          <p:spPr bwMode="auto">
             <a:xfrm>
               <a:off x="0" y="0"/>
               <a:ext cx="12192000" cy="6858000"/>
@@ -641,9 +632,7 @@
                   </a:schemeClr>
                 </a:duotone>
               </a:blip>
-              <a:stretch>
-                <a:fillRect/>
-              </a:stretch>
+              <a:stretch/>
             </a:blipFill>
             <a:ln>
               <a:noFill/>
@@ -672,7 +661,7 @@
             <p:cNvSpPr/>
             <p:nvPr/>
           </p:nvSpPr>
-          <p:spPr>
+          <p:spPr bwMode="auto">
             <a:xfrm>
               <a:off x="0" y="2667000"/>
               <a:ext cx="4191000" cy="4191000"/>
@@ -680,28 +669,25 @@
             <a:prstGeom prst="ellipse">
               <a:avLst/>
             </a:prstGeom>
-            <a:gradFill flip="none" rotWithShape="1">
+            <a:gradFill>
               <a:gsLst>
                 <a:gs pos="0">
                   <a:schemeClr val="accent5">
                     <a:alpha val="11000"/>
                   </a:schemeClr>
                 </a:gs>
+                <a:gs pos="36000">
+                  <a:schemeClr val="accent5">
+                    <a:alpha val="10000"/>
+                  </a:schemeClr>
+                </a:gs>
                 <a:gs pos="75000">
                   <a:schemeClr val="accent5">
                     <a:alpha val="0"/>
                   </a:schemeClr>
                 </a:gs>
-                <a:gs pos="36000">
-                  <a:schemeClr val="accent5">
-                    <a:alpha val="10000"/>
-                  </a:schemeClr>
-                </a:gs>
               </a:gsLst>
-              <a:path path="circle">
-                <a:fillToRect l="50000" t="50000" r="50000" b="50000"/>
-              </a:path>
-              <a:tileRect/>
+              <a:path path="circle"/>
             </a:gradFill>
             <a:ln>
               <a:noFill/>
@@ -729,36 +715,33 @@
             <p:cNvSpPr/>
             <p:nvPr/>
           </p:nvSpPr>
-          <p:spPr>
+          <p:spPr bwMode="auto">
             <a:xfrm>
               <a:off x="0" y="2895600"/>
-              <a:ext cx="2362200" cy="2362200"/>
+              <a:ext cx="2362199" cy="2362199"/>
             </a:xfrm>
             <a:prstGeom prst="ellipse">
               <a:avLst/>
             </a:prstGeom>
-            <a:gradFill flip="none" rotWithShape="1">
+            <a:gradFill>
               <a:gsLst>
                 <a:gs pos="0">
                   <a:schemeClr val="accent5">
                     <a:alpha val="8000"/>
                   </a:schemeClr>
                 </a:gs>
+                <a:gs pos="36000">
+                  <a:schemeClr val="accent5">
+                    <a:alpha val="8000"/>
+                  </a:schemeClr>
+                </a:gs>
                 <a:gs pos="72000">
                   <a:schemeClr val="accent5">
                     <a:alpha val="0"/>
                   </a:schemeClr>
                 </a:gs>
-                <a:gs pos="36000">
-                  <a:schemeClr val="accent5">
-                    <a:alpha val="8000"/>
-                  </a:schemeClr>
-                </a:gs>
               </a:gsLst>
-              <a:path path="circle">
-                <a:fillToRect l="50000" t="50000" r="50000" b="50000"/>
-              </a:path>
-              <a:tileRect/>
+              <a:path path="circle"/>
             </a:gradFill>
             <a:ln>
               <a:noFill/>
@@ -786,36 +769,33 @@
             <p:cNvSpPr/>
             <p:nvPr/>
           </p:nvSpPr>
-          <p:spPr>
+          <p:spPr bwMode="auto">
             <a:xfrm>
-              <a:off x="8609012" y="5867400"/>
+              <a:off x="8609012" y="5867399"/>
               <a:ext cx="990600" cy="990600"/>
             </a:xfrm>
             <a:prstGeom prst="ellipse">
               <a:avLst/>
             </a:prstGeom>
-            <a:gradFill flip="none" rotWithShape="1">
+            <a:gradFill>
               <a:gsLst>
                 <a:gs pos="0">
                   <a:schemeClr val="accent5">
                     <a:alpha val="14000"/>
                   </a:schemeClr>
                 </a:gs>
+                <a:gs pos="36000">
+                  <a:schemeClr val="accent5">
+                    <a:alpha val="7000"/>
+                  </a:schemeClr>
+                </a:gs>
                 <a:gs pos="66000">
                   <a:schemeClr val="accent5">
                     <a:alpha val="0"/>
                   </a:schemeClr>
                 </a:gs>
-                <a:gs pos="36000">
-                  <a:schemeClr val="accent5">
-                    <a:alpha val="7000"/>
-                  </a:schemeClr>
-                </a:gs>
               </a:gsLst>
-              <a:path path="circle">
-                <a:fillToRect l="50000" t="50000" r="50000" b="50000"/>
-              </a:path>
-              <a:tileRect/>
+              <a:path path="circle"/>
             </a:gradFill>
             <a:ln>
               <a:noFill/>
@@ -843,7 +823,7 @@
             <p:cNvSpPr/>
             <p:nvPr/>
           </p:nvSpPr>
-          <p:spPr>
+          <p:spPr bwMode="auto">
             <a:xfrm>
               <a:off x="8609012" y="1676400"/>
               <a:ext cx="2819400" cy="2819400"/>
@@ -851,28 +831,25 @@
             <a:prstGeom prst="ellipse">
               <a:avLst/>
             </a:prstGeom>
-            <a:gradFill flip="none" rotWithShape="1">
+            <a:gradFill>
               <a:gsLst>
                 <a:gs pos="0">
                   <a:schemeClr val="accent5">
                     <a:alpha val="7000"/>
                   </a:schemeClr>
                 </a:gs>
+                <a:gs pos="36000">
+                  <a:schemeClr val="accent5">
+                    <a:alpha val="6000"/>
+                  </a:schemeClr>
+                </a:gs>
                 <a:gs pos="69000">
                   <a:schemeClr val="accent5">
                     <a:alpha val="0"/>
                   </a:schemeClr>
                 </a:gs>
-                <a:gs pos="36000">
-                  <a:schemeClr val="accent5">
-                    <a:alpha val="6000"/>
-                  </a:schemeClr>
-                </a:gs>
               </a:gsLst>
-              <a:path path="circle">
-                <a:fillToRect l="50000" t="50000" r="50000" b="50000"/>
-              </a:path>
-              <a:tileRect/>
+              <a:path path="circle"/>
             </a:gradFill>
             <a:ln>
               <a:noFill/>
@@ -900,7 +877,7 @@
             <p:cNvSpPr/>
             <p:nvPr/>
           </p:nvSpPr>
-          <p:spPr>
+          <p:spPr bwMode="auto">
             <a:xfrm>
               <a:off x="7999412" y="8464"/>
               <a:ext cx="1600200" cy="1600200"/>
@@ -908,28 +885,25 @@
             <a:prstGeom prst="ellipse">
               <a:avLst/>
             </a:prstGeom>
-            <a:gradFill flip="none" rotWithShape="1">
+            <a:gradFill>
               <a:gsLst>
                 <a:gs pos="0">
                   <a:schemeClr val="accent5">
                     <a:alpha val="14000"/>
                   </a:schemeClr>
                 </a:gs>
+                <a:gs pos="36000">
+                  <a:schemeClr val="accent5">
+                    <a:alpha val="7000"/>
+                  </a:schemeClr>
+                </a:gs>
                 <a:gs pos="73000">
                   <a:schemeClr val="accent5">
                     <a:alpha val="0"/>
                   </a:schemeClr>
                 </a:gs>
-                <a:gs pos="36000">
-                  <a:schemeClr val="accent5">
-                    <a:alpha val="7000"/>
-                  </a:schemeClr>
-                </a:gs>
               </a:gsLst>
-              <a:path path="circle">
-                <a:fillToRect l="50000" t="50000" r="50000" b="50000"/>
-              </a:path>
-              <a:tileRect/>
+              <a:path path="circle"/>
             </a:gradFill>
             <a:ln>
               <a:noFill/>
@@ -960,7 +934,7 @@
           <p:spPr bwMode="gray">
             <a:xfrm rot="10371525">
               <a:off x="263767" y="4438254"/>
-              <a:ext cx="3299407" cy="440924"/>
+              <a:ext cx="3299406" cy="440924"/>
             </a:xfrm>
             <a:custGeom>
               <a:avLst/>
@@ -969,7 +943,7 @@
               <a:cxnLst/>
               <a:rect l="l" t="t" r="r" b="b"/>
               <a:pathLst>
-                <a:path w="10000" h="5291">
+                <a:path w="10000" h="5291" fill="norm" stroke="1" extrusionOk="0">
                   <a:moveTo>
                     <a:pt x="85" y="2532"/>
                   </a:moveTo>
@@ -1116,7 +1090,7 @@
               <a:cxnLst/>
               <a:rect l="0" t="0" r="r" b="b"/>
               <a:pathLst>
-                <a:path w="7104" h="2856">
+                <a:path w="7104" h="2856" fill="norm" stroke="1" extrusionOk="0">
                   <a:moveTo>
                     <a:pt x="0" y="0"/>
                   </a:moveTo>
@@ -1302,7 +1276,7 @@
               <a:cxnLst/>
               <a:rect l="0" t="0" r="r" b="b"/>
               <a:pathLst>
-                <a:path w="15356" h="8638">
+                <a:path w="15356" h="8638" fill="norm" stroke="1" extrusionOk="0">
                   <a:moveTo>
                     <a:pt x="0" y="0"/>
                   </a:moveTo>
@@ -1357,7 +1331,7 @@
             <p:ph type="title"/>
           </p:nvPr>
         </p:nvSpPr>
-        <p:spPr>
+        <p:spPr bwMode="auto">
           <a:xfrm>
             <a:off x="1154954" y="4969927"/>
             <a:ext cx="8825659" cy="566738"/>
@@ -1373,11 +1347,14 @@
             </a:lvl1pPr>
           </a:lstStyle>
           <a:p>
+            <a:pPr>
+              <a:defRPr/>
+            </a:pPr>
             <a:r>
-              <a:rPr lang="en-US" smtClean="0"/>
+              <a:rPr lang="en-US"/>
               <a:t>Click to edit Master title style</a:t>
             </a:r>
-            <a:endParaRPr lang="en-US" dirty="0"/>
+            <a:endParaRPr lang="en-US"/>
           </a:p>
         </p:txBody>
       </p:sp>
@@ -1385,13 +1362,13 @@
         <p:nvSpPr>
           <p:cNvPr id="3" name="Picture Placeholder 2"/>
           <p:cNvSpPr>
-            <a:spLocks noGrp="1" noChangeAspect="1"/>
+            <a:spLocks noChangeAspect="1" noGrp="1"/>
           </p:cNvSpPr>
           <p:nvPr>
             <p:ph type="pic" idx="1"/>
           </p:nvPr>
         </p:nvSpPr>
-        <p:spPr>
+        <p:spPr bwMode="auto">
           <a:xfrm>
             <a:off x="1154954" y="685800"/>
             <a:ext cx="8825659" cy="3429000"/>
@@ -1452,11 +1429,14 @@
             </a:lvl9pPr>
           </a:lstStyle>
           <a:p>
+            <a:pPr>
+              <a:defRPr/>
+            </a:pPr>
             <a:r>
-              <a:rPr lang="en-US" smtClean="0"/>
+              <a:rPr lang="en-US"/>
               <a:t>Click icon to add picture</a:t>
             </a:r>
-            <a:endParaRPr lang="en-US" dirty="0"/>
+            <a:endParaRPr lang="en-US"/>
           </a:p>
         </p:txBody>
       </p:sp>
@@ -1470,9 +1450,9 @@
             <p:ph type="body" sz="half" idx="2"/>
           </p:nvPr>
         </p:nvSpPr>
-        <p:spPr>
+        <p:spPr bwMode="auto">
           <a:xfrm>
-            <a:off x="1154954" y="5536665"/>
+            <a:off x="1154954" y="5536664"/>
             <a:ext cx="8825658" cy="493712"/>
           </a:xfrm>
         </p:spPr>
@@ -1526,11 +1506,14 @@
             </a:lvl9pPr>
           </a:lstStyle>
           <a:p>
-            <a:pPr lvl="0"/>
+            <a:pPr lvl="0">
+              <a:defRPr/>
+            </a:pPr>
             <a:r>
-              <a:rPr lang="en-US" smtClean="0"/>
+              <a:rPr lang="en-US"/>
               <a:t>Click to edit Master text styles</a:t>
             </a:r>
+            <a:endParaRPr/>
           </a:p>
         </p:txBody>
       </p:sp>
@@ -1544,14 +1527,17 @@
             <p:ph type="dt" sz="half" idx="10"/>
           </p:nvPr>
         </p:nvSpPr>
-        <p:spPr/>
+        <p:spPr bwMode="auto"/>
         <p:txBody>
           <a:bodyPr/>
           <a:lstStyle/>
           <a:p>
+            <a:pPr>
+              <a:defRPr/>
+            </a:pPr>
             <a:fld id="{BA38155F-AEC7-4C83-BD8B-86231E183429}" type="datetimeFigureOut">
-              <a:rPr lang="en-US" smtClean="0"/>
-              <a:t>2/1/2023</a:t>
+              <a:rPr lang="en-US"/>
+              <a:t/>
             </a:fld>
             <a:endParaRPr lang="en-US"/>
           </a:p>
@@ -1567,11 +1553,14 @@
             <p:ph type="ftr" sz="quarter" idx="11"/>
           </p:nvPr>
         </p:nvSpPr>
-        <p:spPr/>
+        <p:spPr bwMode="auto"/>
         <p:txBody>
           <a:bodyPr/>
           <a:lstStyle/>
           <a:p>
+            <a:pPr>
+              <a:defRPr/>
+            </a:pPr>
             <a:endParaRPr lang="en-US"/>
           </a:p>
         </p:txBody>
@@ -1582,7 +1571,7 @@
           <p:cNvSpPr/>
           <p:nvPr/>
         </p:nvSpPr>
-        <p:spPr>
+        <p:spPr bwMode="auto">
           <a:xfrm>
             <a:off x="10437812" y="0"/>
             <a:ext cx="685800" cy="1143000"/>
@@ -1622,46 +1611,32 @@
             <p:ph type="sldNum" sz="quarter" idx="12"/>
           </p:nvPr>
         </p:nvSpPr>
-        <p:spPr/>
+        <p:spPr bwMode="auto"/>
         <p:txBody>
           <a:bodyPr/>
           <a:lstStyle/>
           <a:p>
+            <a:pPr>
+              <a:defRPr/>
+            </a:pPr>
             <a:fld id="{00E55A38-CD7B-4575-ADB2-599742FE9C88}" type="slidenum">
-              <a:rPr lang="en-US" smtClean="0"/>
-              <a:t>‹#›</a:t>
+              <a:rPr lang="en-US"/>
+              <a:t/>
             </a:fld>
             <a:endParaRPr lang="en-US"/>
           </a:p>
         </p:txBody>
       </p:sp>
     </p:spTree>
-    <p:extLst>
-      <p:ext uri="{BB962C8B-B14F-4D97-AF65-F5344CB8AC3E}">
-        <p14:creationId xmlns:p14="http://schemas.microsoft.com/office/powerpoint/2010/main" val="2742815398"/>
-      </p:ext>
-    </p:extLst>
   </p:cSld>
   <p:clrMapOvr>
     <a:masterClrMapping/>
   </p:clrMapOvr>
-  <mc:AlternateContent xmlns:mc="http://schemas.openxmlformats.org/markup-compatibility/2006">
-    <mc:Choice xmlns:p14="http://schemas.microsoft.com/office/powerpoint/2010/main" Requires="p14">
-      <p:transition spd="med" p14:dur="700">
-        <p:fade/>
-      </p:transition>
-    </mc:Choice>
-    <mc:Fallback>
-      <p:transition spd="med">
-        <p:fade/>
-      </p:transition>
-    </mc:Fallback>
-  </mc:AlternateContent>
 </p:sldLayout>
 </file>
 
 <file path=ppt/slideLayouts/slideLayout11.xml><?xml version="1.0" encoding="utf-8"?>
-<p:sldLayout xmlns:a="http://schemas.openxmlformats.org/drawingml/2006/main" xmlns:r="http://schemas.openxmlformats.org/officeDocument/2006/relationships" xmlns:p="http://schemas.openxmlformats.org/presentationml/2006/main" showMasterSp="0" preserve="1">
+<p:sldLayout xmlns:a="http://schemas.openxmlformats.org/drawingml/2006/main" xmlns:r="http://schemas.openxmlformats.org/officeDocument/2006/relationships" xmlns:p="http://schemas.openxmlformats.org/presentationml/2006/main" xmlns:m="http://schemas.openxmlformats.org/officeDocument/2006/math" xmlns:w="http://schemas.openxmlformats.org/wordprocessingml/2006/main" matchingName="" preserve="1" showMasterPhAnim="0" showMasterSp="0" userDrawn="1">
   <p:cSld name="Title and Caption">
     <p:spTree>
       <p:nvGrpSpPr>
@@ -1669,7 +1644,7 @@
         <p:cNvGrpSpPr/>
         <p:nvPr/>
       </p:nvGrpSpPr>
-      <p:grpSpPr>
+      <p:grpSpPr bwMode="auto">
         <a:xfrm>
           <a:off x="0" y="0"/>
           <a:ext cx="0" cy="0"/>
@@ -1683,7 +1658,7 @@
           <p:cNvGrpSpPr/>
           <p:nvPr/>
         </p:nvGrpSpPr>
-        <p:grpSpPr>
+        <p:grpSpPr bwMode="auto">
           <a:xfrm>
             <a:off x="0" y="0"/>
             <a:ext cx="12192000" cy="6858000"/>
@@ -1697,7 +1672,7 @@
             <p:cNvSpPr/>
             <p:nvPr/>
           </p:nvSpPr>
-          <p:spPr>
+          <p:spPr bwMode="auto">
             <a:xfrm>
               <a:off x="0" y="0"/>
               <a:ext cx="12192000" cy="6858000"/>
@@ -1721,9 +1696,7 @@
                   </a:schemeClr>
                 </a:duotone>
               </a:blip>
-              <a:stretch>
-                <a:fillRect/>
-              </a:stretch>
+              <a:stretch/>
             </a:blipFill>
             <a:ln>
               <a:noFill/>
@@ -1752,7 +1725,7 @@
             <p:cNvSpPr/>
             <p:nvPr/>
           </p:nvSpPr>
-          <p:spPr>
+          <p:spPr bwMode="auto">
             <a:xfrm>
               <a:off x="0" y="2667000"/>
               <a:ext cx="4191000" cy="4191000"/>
@@ -1760,28 +1733,25 @@
             <a:prstGeom prst="ellipse">
               <a:avLst/>
             </a:prstGeom>
-            <a:gradFill flip="none" rotWithShape="1">
+            <a:gradFill>
               <a:gsLst>
                 <a:gs pos="0">
                   <a:schemeClr val="accent5">
                     <a:alpha val="11000"/>
                   </a:schemeClr>
                 </a:gs>
+                <a:gs pos="36000">
+                  <a:schemeClr val="accent5">
+                    <a:alpha val="10000"/>
+                  </a:schemeClr>
+                </a:gs>
                 <a:gs pos="75000">
                   <a:schemeClr val="accent5">
                     <a:alpha val="0"/>
                   </a:schemeClr>
                 </a:gs>
-                <a:gs pos="36000">
-                  <a:schemeClr val="accent5">
-                    <a:alpha val="10000"/>
-                  </a:schemeClr>
-                </a:gs>
               </a:gsLst>
-              <a:path path="circle">
-                <a:fillToRect l="50000" t="50000" r="50000" b="50000"/>
-              </a:path>
-              <a:tileRect/>
+              <a:path path="circle"/>
             </a:gradFill>
             <a:ln>
               <a:noFill/>
@@ -1809,36 +1779,33 @@
             <p:cNvSpPr/>
             <p:nvPr/>
           </p:nvSpPr>
-          <p:spPr>
+          <p:spPr bwMode="auto">
             <a:xfrm>
               <a:off x="0" y="2895600"/>
-              <a:ext cx="2362200" cy="2362200"/>
+              <a:ext cx="2362199" cy="2362199"/>
             </a:xfrm>
             <a:prstGeom prst="ellipse">
               <a:avLst/>
             </a:prstGeom>
-            <a:gradFill flip="none" rotWithShape="1">
+            <a:gradFill>
               <a:gsLst>
                 <a:gs pos="0">
                   <a:schemeClr val="accent5">
                     <a:alpha val="8000"/>
                   </a:schemeClr>
                 </a:gs>
+                <a:gs pos="36000">
+                  <a:schemeClr val="accent5">
+                    <a:alpha val="8000"/>
+                  </a:schemeClr>
+                </a:gs>
                 <a:gs pos="72000">
                   <a:schemeClr val="accent5">
                     <a:alpha val="0"/>
                   </a:schemeClr>
                 </a:gs>
-                <a:gs pos="36000">
-                  <a:schemeClr val="accent5">
-                    <a:alpha val="8000"/>
-                  </a:schemeClr>
-                </a:gs>
               </a:gsLst>
-              <a:path path="circle">
-                <a:fillToRect l="50000" t="50000" r="50000" b="50000"/>
-              </a:path>
-              <a:tileRect/>
+              <a:path path="circle"/>
             </a:gradFill>
             <a:ln>
               <a:noFill/>
@@ -1866,36 +1833,33 @@
             <p:cNvSpPr/>
             <p:nvPr/>
           </p:nvSpPr>
-          <p:spPr>
+          <p:spPr bwMode="auto">
             <a:xfrm>
-              <a:off x="8609012" y="5867400"/>
+              <a:off x="8609012" y="5867399"/>
               <a:ext cx="990600" cy="990600"/>
             </a:xfrm>
             <a:prstGeom prst="ellipse">
               <a:avLst/>
             </a:prstGeom>
-            <a:gradFill flip="none" rotWithShape="1">
+            <a:gradFill>
               <a:gsLst>
                 <a:gs pos="0">
                   <a:schemeClr val="accent5">
                     <a:alpha val="14000"/>
                   </a:schemeClr>
                 </a:gs>
+                <a:gs pos="36000">
+                  <a:schemeClr val="accent5">
+                    <a:alpha val="7000"/>
+                  </a:schemeClr>
+                </a:gs>
                 <a:gs pos="66000">
                   <a:schemeClr val="accent5">
                     <a:alpha val="0"/>
                   </a:schemeClr>
                 </a:gs>
-                <a:gs pos="36000">
-                  <a:schemeClr val="accent5">
-                    <a:alpha val="7000"/>
-                  </a:schemeClr>
-                </a:gs>
               </a:gsLst>
-              <a:path path="circle">
-                <a:fillToRect l="50000" t="50000" r="50000" b="50000"/>
-              </a:path>
-              <a:tileRect/>
+              <a:path path="circle"/>
             </a:gradFill>
             <a:ln>
               <a:noFill/>
@@ -1923,7 +1887,7 @@
             <p:cNvSpPr/>
             <p:nvPr/>
           </p:nvSpPr>
-          <p:spPr>
+          <p:spPr bwMode="auto">
             <a:xfrm>
               <a:off x="8609012" y="1676400"/>
               <a:ext cx="2819400" cy="2819400"/>
@@ -1931,28 +1895,25 @@
             <a:prstGeom prst="ellipse">
               <a:avLst/>
             </a:prstGeom>
-            <a:gradFill flip="none" rotWithShape="1">
+            <a:gradFill>
               <a:gsLst>
                 <a:gs pos="0">
                   <a:schemeClr val="accent5">
                     <a:alpha val="7000"/>
                   </a:schemeClr>
                 </a:gs>
+                <a:gs pos="36000">
+                  <a:schemeClr val="accent5">
+                    <a:alpha val="6000"/>
+                  </a:schemeClr>
+                </a:gs>
                 <a:gs pos="69000">
                   <a:schemeClr val="accent5">
                     <a:alpha val="0"/>
                   </a:schemeClr>
                 </a:gs>
-                <a:gs pos="36000">
-                  <a:schemeClr val="accent5">
-                    <a:alpha val="6000"/>
-                  </a:schemeClr>
-                </a:gs>
               </a:gsLst>
-              <a:path path="circle">
-                <a:fillToRect l="50000" t="50000" r="50000" b="50000"/>
-              </a:path>
-              <a:tileRect/>
+              <a:path path="circle"/>
             </a:gradFill>
             <a:ln>
               <a:noFill/>
@@ -1980,7 +1941,7 @@
             <p:cNvSpPr/>
             <p:nvPr/>
           </p:nvSpPr>
-          <p:spPr>
+          <p:spPr bwMode="auto">
             <a:xfrm>
               <a:off x="7999412" y="8464"/>
               <a:ext cx="1600200" cy="1600200"/>
@@ -1988,28 +1949,25 @@
             <a:prstGeom prst="ellipse">
               <a:avLst/>
             </a:prstGeom>
-            <a:gradFill flip="none" rotWithShape="1">
+            <a:gradFill>
               <a:gsLst>
                 <a:gs pos="0">
                   <a:schemeClr val="accent5">
                     <a:alpha val="14000"/>
                   </a:schemeClr>
                 </a:gs>
+                <a:gs pos="36000">
+                  <a:schemeClr val="accent5">
+                    <a:alpha val="7000"/>
+                  </a:schemeClr>
+                </a:gs>
                 <a:gs pos="73000">
                   <a:schemeClr val="accent5">
                     <a:alpha val="0"/>
                   </a:schemeClr>
                 </a:gs>
-                <a:gs pos="36000">
-                  <a:schemeClr val="accent5">
-                    <a:alpha val="7000"/>
-                  </a:schemeClr>
-                </a:gs>
               </a:gsLst>
-              <a:path path="circle">
-                <a:fillToRect l="50000" t="50000" r="50000" b="50000"/>
-              </a:path>
-              <a:tileRect/>
+              <a:path path="circle"/>
             </a:gradFill>
             <a:ln>
               <a:noFill/>
@@ -2040,7 +1998,7 @@
           <p:spPr bwMode="gray">
             <a:xfrm rot="21010068">
               <a:off x="8490951" y="2714874"/>
-              <a:ext cx="3299407" cy="440924"/>
+              <a:ext cx="3299406" cy="440924"/>
             </a:xfrm>
             <a:custGeom>
               <a:avLst/>
@@ -2049,7 +2007,7 @@
               <a:cxnLst/>
               <a:rect l="l" t="t" r="r" b="b"/>
               <a:pathLst>
-                <a:path w="10000" h="5291">
+                <a:path w="10000" h="5291" fill="norm" stroke="1" extrusionOk="0">
                   <a:moveTo>
                     <a:pt x="85" y="2532"/>
                   </a:moveTo>
@@ -2196,7 +2154,7 @@
               <a:cxnLst/>
               <a:rect l="l" t="t" r="r" b="b"/>
               <a:pathLst>
-                <a:path w="10000" h="7946">
+                <a:path w="10000" h="7946" fill="norm" stroke="1" extrusionOk="0">
                   <a:moveTo>
                     <a:pt x="0" y="0"/>
                   </a:moveTo>
@@ -2382,7 +2340,7 @@
               <a:cxnLst/>
               <a:rect l="0" t="0" r="r" b="b"/>
               <a:pathLst>
-                <a:path w="15356" h="8638">
+                <a:path w="15356" h="8638" fill="norm" stroke="1" extrusionOk="0">
                   <a:moveTo>
                     <a:pt x="0" y="0"/>
                   </a:moveTo>
@@ -2437,7 +2395,7 @@
             <p:ph type="title"/>
           </p:nvPr>
         </p:nvSpPr>
-        <p:spPr>
+        <p:spPr bwMode="auto">
           <a:xfrm>
             <a:off x="1148798" y="1063417"/>
             <a:ext cx="8831816" cy="1372986"/>
@@ -2451,11 +2409,14 @@
             </a:lvl1pPr>
           </a:lstStyle>
           <a:p>
+            <a:pPr>
+              <a:defRPr/>
+            </a:pPr>
             <a:r>
-              <a:rPr lang="en-US" smtClean="0"/>
+              <a:rPr lang="en-US"/>
               <a:t>Click to edit Master title style</a:t>
             </a:r>
-            <a:endParaRPr lang="en-US" dirty="0"/>
+            <a:endParaRPr lang="en-US"/>
           </a:p>
         </p:txBody>
       </p:sp>
@@ -2469,7 +2430,7 @@
             <p:ph type="body" sz="half" idx="2"/>
           </p:nvPr>
         </p:nvSpPr>
-        <p:spPr>
+        <p:spPr bwMode="auto">
           <a:xfrm>
             <a:off x="1154954" y="3543300"/>
             <a:ext cx="8825659" cy="2476500"/>
@@ -2518,11 +2479,14 @@
             </a:lvl9pPr>
           </a:lstStyle>
           <a:p>
-            <a:pPr lvl="0"/>
+            <a:pPr lvl="0">
+              <a:defRPr/>
+            </a:pPr>
             <a:r>
-              <a:rPr lang="en-US" smtClean="0"/>
+              <a:rPr lang="en-US"/>
               <a:t>Click to edit Master text styles</a:t>
             </a:r>
+            <a:endParaRPr/>
           </a:p>
         </p:txBody>
       </p:sp>
@@ -2536,14 +2500,17 @@
             <p:ph type="dt" sz="half" idx="10"/>
           </p:nvPr>
         </p:nvSpPr>
-        <p:spPr/>
+        <p:spPr bwMode="auto"/>
         <p:txBody>
           <a:bodyPr/>
           <a:lstStyle/>
           <a:p>
+            <a:pPr>
+              <a:defRPr/>
+            </a:pPr>
             <a:fld id="{BA38155F-AEC7-4C83-BD8B-86231E183429}" type="datetimeFigureOut">
-              <a:rPr lang="en-US" smtClean="0"/>
-              <a:t>2/1/2023</a:t>
+              <a:rPr lang="en-US"/>
+              <a:t/>
             </a:fld>
             <a:endParaRPr lang="en-US"/>
           </a:p>
@@ -2559,11 +2526,14 @@
             <p:ph type="ftr" sz="quarter" idx="11"/>
           </p:nvPr>
         </p:nvSpPr>
-        <p:spPr/>
+        <p:spPr bwMode="auto"/>
         <p:txBody>
           <a:bodyPr/>
           <a:lstStyle/>
           <a:p>
+            <a:pPr>
+              <a:defRPr/>
+            </a:pPr>
             <a:endParaRPr lang="en-US"/>
           </a:p>
         </p:txBody>
@@ -2574,7 +2544,7 @@
           <p:cNvSpPr/>
           <p:nvPr/>
         </p:nvSpPr>
-        <p:spPr>
+        <p:spPr bwMode="auto">
           <a:xfrm>
             <a:off x="10437812" y="0"/>
             <a:ext cx="685800" cy="1143000"/>
@@ -2614,46 +2584,32 @@
             <p:ph type="sldNum" sz="quarter" idx="12"/>
           </p:nvPr>
         </p:nvSpPr>
-        <p:spPr/>
+        <p:spPr bwMode="auto"/>
         <p:txBody>
           <a:bodyPr/>
           <a:lstStyle/>
           <a:p>
+            <a:pPr>
+              <a:defRPr/>
+            </a:pPr>
             <a:fld id="{00E55A38-CD7B-4575-ADB2-599742FE9C88}" type="slidenum">
-              <a:rPr lang="en-US" smtClean="0"/>
-              <a:t>‹#›</a:t>
+              <a:rPr lang="en-US"/>
+              <a:t/>
             </a:fld>
             <a:endParaRPr lang="en-US"/>
           </a:p>
         </p:txBody>
       </p:sp>
     </p:spTree>
-    <p:extLst>
-      <p:ext uri="{BB962C8B-B14F-4D97-AF65-F5344CB8AC3E}">
-        <p14:creationId xmlns:p14="http://schemas.microsoft.com/office/powerpoint/2010/main" val="1233945124"/>
-      </p:ext>
-    </p:extLst>
   </p:cSld>
   <p:clrMapOvr>
     <a:masterClrMapping/>
   </p:clrMapOvr>
-  <mc:AlternateContent xmlns:mc="http://schemas.openxmlformats.org/markup-compatibility/2006">
-    <mc:Choice xmlns:p14="http://schemas.microsoft.com/office/powerpoint/2010/main" Requires="p14">
-      <p:transition spd="med" p14:dur="700">
-        <p:fade/>
-      </p:transition>
-    </mc:Choice>
-    <mc:Fallback>
-      <p:transition spd="med">
-        <p:fade/>
-      </p:transition>
-    </mc:Fallback>
-  </mc:AlternateContent>
 </p:sldLayout>
 </file>
 
 <file path=ppt/slideLayouts/slideLayout12.xml><?xml version="1.0" encoding="utf-8"?>
-<p:sldLayout xmlns:a="http://schemas.openxmlformats.org/drawingml/2006/main" xmlns:r="http://schemas.openxmlformats.org/officeDocument/2006/relationships" xmlns:p="http://schemas.openxmlformats.org/presentationml/2006/main" showMasterSp="0" preserve="1">
+<p:sldLayout xmlns:a="http://schemas.openxmlformats.org/drawingml/2006/main" xmlns:r="http://schemas.openxmlformats.org/officeDocument/2006/relationships" xmlns:p="http://schemas.openxmlformats.org/presentationml/2006/main" xmlns:m="http://schemas.openxmlformats.org/officeDocument/2006/math" xmlns:w="http://schemas.openxmlformats.org/wordprocessingml/2006/main" matchingName="" preserve="1" showMasterPhAnim="0" showMasterSp="0" userDrawn="1">
   <p:cSld name="Quote with Caption">
     <p:spTree>
       <p:nvGrpSpPr>
@@ -2661,7 +2617,7 @@
         <p:cNvGrpSpPr/>
         <p:nvPr/>
       </p:nvGrpSpPr>
-      <p:grpSpPr>
+      <p:grpSpPr bwMode="auto">
         <a:xfrm>
           <a:off x="0" y="0"/>
           <a:ext cx="0" cy="0"/>
@@ -2675,7 +2631,7 @@
           <p:cNvGrpSpPr/>
           <p:nvPr/>
         </p:nvGrpSpPr>
-        <p:grpSpPr>
+        <p:grpSpPr bwMode="auto">
           <a:xfrm>
             <a:off x="0" y="0"/>
             <a:ext cx="12192000" cy="6858000"/>
@@ -2689,7 +2645,7 @@
             <p:cNvSpPr/>
             <p:nvPr/>
           </p:nvSpPr>
-          <p:spPr>
+          <p:spPr bwMode="auto">
             <a:xfrm>
               <a:off x="0" y="0"/>
               <a:ext cx="12192000" cy="6858000"/>
@@ -2713,9 +2669,7 @@
                   </a:schemeClr>
                 </a:duotone>
               </a:blip>
-              <a:stretch>
-                <a:fillRect/>
-              </a:stretch>
+              <a:stretch/>
             </a:blipFill>
             <a:ln>
               <a:noFill/>
@@ -2744,7 +2698,7 @@
             <p:cNvSpPr/>
             <p:nvPr/>
           </p:nvSpPr>
-          <p:spPr>
+          <p:spPr bwMode="auto">
             <a:xfrm>
               <a:off x="0" y="2667000"/>
               <a:ext cx="4191000" cy="4191000"/>
@@ -2752,28 +2706,25 @@
             <a:prstGeom prst="ellipse">
               <a:avLst/>
             </a:prstGeom>
-            <a:gradFill flip="none" rotWithShape="1">
+            <a:gradFill>
               <a:gsLst>
                 <a:gs pos="0">
                   <a:schemeClr val="accent5">
                     <a:alpha val="11000"/>
                   </a:schemeClr>
                 </a:gs>
+                <a:gs pos="36000">
+                  <a:schemeClr val="accent5">
+                    <a:alpha val="10000"/>
+                  </a:schemeClr>
+                </a:gs>
                 <a:gs pos="75000">
                   <a:schemeClr val="accent5">
                     <a:alpha val="0"/>
                   </a:schemeClr>
                 </a:gs>
-                <a:gs pos="36000">
-                  <a:schemeClr val="accent5">
-                    <a:alpha val="10000"/>
-                  </a:schemeClr>
-                </a:gs>
               </a:gsLst>
-              <a:path path="circle">
-                <a:fillToRect l="50000" t="50000" r="50000" b="50000"/>
-              </a:path>
-              <a:tileRect/>
+              <a:path path="circle"/>
             </a:gradFill>
             <a:ln>
               <a:noFill/>
@@ -2801,36 +2752,33 @@
             <p:cNvSpPr/>
             <p:nvPr/>
           </p:nvSpPr>
-          <p:spPr>
+          <p:spPr bwMode="auto">
             <a:xfrm>
               <a:off x="0" y="2895600"/>
-              <a:ext cx="2362200" cy="2362200"/>
+              <a:ext cx="2362199" cy="2362199"/>
             </a:xfrm>
             <a:prstGeom prst="ellipse">
               <a:avLst/>
             </a:prstGeom>
-            <a:gradFill flip="none" rotWithShape="1">
+            <a:gradFill>
               <a:gsLst>
                 <a:gs pos="0">
                   <a:schemeClr val="accent5">
                     <a:alpha val="8000"/>
                   </a:schemeClr>
                 </a:gs>
+                <a:gs pos="36000">
+                  <a:schemeClr val="accent5">
+                    <a:alpha val="8000"/>
+                  </a:schemeClr>
+                </a:gs>
                 <a:gs pos="72000">
                   <a:schemeClr val="accent5">
                     <a:alpha val="0"/>
                   </a:schemeClr>
                 </a:gs>
-                <a:gs pos="36000">
-                  <a:schemeClr val="accent5">
-                    <a:alpha val="8000"/>
-                  </a:schemeClr>
-                </a:gs>
               </a:gsLst>
-              <a:path path="circle">
-                <a:fillToRect l="50000" t="50000" r="50000" b="50000"/>
-              </a:path>
-              <a:tileRect/>
+              <a:path path="circle"/>
             </a:gradFill>
             <a:ln>
               <a:noFill/>
@@ -2858,36 +2806,33 @@
             <p:cNvSpPr/>
             <p:nvPr/>
           </p:nvSpPr>
-          <p:spPr>
+          <p:spPr bwMode="auto">
             <a:xfrm>
-              <a:off x="8609012" y="5867400"/>
+              <a:off x="8609012" y="5867399"/>
               <a:ext cx="990600" cy="990600"/>
             </a:xfrm>
             <a:prstGeom prst="ellipse">
               <a:avLst/>
             </a:prstGeom>
-            <a:gradFill flip="none" rotWithShape="1">
+            <a:gradFill>
               <a:gsLst>
                 <a:gs pos="0">
                   <a:schemeClr val="accent5">
                     <a:alpha val="14000"/>
                   </a:schemeClr>
                 </a:gs>
+                <a:gs pos="36000">
+                  <a:schemeClr val="accent5">
+                    <a:alpha val="7000"/>
+                  </a:schemeClr>
+                </a:gs>
                 <a:gs pos="66000">
                   <a:schemeClr val="accent5">
                     <a:alpha val="0"/>
                   </a:schemeClr>
                 </a:gs>
-                <a:gs pos="36000">
-                  <a:schemeClr val="accent5">
-                    <a:alpha val="7000"/>
-                  </a:schemeClr>
-                </a:gs>
               </a:gsLst>
-              <a:path path="circle">
-                <a:fillToRect l="50000" t="50000" r="50000" b="50000"/>
-              </a:path>
-              <a:tileRect/>
+              <a:path path="circle"/>
             </a:gradFill>
             <a:ln>
               <a:noFill/>
@@ -2915,7 +2860,7 @@
             <p:cNvSpPr/>
             <p:nvPr/>
           </p:nvSpPr>
-          <p:spPr>
+          <p:spPr bwMode="auto">
             <a:xfrm>
               <a:off x="8609012" y="1676400"/>
               <a:ext cx="2819400" cy="2819400"/>
@@ -2923,28 +2868,25 @@
             <a:prstGeom prst="ellipse">
               <a:avLst/>
             </a:prstGeom>
-            <a:gradFill flip="none" rotWithShape="1">
+            <a:gradFill>
               <a:gsLst>
                 <a:gs pos="0">
                   <a:schemeClr val="accent5">
                     <a:alpha val="7000"/>
                   </a:schemeClr>
                 </a:gs>
+                <a:gs pos="36000">
+                  <a:schemeClr val="accent5">
+                    <a:alpha val="6000"/>
+                  </a:schemeClr>
+                </a:gs>
                 <a:gs pos="69000">
                   <a:schemeClr val="accent5">
                     <a:alpha val="0"/>
                   </a:schemeClr>
                 </a:gs>
-                <a:gs pos="36000">
-                  <a:schemeClr val="accent5">
-                    <a:alpha val="6000"/>
-                  </a:schemeClr>
-                </a:gs>
               </a:gsLst>
-              <a:path path="circle">
-                <a:fillToRect l="50000" t="50000" r="50000" b="50000"/>
-              </a:path>
-              <a:tileRect/>
+              <a:path path="circle"/>
             </a:gradFill>
             <a:ln>
               <a:noFill/>
@@ -2972,7 +2914,7 @@
             <p:cNvSpPr/>
             <p:nvPr/>
           </p:nvSpPr>
-          <p:spPr>
+          <p:spPr bwMode="auto">
             <a:xfrm>
               <a:off x="7999412" y="8464"/>
               <a:ext cx="1600200" cy="1600200"/>
@@ -2980,28 +2922,25 @@
             <a:prstGeom prst="ellipse">
               <a:avLst/>
             </a:prstGeom>
-            <a:gradFill flip="none" rotWithShape="1">
+            <a:gradFill>
               <a:gsLst>
                 <a:gs pos="0">
                   <a:schemeClr val="accent5">
                     <a:alpha val="14000"/>
                   </a:schemeClr>
                 </a:gs>
+                <a:gs pos="36000">
+                  <a:schemeClr val="accent5">
+                    <a:alpha val="7000"/>
+                  </a:schemeClr>
+                </a:gs>
                 <a:gs pos="73000">
                   <a:schemeClr val="accent5">
                     <a:alpha val="0"/>
                   </a:schemeClr>
                 </a:gs>
-                <a:gs pos="36000">
-                  <a:schemeClr val="accent5">
-                    <a:alpha val="7000"/>
-                  </a:schemeClr>
-                </a:gs>
               </a:gsLst>
-              <a:path path="circle">
-                <a:fillToRect l="50000" t="50000" r="50000" b="50000"/>
-              </a:path>
-              <a:tileRect/>
+              <a:path path="circle"/>
             </a:gradFill>
             <a:ln>
               <a:noFill/>
@@ -3032,7 +2971,7 @@
           <p:spPr bwMode="gray">
             <a:xfrm rot="21010068">
               <a:off x="8490951" y="4185117"/>
-              <a:ext cx="3299407" cy="440924"/>
+              <a:ext cx="3299406" cy="440924"/>
             </a:xfrm>
             <a:custGeom>
               <a:avLst/>
@@ -3041,7 +2980,7 @@
               <a:cxnLst/>
               <a:rect l="l" t="t" r="r" b="b"/>
               <a:pathLst>
-                <a:path w="10000" h="5291">
+                <a:path w="10000" h="5291" fill="norm" stroke="1" extrusionOk="0">
                   <a:moveTo>
                     <a:pt x="85" y="2532"/>
                   </a:moveTo>
@@ -3188,7 +3127,7 @@
               <a:cxnLst/>
               <a:rect l="l" t="t" r="r" b="b"/>
               <a:pathLst>
-                <a:path w="10000" h="8000">
+                <a:path w="10000" h="8000" fill="norm" stroke="1" extrusionOk="0">
                   <a:moveTo>
                     <a:pt x="0" y="0"/>
                   </a:moveTo>
@@ -3374,7 +3313,7 @@
               <a:cxnLst/>
               <a:rect l="0" t="0" r="r" b="b"/>
               <a:pathLst>
-                <a:path w="15356" h="8638">
+                <a:path w="15356" h="8638" fill="norm" stroke="1" extrusionOk="0">
                   <a:moveTo>
                     <a:pt x="0" y="0"/>
                   </a:moveTo>
@@ -3441,9 +3380,11 @@
           </a:bodyPr>
           <a:lstStyle/>
           <a:p>
-            <a:pPr algn="r"/>
+            <a:pPr algn="r">
+              <a:defRPr/>
+            </a:pPr>
             <a:r>
-              <a:rPr lang="en-US" sz="9600" b="0" i="0" dirty="0">
+              <a:rPr lang="en-US" sz="9600" b="0" i="0">
                 <a:solidFill>
                   <a:schemeClr val="accent1">
                     <a:lumMod val="60000"/>
@@ -3455,6 +3396,7 @@
               </a:rPr>
               <a:t>“</a:t>
             </a:r>
+            <a:endParaRPr/>
           </a:p>
         </p:txBody>
       </p:sp>
@@ -3480,9 +3422,11 @@
           </a:bodyPr>
           <a:lstStyle/>
           <a:p>
-            <a:pPr algn="r"/>
+            <a:pPr algn="r">
+              <a:defRPr/>
+            </a:pPr>
             <a:r>
-              <a:rPr lang="en-US" sz="9600" b="0" i="0" dirty="0">
+              <a:rPr lang="en-US" sz="9600" b="0" i="0">
                 <a:solidFill>
                   <a:schemeClr val="accent1">
                     <a:lumMod val="60000"/>
@@ -3494,6 +3438,7 @@
               </a:rPr>
               <a:t>”</a:t>
             </a:r>
+            <a:endParaRPr/>
           </a:p>
         </p:txBody>
       </p:sp>
@@ -3507,7 +3452,7 @@
             <p:ph type="title"/>
           </p:nvPr>
         </p:nvSpPr>
-        <p:spPr>
+        <p:spPr bwMode="auto">
           <a:xfrm>
             <a:off x="1581878" y="982134"/>
             <a:ext cx="8453906" cy="2696632"/>
@@ -3521,11 +3466,14 @@
             </a:lvl1pPr>
           </a:lstStyle>
           <a:p>
+            <a:pPr>
+              <a:defRPr/>
+            </a:pPr>
             <a:r>
-              <a:rPr lang="en-US" smtClean="0"/>
+              <a:rPr lang="en-US"/>
               <a:t>Click to edit Master title style</a:t>
             </a:r>
-            <a:endParaRPr lang="en-US" dirty="0"/>
+            <a:endParaRPr lang="en-US"/>
           </a:p>
         </p:txBody>
       </p:sp>
@@ -3552,7 +3500,7 @@
           <a:lstStyle>
             <a:lvl1pPr marL="0" indent="0">
               <a:buNone/>
-              <a:defRPr lang="en-US" sz="1400" b="0" i="0" kern="1200" cap="small" dirty="0">
+              <a:defRPr lang="en-US" sz="1400" b="0" i="0" cap="small">
                 <a:solidFill>
                   <a:schemeClr val="accent1">
                     <a:lumMod val="60000"/>
@@ -3597,11 +3545,14 @@
             </a:lvl9pPr>
           </a:lstStyle>
           <a:p>
-            <a:pPr lvl="0"/>
+            <a:pPr lvl="0">
+              <a:defRPr/>
+            </a:pPr>
             <a:r>
-              <a:rPr lang="en-US" smtClean="0"/>
+              <a:rPr lang="en-US"/>
               <a:t>Click to edit Master text styles</a:t>
             </a:r>
+            <a:endParaRPr/>
           </a:p>
         </p:txBody>
       </p:sp>
@@ -3615,7 +3566,7 @@
             <p:ph type="body" sz="half" idx="2"/>
           </p:nvPr>
         </p:nvSpPr>
-        <p:spPr>
+        <p:spPr bwMode="auto">
           <a:xfrm>
             <a:off x="1154954" y="5029199"/>
             <a:ext cx="9244897" cy="997857"/>
@@ -3664,11 +3615,14 @@
             </a:lvl9pPr>
           </a:lstStyle>
           <a:p>
-            <a:pPr lvl="0"/>
+            <a:pPr lvl="0">
+              <a:defRPr/>
+            </a:pPr>
             <a:r>
-              <a:rPr lang="en-US" smtClean="0"/>
+              <a:rPr lang="en-US"/>
               <a:t>Click to edit Master text styles</a:t>
             </a:r>
+            <a:endParaRPr/>
           </a:p>
         </p:txBody>
       </p:sp>
@@ -3682,14 +3636,17 @@
             <p:ph type="dt" sz="half" idx="10"/>
           </p:nvPr>
         </p:nvSpPr>
-        <p:spPr/>
+        <p:spPr bwMode="auto"/>
         <p:txBody>
           <a:bodyPr/>
           <a:lstStyle/>
           <a:p>
+            <a:pPr>
+              <a:defRPr/>
+            </a:pPr>
             <a:fld id="{BA38155F-AEC7-4C83-BD8B-86231E183429}" type="datetimeFigureOut">
-              <a:rPr lang="en-US" smtClean="0"/>
-              <a:t>2/1/2023</a:t>
+              <a:rPr lang="en-US"/>
+              <a:t/>
             </a:fld>
             <a:endParaRPr lang="en-US"/>
           </a:p>
@@ -3705,11 +3662,14 @@
             <p:ph type="ftr" sz="quarter" idx="11"/>
           </p:nvPr>
         </p:nvSpPr>
-        <p:spPr/>
+        <p:spPr bwMode="auto"/>
         <p:txBody>
           <a:bodyPr/>
           <a:lstStyle/>
           <a:p>
+            <a:pPr>
+              <a:defRPr/>
+            </a:pPr>
             <a:endParaRPr lang="en-US"/>
           </a:p>
         </p:txBody>
@@ -3720,7 +3680,7 @@
           <p:cNvSpPr/>
           <p:nvPr/>
         </p:nvSpPr>
-        <p:spPr>
+        <p:spPr bwMode="auto">
           <a:xfrm>
             <a:off x="10437812" y="0"/>
             <a:ext cx="685800" cy="1143000"/>
@@ -3760,46 +3720,32 @@
             <p:ph type="sldNum" sz="quarter" idx="12"/>
           </p:nvPr>
         </p:nvSpPr>
-        <p:spPr/>
+        <p:spPr bwMode="auto"/>
         <p:txBody>
           <a:bodyPr/>
           <a:lstStyle/>
           <a:p>
+            <a:pPr>
+              <a:defRPr/>
+            </a:pPr>
             <a:fld id="{00E55A38-CD7B-4575-ADB2-599742FE9C88}" type="slidenum">
-              <a:rPr lang="en-US" smtClean="0"/>
-              <a:t>‹#›</a:t>
+              <a:rPr lang="en-US"/>
+              <a:t/>
             </a:fld>
             <a:endParaRPr lang="en-US"/>
           </a:p>
         </p:txBody>
       </p:sp>
     </p:spTree>
-    <p:extLst>
-      <p:ext uri="{BB962C8B-B14F-4D97-AF65-F5344CB8AC3E}">
-        <p14:creationId xmlns:p14="http://schemas.microsoft.com/office/powerpoint/2010/main" val="329806969"/>
-      </p:ext>
-    </p:extLst>
   </p:cSld>
   <p:clrMapOvr>
     <a:masterClrMapping/>
   </p:clrMapOvr>
-  <mc:AlternateContent xmlns:mc="http://schemas.openxmlformats.org/markup-compatibility/2006">
-    <mc:Choice xmlns:p14="http://schemas.microsoft.com/office/powerpoint/2010/main" Requires="p14">
-      <p:transition spd="med" p14:dur="700">
-        <p:fade/>
-      </p:transition>
-    </mc:Choice>
-    <mc:Fallback>
-      <p:transition spd="med">
-        <p:fade/>
-      </p:transition>
-    </mc:Fallback>
-  </mc:AlternateContent>
 </p:sldLayout>
 </file>
 
 <file path=ppt/slideLayouts/slideLayout13.xml><?xml version="1.0" encoding="utf-8"?>
-<p:sldLayout xmlns:a="http://schemas.openxmlformats.org/drawingml/2006/main" xmlns:r="http://schemas.openxmlformats.org/officeDocument/2006/relationships" xmlns:p="http://schemas.openxmlformats.org/presentationml/2006/main" showMasterSp="0" preserve="1">
+<p:sldLayout xmlns:a="http://schemas.openxmlformats.org/drawingml/2006/main" xmlns:r="http://schemas.openxmlformats.org/officeDocument/2006/relationships" xmlns:p="http://schemas.openxmlformats.org/presentationml/2006/main" xmlns:m="http://schemas.openxmlformats.org/officeDocument/2006/math" xmlns:w="http://schemas.openxmlformats.org/wordprocessingml/2006/main" matchingName="" preserve="1" showMasterPhAnim="0" showMasterSp="0" userDrawn="1">
   <p:cSld name="Name Card">
     <p:spTree>
       <p:nvGrpSpPr>
@@ -3807,7 +3753,7 @@
         <p:cNvGrpSpPr/>
         <p:nvPr/>
       </p:nvGrpSpPr>
-      <p:grpSpPr>
+      <p:grpSpPr bwMode="auto">
         <a:xfrm>
           <a:off x="0" y="0"/>
           <a:ext cx="0" cy="0"/>
@@ -3821,7 +3767,7 @@
           <p:cNvGrpSpPr/>
           <p:nvPr/>
         </p:nvGrpSpPr>
-        <p:grpSpPr>
+        <p:grpSpPr bwMode="auto">
           <a:xfrm>
             <a:off x="0" y="0"/>
             <a:ext cx="12192000" cy="6858000"/>
@@ -3835,7 +3781,7 @@
             <p:cNvSpPr/>
             <p:nvPr/>
           </p:nvSpPr>
-          <p:spPr>
+          <p:spPr bwMode="auto">
             <a:xfrm>
               <a:off x="0" y="0"/>
               <a:ext cx="12192000" cy="6858000"/>
@@ -3859,9 +3805,7 @@
                   </a:schemeClr>
                 </a:duotone>
               </a:blip>
-              <a:stretch>
-                <a:fillRect/>
-              </a:stretch>
+              <a:stretch/>
             </a:blipFill>
             <a:ln>
               <a:noFill/>
@@ -3890,7 +3834,7 @@
             <p:cNvSpPr/>
             <p:nvPr/>
           </p:nvSpPr>
-          <p:spPr>
+          <p:spPr bwMode="auto">
             <a:xfrm>
               <a:off x="0" y="2667000"/>
               <a:ext cx="4191000" cy="4191000"/>
@@ -3898,28 +3842,25 @@
             <a:prstGeom prst="ellipse">
               <a:avLst/>
             </a:prstGeom>
-            <a:gradFill flip="none" rotWithShape="1">
+            <a:gradFill>
               <a:gsLst>
                 <a:gs pos="0">
                   <a:schemeClr val="accent5">
                     <a:alpha val="11000"/>
                   </a:schemeClr>
                 </a:gs>
+                <a:gs pos="36000">
+                  <a:schemeClr val="accent5">
+                    <a:alpha val="10000"/>
+                  </a:schemeClr>
+                </a:gs>
                 <a:gs pos="75000">
                   <a:schemeClr val="accent5">
                     <a:alpha val="0"/>
                   </a:schemeClr>
                 </a:gs>
-                <a:gs pos="36000">
-                  <a:schemeClr val="accent5">
-                    <a:alpha val="10000"/>
-                  </a:schemeClr>
-                </a:gs>
               </a:gsLst>
-              <a:path path="circle">
-                <a:fillToRect l="50000" t="50000" r="50000" b="50000"/>
-              </a:path>
-              <a:tileRect/>
+              <a:path path="circle"/>
             </a:gradFill>
             <a:ln>
               <a:noFill/>
@@ -3947,36 +3888,33 @@
             <p:cNvSpPr/>
             <p:nvPr/>
           </p:nvSpPr>
-          <p:spPr>
+          <p:spPr bwMode="auto">
             <a:xfrm>
               <a:off x="0" y="2895600"/>
-              <a:ext cx="2362200" cy="2362200"/>
+              <a:ext cx="2362199" cy="2362199"/>
             </a:xfrm>
             <a:prstGeom prst="ellipse">
               <a:avLst/>
             </a:prstGeom>
-            <a:gradFill flip="none" rotWithShape="1">
+            <a:gradFill>
               <a:gsLst>
                 <a:gs pos="0">
                   <a:schemeClr val="accent5">
                     <a:alpha val="8000"/>
                   </a:schemeClr>
                 </a:gs>
+                <a:gs pos="36000">
+                  <a:schemeClr val="accent5">
+                    <a:alpha val="8000"/>
+                  </a:schemeClr>
+                </a:gs>
                 <a:gs pos="72000">
                   <a:schemeClr val="accent5">
                     <a:alpha val="0"/>
                   </a:schemeClr>
                 </a:gs>
-                <a:gs pos="36000">
-                  <a:schemeClr val="accent5">
-                    <a:alpha val="8000"/>
-                  </a:schemeClr>
-                </a:gs>
               </a:gsLst>
-              <a:path path="circle">
-                <a:fillToRect l="50000" t="50000" r="50000" b="50000"/>
-              </a:path>
-              <a:tileRect/>
+              <a:path path="circle"/>
             </a:gradFill>
             <a:ln>
               <a:noFill/>
@@ -4004,36 +3942,33 @@
             <p:cNvSpPr/>
             <p:nvPr/>
           </p:nvSpPr>
-          <p:spPr>
+          <p:spPr bwMode="auto">
             <a:xfrm>
-              <a:off x="8609012" y="5867400"/>
+              <a:off x="8609012" y="5867399"/>
               <a:ext cx="990600" cy="990600"/>
             </a:xfrm>
             <a:prstGeom prst="ellipse">
               <a:avLst/>
             </a:prstGeom>
-            <a:gradFill flip="none" rotWithShape="1">
+            <a:gradFill>
               <a:gsLst>
                 <a:gs pos="0">
                   <a:schemeClr val="accent5">
                     <a:alpha val="14000"/>
                   </a:schemeClr>
                 </a:gs>
+                <a:gs pos="36000">
+                  <a:schemeClr val="accent5">
+                    <a:alpha val="7000"/>
+                  </a:schemeClr>
+                </a:gs>
                 <a:gs pos="66000">
                   <a:schemeClr val="accent5">
                     <a:alpha val="0"/>
                   </a:schemeClr>
                 </a:gs>
-                <a:gs pos="36000">
-                  <a:schemeClr val="accent5">
-                    <a:alpha val="7000"/>
-                  </a:schemeClr>
-                </a:gs>
               </a:gsLst>
-              <a:path path="circle">
-                <a:fillToRect l="50000" t="50000" r="50000" b="50000"/>
-              </a:path>
-              <a:tileRect/>
+              <a:path path="circle"/>
             </a:gradFill>
             <a:ln>
               <a:noFill/>
@@ -4061,7 +3996,7 @@
             <p:cNvSpPr/>
             <p:nvPr/>
           </p:nvSpPr>
-          <p:spPr>
+          <p:spPr bwMode="auto">
             <a:xfrm>
               <a:off x="8609012" y="1676400"/>
               <a:ext cx="2819400" cy="2819400"/>
@@ -4069,28 +4004,25 @@
             <a:prstGeom prst="ellipse">
               <a:avLst/>
             </a:prstGeom>
-            <a:gradFill flip="none" rotWithShape="1">
+            <a:gradFill>
               <a:gsLst>
                 <a:gs pos="0">
                   <a:schemeClr val="accent5">
                     <a:alpha val="7000"/>
                   </a:schemeClr>
                 </a:gs>
+                <a:gs pos="36000">
+                  <a:schemeClr val="accent5">
+                    <a:alpha val="6000"/>
+                  </a:schemeClr>
+                </a:gs>
                 <a:gs pos="69000">
                   <a:schemeClr val="accent5">
                     <a:alpha val="0"/>
                   </a:schemeClr>
                 </a:gs>
-                <a:gs pos="36000">
-                  <a:schemeClr val="accent5">
-                    <a:alpha val="6000"/>
-                  </a:schemeClr>
-                </a:gs>
               </a:gsLst>
-              <a:path path="circle">
-                <a:fillToRect l="50000" t="50000" r="50000" b="50000"/>
-              </a:path>
-              <a:tileRect/>
+              <a:path path="circle"/>
             </a:gradFill>
             <a:ln>
               <a:noFill/>
@@ -4118,7 +4050,7 @@
             <p:cNvSpPr/>
             <p:nvPr/>
           </p:nvSpPr>
-          <p:spPr>
+          <p:spPr bwMode="auto">
             <a:xfrm>
               <a:off x="7999412" y="8464"/>
               <a:ext cx="1600200" cy="1600200"/>
@@ -4126,28 +4058,25 @@
             <a:prstGeom prst="ellipse">
               <a:avLst/>
             </a:prstGeom>
-            <a:gradFill flip="none" rotWithShape="1">
+            <a:gradFill>
               <a:gsLst>
                 <a:gs pos="0">
                   <a:schemeClr val="accent5">
                     <a:alpha val="14000"/>
                   </a:schemeClr>
                 </a:gs>
+                <a:gs pos="36000">
+                  <a:schemeClr val="accent5">
+                    <a:alpha val="7000"/>
+                  </a:schemeClr>
+                </a:gs>
                 <a:gs pos="73000">
                   <a:schemeClr val="accent5">
                     <a:alpha val="0"/>
                   </a:schemeClr>
                 </a:gs>
-                <a:gs pos="36000">
-                  <a:schemeClr val="accent5">
-                    <a:alpha val="7000"/>
-                  </a:schemeClr>
-                </a:gs>
               </a:gsLst>
-              <a:path path="circle">
-                <a:fillToRect l="50000" t="50000" r="50000" b="50000"/>
-              </a:path>
-              <a:tileRect/>
+              <a:path path="circle"/>
             </a:gradFill>
             <a:ln>
               <a:noFill/>
@@ -4178,7 +4107,7 @@
           <p:spPr bwMode="gray">
             <a:xfrm rot="21010068">
               <a:off x="8490951" y="4193583"/>
-              <a:ext cx="3299407" cy="440924"/>
+              <a:ext cx="3299406" cy="440924"/>
             </a:xfrm>
             <a:custGeom>
               <a:avLst/>
@@ -4187,7 +4116,7 @@
               <a:cxnLst/>
               <a:rect l="l" t="t" r="r" b="b"/>
               <a:pathLst>
-                <a:path w="10000" h="5291">
+                <a:path w="10000" h="5291" fill="norm" stroke="1" extrusionOk="0">
                   <a:moveTo>
                     <a:pt x="85" y="2532"/>
                   </a:moveTo>
@@ -4334,7 +4263,7 @@
               <a:cxnLst/>
               <a:rect l="l" t="t" r="r" b="b"/>
               <a:pathLst>
-                <a:path w="10000" h="8000">
+                <a:path w="10000" h="8000" fill="norm" stroke="1" extrusionOk="0">
                   <a:moveTo>
                     <a:pt x="0" y="0"/>
                   </a:moveTo>
@@ -4520,7 +4449,7 @@
               <a:cxnLst/>
               <a:rect l="0" t="0" r="r" b="b"/>
               <a:pathLst>
-                <a:path w="15356" h="8638">
+                <a:path w="15356" h="8638" fill="norm" stroke="1" extrusionOk="0">
                   <a:moveTo>
                     <a:pt x="0" y="0"/>
                   </a:moveTo>
@@ -4575,7 +4504,7 @@
             <p:ph type="title"/>
           </p:nvPr>
         </p:nvSpPr>
-        <p:spPr>
+        <p:spPr bwMode="auto">
           <a:xfrm>
             <a:off x="1154954" y="2370667"/>
             <a:ext cx="8825660" cy="1822514"/>
@@ -4589,11 +4518,14 @@
             </a:lvl1pPr>
           </a:lstStyle>
           <a:p>
+            <a:pPr>
+              <a:defRPr/>
+            </a:pPr>
             <a:r>
-              <a:rPr lang="en-US" smtClean="0"/>
+              <a:rPr lang="en-US"/>
               <a:t>Click to edit Master title style</a:t>
             </a:r>
-            <a:endParaRPr lang="en-US" dirty="0"/>
+            <a:endParaRPr lang="en-US"/>
           </a:p>
         </p:txBody>
       </p:sp>
@@ -4607,7 +4539,7 @@
             <p:ph type="body" idx="1"/>
           </p:nvPr>
         </p:nvSpPr>
-        <p:spPr>
+        <p:spPr bwMode="auto">
           <a:xfrm>
             <a:off x="1154954" y="5024967"/>
             <a:ext cx="8825659" cy="860400"/>
@@ -4709,11 +4641,14 @@
             </a:lvl9pPr>
           </a:lstStyle>
           <a:p>
-            <a:pPr lvl="0"/>
+            <a:pPr lvl="0">
+              <a:defRPr/>
+            </a:pPr>
             <a:r>
-              <a:rPr lang="en-US" smtClean="0"/>
+              <a:rPr lang="en-US"/>
               <a:t>Click to edit Master text styles</a:t>
             </a:r>
+            <a:endParaRPr/>
           </a:p>
         </p:txBody>
       </p:sp>
@@ -4727,14 +4662,17 @@
             <p:ph type="dt" sz="half" idx="10"/>
           </p:nvPr>
         </p:nvSpPr>
-        <p:spPr/>
+        <p:spPr bwMode="auto"/>
         <p:txBody>
           <a:bodyPr/>
           <a:lstStyle/>
           <a:p>
+            <a:pPr>
+              <a:defRPr/>
+            </a:pPr>
             <a:fld id="{BA38155F-AEC7-4C83-BD8B-86231E183429}" type="datetimeFigureOut">
-              <a:rPr lang="en-US" smtClean="0"/>
-              <a:t>2/1/2023</a:t>
+              <a:rPr lang="en-US"/>
+              <a:t/>
             </a:fld>
             <a:endParaRPr lang="en-US"/>
           </a:p>
@@ -4750,11 +4688,14 @@
             <p:ph type="ftr" sz="quarter" idx="11"/>
           </p:nvPr>
         </p:nvSpPr>
-        <p:spPr/>
+        <p:spPr bwMode="auto"/>
         <p:txBody>
           <a:bodyPr/>
           <a:lstStyle/>
           <a:p>
+            <a:pPr>
+              <a:defRPr/>
+            </a:pPr>
             <a:endParaRPr lang="en-US"/>
           </a:p>
         </p:txBody>
@@ -4765,7 +4706,7 @@
           <p:cNvSpPr/>
           <p:nvPr/>
         </p:nvSpPr>
-        <p:spPr>
+        <p:spPr bwMode="auto">
           <a:xfrm>
             <a:off x="10437812" y="0"/>
             <a:ext cx="685800" cy="1143000"/>
@@ -4805,46 +4746,32 @@
             <p:ph type="sldNum" sz="quarter" idx="12"/>
           </p:nvPr>
         </p:nvSpPr>
-        <p:spPr/>
+        <p:spPr bwMode="auto"/>
         <p:txBody>
           <a:bodyPr/>
           <a:lstStyle/>
           <a:p>
+            <a:pPr>
+              <a:defRPr/>
+            </a:pPr>
             <a:fld id="{00E55A38-CD7B-4575-ADB2-599742FE9C88}" type="slidenum">
-              <a:rPr lang="en-US" smtClean="0"/>
-              <a:t>‹#›</a:t>
+              <a:rPr lang="en-US"/>
+              <a:t/>
             </a:fld>
             <a:endParaRPr lang="en-US"/>
           </a:p>
         </p:txBody>
       </p:sp>
     </p:spTree>
-    <p:extLst>
-      <p:ext uri="{BB962C8B-B14F-4D97-AF65-F5344CB8AC3E}">
-        <p14:creationId xmlns:p14="http://schemas.microsoft.com/office/powerpoint/2010/main" val="3765822741"/>
-      </p:ext>
-    </p:extLst>
   </p:cSld>
   <p:clrMapOvr>
     <a:masterClrMapping/>
   </p:clrMapOvr>
-  <mc:AlternateContent xmlns:mc="http://schemas.openxmlformats.org/markup-compatibility/2006">
-    <mc:Choice xmlns:p14="http://schemas.microsoft.com/office/powerpoint/2010/main" Requires="p14">
-      <p:transition spd="med" p14:dur="700">
-        <p:fade/>
-      </p:transition>
-    </mc:Choice>
-    <mc:Fallback>
-      <p:transition spd="med">
-        <p:fade/>
-      </p:transition>
-    </mc:Fallback>
-  </mc:AlternateContent>
 </p:sldLayout>
 </file>
 
 <file path=ppt/slideLayouts/slideLayout14.xml><?xml version="1.0" encoding="utf-8"?>
-<p:sldLayout xmlns:a="http://schemas.openxmlformats.org/drawingml/2006/main" xmlns:r="http://schemas.openxmlformats.org/officeDocument/2006/relationships" xmlns:p="http://schemas.openxmlformats.org/presentationml/2006/main" preserve="1">
+<p:sldLayout xmlns:a="http://schemas.openxmlformats.org/drawingml/2006/main" xmlns:r="http://schemas.openxmlformats.org/officeDocument/2006/relationships" xmlns:p="http://schemas.openxmlformats.org/presentationml/2006/main" xmlns:m="http://schemas.openxmlformats.org/officeDocument/2006/math" xmlns:w="http://schemas.openxmlformats.org/wordprocessingml/2006/main" matchingName="" preserve="1" showMasterPhAnim="0" userDrawn="1">
   <p:cSld name="3 Column">
     <p:spTree>
       <p:nvGrpSpPr>
@@ -4852,7 +4779,7 @@
         <p:cNvGrpSpPr/>
         <p:nvPr/>
       </p:nvGrpSpPr>
-      <p:grpSpPr>
+      <p:grpSpPr bwMode="auto">
         <a:xfrm>
           <a:off x="0" y="0"/>
           <a:ext cx="0" cy="0"/>
@@ -4870,7 +4797,7 @@
             <p:ph type="title"/>
           </p:nvPr>
         </p:nvSpPr>
-        <p:spPr>
+        <p:spPr bwMode="auto">
           <a:xfrm>
             <a:off x="1154954" y="973668"/>
             <a:ext cx="8825659" cy="706964"/>
@@ -4884,11 +4811,14 @@
             </a:lvl1pPr>
           </a:lstStyle>
           <a:p>
+            <a:pPr>
+              <a:defRPr/>
+            </a:pPr>
             <a:r>
-              <a:rPr lang="en-US" smtClean="0"/>
+              <a:rPr lang="en-US"/>
               <a:t>Click to edit Master title style</a:t>
             </a:r>
-            <a:endParaRPr lang="en-US" dirty="0"/>
+            <a:endParaRPr lang="en-US"/>
           </a:p>
         </p:txBody>
       </p:sp>
@@ -4902,7 +4832,7 @@
             <p:ph type="body" idx="1"/>
           </p:nvPr>
         </p:nvSpPr>
-        <p:spPr>
+        <p:spPr bwMode="auto">
           <a:xfrm>
             <a:off x="1154954" y="2603502"/>
             <a:ext cx="3141878" cy="576262"/>
@@ -4958,11 +4888,14 @@
             </a:lvl9pPr>
           </a:lstStyle>
           <a:p>
-            <a:pPr lvl="0"/>
+            <a:pPr lvl="0">
+              <a:defRPr/>
+            </a:pPr>
             <a:r>
-              <a:rPr lang="en-US" smtClean="0"/>
+              <a:rPr lang="en-US"/>
               <a:t>Click to edit Master text styles</a:t>
             </a:r>
+            <a:endParaRPr/>
           </a:p>
         </p:txBody>
       </p:sp>
@@ -4976,7 +4909,7 @@
             <p:ph type="body" sz="half" idx="15"/>
           </p:nvPr>
         </p:nvSpPr>
-        <p:spPr>
+        <p:spPr bwMode="auto">
           <a:xfrm>
             <a:off x="1154953" y="3179764"/>
             <a:ext cx="3141879" cy="2847293"/>
@@ -5025,11 +4958,14 @@
             </a:lvl9pPr>
           </a:lstStyle>
           <a:p>
-            <a:pPr lvl="0"/>
+            <a:pPr lvl="0">
+              <a:defRPr/>
+            </a:pPr>
             <a:r>
-              <a:rPr lang="en-US" smtClean="0"/>
+              <a:rPr lang="en-US"/>
               <a:t>Click to edit Master text styles</a:t>
             </a:r>
+            <a:endParaRPr/>
           </a:p>
         </p:txBody>
       </p:sp>
@@ -5043,7 +4979,7 @@
             <p:ph type="body" sz="quarter" idx="3"/>
           </p:nvPr>
         </p:nvSpPr>
-        <p:spPr>
+        <p:spPr bwMode="auto">
           <a:xfrm>
             <a:off x="4512721" y="2603500"/>
             <a:ext cx="3147009" cy="576262"/>
@@ -5099,11 +5035,14 @@
             </a:lvl9pPr>
           </a:lstStyle>
           <a:p>
-            <a:pPr lvl="0"/>
+            <a:pPr lvl="0">
+              <a:defRPr/>
+            </a:pPr>
             <a:r>
-              <a:rPr lang="en-US" smtClean="0"/>
+              <a:rPr lang="en-US"/>
               <a:t>Click to edit Master text styles</a:t>
             </a:r>
+            <a:endParaRPr/>
           </a:p>
         </p:txBody>
       </p:sp>
@@ -5117,7 +5056,7 @@
             <p:ph type="body" sz="half" idx="16"/>
           </p:nvPr>
         </p:nvSpPr>
-        <p:spPr>
+        <p:spPr bwMode="auto">
           <a:xfrm>
             <a:off x="4512721" y="3179763"/>
             <a:ext cx="3147009" cy="2847293"/>
@@ -5166,11 +5105,14 @@
             </a:lvl9pPr>
           </a:lstStyle>
           <a:p>
-            <a:pPr lvl="0"/>
+            <a:pPr lvl="0">
+              <a:defRPr/>
+            </a:pPr>
             <a:r>
-              <a:rPr lang="en-US" smtClean="0"/>
+              <a:rPr lang="en-US"/>
               <a:t>Click to edit Master text styles</a:t>
             </a:r>
+            <a:endParaRPr/>
           </a:p>
         </p:txBody>
       </p:sp>
@@ -5184,7 +5126,7 @@
             <p:ph type="body" sz="quarter" idx="13"/>
           </p:nvPr>
         </p:nvSpPr>
-        <p:spPr>
+        <p:spPr bwMode="auto">
           <a:xfrm>
             <a:off x="7888135" y="2603501"/>
             <a:ext cx="3145730" cy="576262"/>
@@ -5240,11 +5182,14 @@
             </a:lvl9pPr>
           </a:lstStyle>
           <a:p>
-            <a:pPr lvl="0"/>
+            <a:pPr lvl="0">
+              <a:defRPr/>
+            </a:pPr>
             <a:r>
-              <a:rPr lang="en-US" smtClean="0"/>
+              <a:rPr lang="en-US"/>
               <a:t>Click to edit Master text styles</a:t>
             </a:r>
+            <a:endParaRPr/>
           </a:p>
         </p:txBody>
       </p:sp>
@@ -5258,7 +5203,7 @@
             <p:ph type="body" sz="half" idx="17"/>
           </p:nvPr>
         </p:nvSpPr>
-        <p:spPr>
+        <p:spPr bwMode="auto">
           <a:xfrm>
             <a:off x="7888329" y="3179762"/>
             <a:ext cx="3145536" cy="2847293"/>
@@ -5307,21 +5252,26 @@
             </a:lvl9pPr>
           </a:lstStyle>
           <a:p>
-            <a:pPr lvl="0"/>
+            <a:pPr lvl="0">
+              <a:defRPr/>
+            </a:pPr>
             <a:r>
-              <a:rPr lang="en-US" smtClean="0"/>
+              <a:rPr lang="en-US"/>
               <a:t>Click to edit Master text styles</a:t>
             </a:r>
+            <a:endParaRPr/>
           </a:p>
         </p:txBody>
       </p:sp>
       <p:cxnSp>
         <p:nvCxnSpPr>
           <p:cNvPr id="17" name="Straight Connector 16"/>
-          <p:cNvCxnSpPr/>
+          <p:cNvCxnSpPr>
+            <a:cxnSpLocks/>
+          </p:cNvCxnSpPr>
           <p:nvPr/>
         </p:nvCxnSpPr>
-        <p:spPr>
+        <p:spPr bwMode="auto">
           <a:xfrm>
             <a:off x="4403971" y="2569633"/>
             <a:ext cx="0" cy="3492499"/>
@@ -5355,10 +5305,12 @@
       <p:cxnSp>
         <p:nvCxnSpPr>
           <p:cNvPr id="18" name="Straight Connector 17"/>
-          <p:cNvCxnSpPr/>
+          <p:cNvCxnSpPr>
+            <a:cxnSpLocks/>
+          </p:cNvCxnSpPr>
           <p:nvPr/>
         </p:nvCxnSpPr>
-        <p:spPr>
+        <p:spPr bwMode="auto">
           <a:xfrm>
             <a:off x="7772401" y="2569633"/>
             <a:ext cx="0" cy="3492499"/>
@@ -5399,14 +5351,17 @@
             <p:ph type="dt" sz="half" idx="10"/>
           </p:nvPr>
         </p:nvSpPr>
-        <p:spPr/>
+        <p:spPr bwMode="auto"/>
         <p:txBody>
           <a:bodyPr/>
           <a:lstStyle/>
           <a:p>
+            <a:pPr>
+              <a:defRPr/>
+            </a:pPr>
             <a:fld id="{BA38155F-AEC7-4C83-BD8B-86231E183429}" type="datetimeFigureOut">
-              <a:rPr lang="en-US" smtClean="0"/>
-              <a:t>2/1/2023</a:t>
+              <a:rPr lang="en-US"/>
+              <a:t/>
             </a:fld>
             <a:endParaRPr lang="en-US"/>
           </a:p>
@@ -5422,11 +5377,14 @@
             <p:ph type="ftr" sz="quarter" idx="11"/>
           </p:nvPr>
         </p:nvSpPr>
-        <p:spPr/>
+        <p:spPr bwMode="auto"/>
         <p:txBody>
           <a:bodyPr/>
           <a:lstStyle/>
           <a:p>
+            <a:pPr>
+              <a:defRPr/>
+            </a:pPr>
             <a:endParaRPr lang="en-US"/>
           </a:p>
         </p:txBody>
@@ -5441,46 +5399,32 @@
             <p:ph type="sldNum" sz="quarter" idx="12"/>
           </p:nvPr>
         </p:nvSpPr>
-        <p:spPr/>
+        <p:spPr bwMode="auto"/>
         <p:txBody>
           <a:bodyPr/>
           <a:lstStyle/>
           <a:p>
+            <a:pPr>
+              <a:defRPr/>
+            </a:pPr>
             <a:fld id="{00E55A38-CD7B-4575-ADB2-599742FE9C88}" type="slidenum">
-              <a:rPr lang="en-US" smtClean="0"/>
-              <a:t>‹#›</a:t>
+              <a:rPr lang="en-US"/>
+              <a:t/>
             </a:fld>
             <a:endParaRPr lang="en-US"/>
           </a:p>
         </p:txBody>
       </p:sp>
     </p:spTree>
-    <p:extLst>
-      <p:ext uri="{BB962C8B-B14F-4D97-AF65-F5344CB8AC3E}">
-        <p14:creationId xmlns:p14="http://schemas.microsoft.com/office/powerpoint/2010/main" val="2292783273"/>
-      </p:ext>
-    </p:extLst>
   </p:cSld>
   <p:clrMapOvr>
     <a:masterClrMapping/>
   </p:clrMapOvr>
-  <mc:AlternateContent xmlns:mc="http://schemas.openxmlformats.org/markup-compatibility/2006">
-    <mc:Choice xmlns:p14="http://schemas.microsoft.com/office/powerpoint/2010/main" Requires="p14">
-      <p:transition spd="med" p14:dur="700">
-        <p:fade/>
-      </p:transition>
-    </mc:Choice>
-    <mc:Fallback>
-      <p:transition spd="med">
-        <p:fade/>
-      </p:transition>
-    </mc:Fallback>
-  </mc:AlternateContent>
 </p:sldLayout>
 </file>
 
 <file path=ppt/slideLayouts/slideLayout15.xml><?xml version="1.0" encoding="utf-8"?>
-<p:sldLayout xmlns:a="http://schemas.openxmlformats.org/drawingml/2006/main" xmlns:r="http://schemas.openxmlformats.org/officeDocument/2006/relationships" xmlns:p="http://schemas.openxmlformats.org/presentationml/2006/main" preserve="1">
+<p:sldLayout xmlns:a="http://schemas.openxmlformats.org/drawingml/2006/main" xmlns:r="http://schemas.openxmlformats.org/officeDocument/2006/relationships" xmlns:p="http://schemas.openxmlformats.org/presentationml/2006/main" xmlns:m="http://schemas.openxmlformats.org/officeDocument/2006/math" xmlns:w="http://schemas.openxmlformats.org/wordprocessingml/2006/main" matchingName="" preserve="1" showMasterPhAnim="0" userDrawn="1">
   <p:cSld name="3 Picture Column">
     <p:spTree>
       <p:nvGrpSpPr>
@@ -5488,7 +5432,7 @@
         <p:cNvGrpSpPr/>
         <p:nvPr/>
       </p:nvGrpSpPr>
-      <p:grpSpPr>
+      <p:grpSpPr bwMode="auto">
         <a:xfrm>
           <a:off x="0" y="0"/>
           <a:ext cx="0" cy="0"/>
@@ -5506,7 +5450,7 @@
             <p:ph type="title"/>
           </p:nvPr>
         </p:nvSpPr>
-        <p:spPr>
+        <p:spPr bwMode="auto">
           <a:xfrm>
             <a:off x="1154954" y="973668"/>
             <a:ext cx="8825659" cy="706964"/>
@@ -5520,11 +5464,14 @@
             </a:lvl1pPr>
           </a:lstStyle>
           <a:p>
+            <a:pPr>
+              <a:defRPr/>
+            </a:pPr>
             <a:r>
-              <a:rPr lang="en-US" smtClean="0"/>
+              <a:rPr lang="en-US"/>
               <a:t>Click to edit Master title style</a:t>
             </a:r>
-            <a:endParaRPr lang="en-US" dirty="0"/>
+            <a:endParaRPr lang="en-US"/>
           </a:p>
         </p:txBody>
       </p:sp>
@@ -5538,7 +5485,7 @@
             <p:ph type="body" idx="1"/>
           </p:nvPr>
         </p:nvSpPr>
-        <p:spPr>
+        <p:spPr bwMode="auto">
           <a:xfrm>
             <a:off x="1154954" y="4532844"/>
             <a:ext cx="3050438" cy="576262"/>
@@ -5594,11 +5541,14 @@
             </a:lvl9pPr>
           </a:lstStyle>
           <a:p>
-            <a:pPr lvl="0"/>
+            <a:pPr lvl="0">
+              <a:defRPr/>
+            </a:pPr>
             <a:r>
-              <a:rPr lang="en-US" smtClean="0"/>
+              <a:rPr lang="en-US"/>
               <a:t>Click to edit Master text styles</a:t>
             </a:r>
+            <a:endParaRPr/>
           </a:p>
         </p:txBody>
       </p:sp>
@@ -5606,13 +5556,13 @@
         <p:nvSpPr>
           <p:cNvPr id="19" name="Picture Placeholder 2"/>
           <p:cNvSpPr>
-            <a:spLocks noGrp="1" noChangeAspect="1"/>
+            <a:spLocks noChangeAspect="1" noGrp="1"/>
           </p:cNvSpPr>
           <p:nvPr>
             <p:ph type="pic" idx="15"/>
           </p:nvPr>
         </p:nvSpPr>
-        <p:spPr>
+        <p:spPr bwMode="auto">
           <a:xfrm>
             <a:off x="1334553" y="2603500"/>
             <a:ext cx="2691242" cy="1591510"/>
@@ -5673,11 +5623,14 @@
             </a:lvl9pPr>
           </a:lstStyle>
           <a:p>
+            <a:pPr>
+              <a:defRPr/>
+            </a:pPr>
             <a:r>
-              <a:rPr lang="en-US" smtClean="0"/>
+              <a:rPr lang="en-US"/>
               <a:t>Click icon to add picture</a:t>
             </a:r>
-            <a:endParaRPr lang="en-US" dirty="0"/>
+            <a:endParaRPr lang="en-US"/>
           </a:p>
         </p:txBody>
       </p:sp>
@@ -5691,10 +5644,10 @@
             <p:ph type="body" sz="half" idx="18"/>
           </p:nvPr>
         </p:nvSpPr>
-        <p:spPr>
+        <p:spPr bwMode="auto">
           <a:xfrm>
             <a:off x="1154954" y="5109106"/>
-            <a:ext cx="3050438" cy="917952"/>
+            <a:ext cx="3050438" cy="917951"/>
           </a:xfrm>
         </p:spPr>
         <p:txBody>
@@ -5740,11 +5693,14 @@
             </a:lvl9pPr>
           </a:lstStyle>
           <a:p>
-            <a:pPr lvl="0"/>
+            <a:pPr lvl="0">
+              <a:defRPr/>
+            </a:pPr>
             <a:r>
-              <a:rPr lang="en-US" smtClean="0"/>
+              <a:rPr lang="en-US"/>
               <a:t>Click to edit Master text styles</a:t>
             </a:r>
+            <a:endParaRPr/>
           </a:p>
         </p:txBody>
       </p:sp>
@@ -5758,7 +5714,7 @@
             <p:ph type="body" sz="quarter" idx="3"/>
           </p:nvPr>
         </p:nvSpPr>
-        <p:spPr>
+        <p:spPr bwMode="auto">
           <a:xfrm>
             <a:off x="4568865" y="4532844"/>
             <a:ext cx="3050438" cy="576263"/>
@@ -5814,11 +5770,14 @@
             </a:lvl9pPr>
           </a:lstStyle>
           <a:p>
-            <a:pPr lvl="0"/>
+            <a:pPr lvl="0">
+              <a:defRPr/>
+            </a:pPr>
             <a:r>
-              <a:rPr lang="en-US" smtClean="0"/>
+              <a:rPr lang="en-US"/>
               <a:t>Click to edit Master text styles</a:t>
             </a:r>
+            <a:endParaRPr/>
           </a:p>
         </p:txBody>
       </p:sp>
@@ -5826,13 +5785,13 @@
         <p:nvSpPr>
           <p:cNvPr id="41" name="Picture Placeholder 2"/>
           <p:cNvSpPr>
-            <a:spLocks noGrp="1" noChangeAspect="1"/>
+            <a:spLocks noChangeAspect="1" noGrp="1"/>
           </p:cNvSpPr>
           <p:nvPr>
             <p:ph type="pic" idx="21"/>
           </p:nvPr>
         </p:nvSpPr>
-        <p:spPr>
+        <p:spPr bwMode="auto">
           <a:xfrm>
             <a:off x="4748462" y="2603500"/>
             <a:ext cx="2691243" cy="1591510"/>
@@ -5893,11 +5852,14 @@
             </a:lvl9pPr>
           </a:lstStyle>
           <a:p>
+            <a:pPr>
+              <a:defRPr/>
+            </a:pPr>
             <a:r>
-              <a:rPr lang="en-US" smtClean="0"/>
+              <a:rPr lang="en-US"/>
               <a:t>Click icon to add picture</a:t>
             </a:r>
-            <a:endParaRPr lang="en-US" dirty="0"/>
+            <a:endParaRPr lang="en-US"/>
           </a:p>
         </p:txBody>
       </p:sp>
@@ -5911,10 +5873,10 @@
             <p:ph type="body" sz="half" idx="19"/>
           </p:nvPr>
         </p:nvSpPr>
-        <p:spPr>
+        <p:spPr bwMode="auto">
           <a:xfrm>
             <a:off x="4570172" y="5109105"/>
-            <a:ext cx="3050438" cy="917952"/>
+            <a:ext cx="3050438" cy="917951"/>
           </a:xfrm>
         </p:spPr>
         <p:txBody>
@@ -5960,11 +5922,14 @@
             </a:lvl9pPr>
           </a:lstStyle>
           <a:p>
-            <a:pPr lvl="0"/>
+            <a:pPr lvl="0">
+              <a:defRPr/>
+            </a:pPr>
             <a:r>
-              <a:rPr lang="en-US" smtClean="0"/>
+              <a:rPr lang="en-US"/>
               <a:t>Click to edit Master text styles</a:t>
             </a:r>
+            <a:endParaRPr/>
           </a:p>
         </p:txBody>
       </p:sp>
@@ -5978,7 +5943,7 @@
             <p:ph type="body" sz="quarter" idx="13"/>
           </p:nvPr>
         </p:nvSpPr>
-        <p:spPr>
+        <p:spPr bwMode="auto">
           <a:xfrm>
             <a:off x="7982775" y="4532845"/>
             <a:ext cx="3051095" cy="576262"/>
@@ -6034,11 +5999,14 @@
             </a:lvl9pPr>
           </a:lstStyle>
           <a:p>
-            <a:pPr lvl="0"/>
+            <a:pPr lvl="0">
+              <a:defRPr/>
+            </a:pPr>
             <a:r>
-              <a:rPr lang="en-US" smtClean="0"/>
+              <a:rPr lang="en-US"/>
               <a:t>Click to edit Master text styles</a:t>
             </a:r>
+            <a:endParaRPr/>
           </a:p>
         </p:txBody>
       </p:sp>
@@ -6046,13 +6014,13 @@
         <p:nvSpPr>
           <p:cNvPr id="42" name="Picture Placeholder 2"/>
           <p:cNvSpPr>
-            <a:spLocks noGrp="1" noChangeAspect="1"/>
+            <a:spLocks noChangeAspect="1" noGrp="1"/>
           </p:cNvSpPr>
           <p:nvPr>
             <p:ph type="pic" idx="22"/>
           </p:nvPr>
         </p:nvSpPr>
-        <p:spPr>
+        <p:spPr bwMode="auto">
           <a:xfrm>
             <a:off x="8163031" y="2603500"/>
             <a:ext cx="2691242" cy="1591510"/>
@@ -6113,11 +6081,14 @@
             </a:lvl9pPr>
           </a:lstStyle>
           <a:p>
+            <a:pPr>
+              <a:defRPr/>
+            </a:pPr>
             <a:r>
-              <a:rPr lang="en-US" smtClean="0"/>
+              <a:rPr lang="en-US"/>
               <a:t>Click icon to add picture</a:t>
             </a:r>
-            <a:endParaRPr lang="en-US" dirty="0"/>
+            <a:endParaRPr lang="en-US"/>
           </a:p>
         </p:txBody>
       </p:sp>
@@ -6131,10 +6102,10 @@
             <p:ph type="body" sz="half" idx="20"/>
           </p:nvPr>
         </p:nvSpPr>
-        <p:spPr>
+        <p:spPr bwMode="auto">
           <a:xfrm>
             <a:off x="7982775" y="5109104"/>
-            <a:ext cx="3051096" cy="917952"/>
+            <a:ext cx="3051096" cy="917951"/>
           </a:xfrm>
         </p:spPr>
         <p:txBody>
@@ -6180,21 +6151,26 @@
             </a:lvl9pPr>
           </a:lstStyle>
           <a:p>
-            <a:pPr lvl="0"/>
+            <a:pPr lvl="0">
+              <a:defRPr/>
+            </a:pPr>
             <a:r>
-              <a:rPr lang="en-US" smtClean="0"/>
+              <a:rPr lang="en-US"/>
               <a:t>Click to edit Master text styles</a:t>
             </a:r>
+            <a:endParaRPr/>
           </a:p>
         </p:txBody>
       </p:sp>
       <p:cxnSp>
         <p:nvCxnSpPr>
           <p:cNvPr id="43" name="Straight Connector 42"/>
-          <p:cNvCxnSpPr/>
+          <p:cNvCxnSpPr>
+            <a:cxnSpLocks/>
+          </p:cNvCxnSpPr>
           <p:nvPr/>
         </p:nvCxnSpPr>
-        <p:spPr>
+        <p:spPr bwMode="auto">
           <a:xfrm>
             <a:off x="4405831" y="2569633"/>
             <a:ext cx="0" cy="3492499"/>
@@ -6228,10 +6204,12 @@
       <p:cxnSp>
         <p:nvCxnSpPr>
           <p:cNvPr id="44" name="Straight Connector 43"/>
-          <p:cNvCxnSpPr/>
+          <p:cNvCxnSpPr>
+            <a:cxnSpLocks/>
+          </p:cNvCxnSpPr>
           <p:nvPr/>
         </p:nvCxnSpPr>
-        <p:spPr>
+        <p:spPr bwMode="auto">
           <a:xfrm>
             <a:off x="7797802" y="2569633"/>
             <a:ext cx="0" cy="3492499"/>
@@ -6272,14 +6250,17 @@
             <p:ph type="dt" sz="half" idx="10"/>
           </p:nvPr>
         </p:nvSpPr>
-        <p:spPr/>
+        <p:spPr bwMode="auto"/>
         <p:txBody>
           <a:bodyPr/>
           <a:lstStyle/>
           <a:p>
+            <a:pPr>
+              <a:defRPr/>
+            </a:pPr>
             <a:fld id="{BA38155F-AEC7-4C83-BD8B-86231E183429}" type="datetimeFigureOut">
-              <a:rPr lang="en-US" smtClean="0"/>
-              <a:t>2/1/2023</a:t>
+              <a:rPr lang="en-US"/>
+              <a:t/>
             </a:fld>
             <a:endParaRPr lang="en-US"/>
           </a:p>
@@ -6295,7 +6276,7 @@
             <p:ph type="ftr" sz="quarter" idx="11"/>
           </p:nvPr>
         </p:nvSpPr>
-        <p:spPr>
+        <p:spPr bwMode="auto">
           <a:xfrm>
             <a:off x="561111" y="6391838"/>
             <a:ext cx="3644282" cy="304801"/>
@@ -6305,6 +6286,9 @@
           <a:bodyPr/>
           <a:lstStyle/>
           <a:p>
+            <a:pPr>
+              <a:defRPr/>
+            </a:pPr>
             <a:endParaRPr lang="en-US"/>
           </a:p>
         </p:txBody>
@@ -6319,46 +6303,32 @@
             <p:ph type="sldNum" sz="quarter" idx="12"/>
           </p:nvPr>
         </p:nvSpPr>
-        <p:spPr/>
+        <p:spPr bwMode="auto"/>
         <p:txBody>
           <a:bodyPr/>
           <a:lstStyle/>
           <a:p>
+            <a:pPr>
+              <a:defRPr/>
+            </a:pPr>
             <a:fld id="{00E55A38-CD7B-4575-ADB2-599742FE9C88}" type="slidenum">
-              <a:rPr lang="en-US" smtClean="0"/>
-              <a:t>‹#›</a:t>
+              <a:rPr lang="en-US"/>
+              <a:t/>
             </a:fld>
             <a:endParaRPr lang="en-US"/>
           </a:p>
         </p:txBody>
       </p:sp>
     </p:spTree>
-    <p:extLst>
-      <p:ext uri="{BB962C8B-B14F-4D97-AF65-F5344CB8AC3E}">
-        <p14:creationId xmlns:p14="http://schemas.microsoft.com/office/powerpoint/2010/main" val="3771634353"/>
-      </p:ext>
-    </p:extLst>
   </p:cSld>
   <p:clrMapOvr>
     <a:masterClrMapping/>
   </p:clrMapOvr>
-  <mc:AlternateContent xmlns:mc="http://schemas.openxmlformats.org/markup-compatibility/2006">
-    <mc:Choice xmlns:p14="http://schemas.microsoft.com/office/powerpoint/2010/main" Requires="p14">
-      <p:transition spd="med" p14:dur="700">
-        <p:fade/>
-      </p:transition>
-    </mc:Choice>
-    <mc:Fallback>
-      <p:transition spd="med">
-        <p:fade/>
-      </p:transition>
-    </mc:Fallback>
-  </mc:AlternateContent>
 </p:sldLayout>
 </file>
 
 <file path=ppt/slideLayouts/slideLayout16.xml><?xml version="1.0" encoding="utf-8"?>
-<p:sldLayout xmlns:a="http://schemas.openxmlformats.org/drawingml/2006/main" xmlns:r="http://schemas.openxmlformats.org/officeDocument/2006/relationships" xmlns:p="http://schemas.openxmlformats.org/presentationml/2006/main" type="vertTx" preserve="1">
+<p:sldLayout xmlns:a="http://schemas.openxmlformats.org/drawingml/2006/main" xmlns:r="http://schemas.openxmlformats.org/officeDocument/2006/relationships" xmlns:p="http://schemas.openxmlformats.org/presentationml/2006/main" xmlns:m="http://schemas.openxmlformats.org/officeDocument/2006/math" xmlns:w="http://schemas.openxmlformats.org/wordprocessingml/2006/main" matchingName="" preserve="1" showMasterPhAnim="0" type="vertTx" userDrawn="1">
   <p:cSld name="Title and Vertical Text">
     <p:spTree>
       <p:nvGrpSpPr>
@@ -6366,7 +6336,7 @@
         <p:cNvGrpSpPr/>
         <p:nvPr/>
       </p:nvGrpSpPr>
-      <p:grpSpPr>
+      <p:grpSpPr bwMode="auto">
         <a:xfrm>
           <a:off x="0" y="0"/>
           <a:ext cx="0" cy="0"/>
@@ -6384,7 +6354,7 @@
             <p:ph type="title"/>
           </p:nvPr>
         </p:nvSpPr>
-        <p:spPr>
+        <p:spPr bwMode="auto">
           <a:xfrm>
             <a:off x="1154954" y="973668"/>
             <a:ext cx="8825659" cy="706964"/>
@@ -6394,11 +6364,14 @@
           <a:bodyPr/>
           <a:lstStyle/>
           <a:p>
+            <a:pPr>
+              <a:defRPr/>
+            </a:pPr>
             <a:r>
-              <a:rPr lang="en-US" smtClean="0"/>
+              <a:rPr lang="en-US"/>
               <a:t>Click to edit Master title style</a:t>
             </a:r>
-            <a:endParaRPr lang="en-US" dirty="0"/>
+            <a:endParaRPr lang="en-US"/>
           </a:p>
         </p:txBody>
       </p:sp>
@@ -6412,7 +6385,7 @@
             <p:ph type="body" orient="vert" idx="1"/>
           </p:nvPr>
         </p:nvSpPr>
-        <p:spPr>
+        <p:spPr bwMode="auto">
           <a:xfrm>
             <a:off x="1154954" y="2603500"/>
             <a:ext cx="8825659" cy="3416300"/>
@@ -6422,40 +6395,54 @@
           <a:bodyPr vert="eaVert" anchor="t" anchorCtr="0"/>
           <a:lstStyle/>
           <a:p>
-            <a:pPr lvl="0"/>
+            <a:pPr lvl="0">
+              <a:defRPr/>
+            </a:pPr>
             <a:r>
-              <a:rPr lang="en-US" smtClean="0"/>
+              <a:rPr lang="en-US"/>
               <a:t>Click to edit Master text styles</a:t>
             </a:r>
-          </a:p>
-          <a:p>
-            <a:pPr lvl="1"/>
+            <a:endParaRPr/>
+          </a:p>
+          <a:p>
+            <a:pPr lvl="1">
+              <a:defRPr/>
+            </a:pPr>
             <a:r>
-              <a:rPr lang="en-US" smtClean="0"/>
+              <a:rPr lang="en-US"/>
               <a:t>Second level</a:t>
             </a:r>
-          </a:p>
-          <a:p>
-            <a:pPr lvl="2"/>
+            <a:endParaRPr/>
+          </a:p>
+          <a:p>
+            <a:pPr lvl="2">
+              <a:defRPr/>
+            </a:pPr>
             <a:r>
-              <a:rPr lang="en-US" smtClean="0"/>
+              <a:rPr lang="en-US"/>
               <a:t>Third level</a:t>
             </a:r>
-          </a:p>
-          <a:p>
-            <a:pPr lvl="3"/>
+            <a:endParaRPr/>
+          </a:p>
+          <a:p>
+            <a:pPr lvl="3">
+              <a:defRPr/>
+            </a:pPr>
             <a:r>
-              <a:rPr lang="en-US" smtClean="0"/>
+              <a:rPr lang="en-US"/>
               <a:t>Fourth level</a:t>
             </a:r>
-          </a:p>
-          <a:p>
-            <a:pPr lvl="4"/>
+            <a:endParaRPr/>
+          </a:p>
+          <a:p>
+            <a:pPr lvl="4">
+              <a:defRPr/>
+            </a:pPr>
             <a:r>
-              <a:rPr lang="en-US" smtClean="0"/>
+              <a:rPr lang="en-US"/>
               <a:t>Fifth level</a:t>
             </a:r>
-            <a:endParaRPr lang="en-US" dirty="0"/>
+            <a:endParaRPr lang="en-US"/>
           </a:p>
         </p:txBody>
       </p:sp>
@@ -6469,7 +6456,7 @@
             <p:ph type="dt" sz="half" idx="10"/>
           </p:nvPr>
         </p:nvSpPr>
-        <p:spPr>
+        <p:spPr bwMode="auto">
           <a:xfrm>
             <a:off x="10695439" y="6391838"/>
             <a:ext cx="990599" cy="304799"/>
@@ -6479,9 +6466,12 @@
           <a:bodyPr/>
           <a:lstStyle/>
           <a:p>
+            <a:pPr>
+              <a:defRPr/>
+            </a:pPr>
             <a:fld id="{BA38155F-AEC7-4C83-BD8B-86231E183429}" type="datetimeFigureOut">
-              <a:rPr lang="en-US" smtClean="0"/>
-              <a:t>2/1/2023</a:t>
+              <a:rPr lang="en-US"/>
+              <a:t/>
             </a:fld>
             <a:endParaRPr lang="en-US"/>
           </a:p>
@@ -6497,11 +6487,14 @@
             <p:ph type="ftr" sz="quarter" idx="11"/>
           </p:nvPr>
         </p:nvSpPr>
-        <p:spPr/>
+        <p:spPr bwMode="auto"/>
         <p:txBody>
           <a:bodyPr/>
           <a:lstStyle/>
           <a:p>
+            <a:pPr>
+              <a:defRPr/>
+            </a:pPr>
             <a:endParaRPr lang="en-US"/>
           </a:p>
         </p:txBody>
@@ -6516,46 +6509,32 @@
             <p:ph type="sldNum" sz="quarter" idx="12"/>
           </p:nvPr>
         </p:nvSpPr>
-        <p:spPr/>
+        <p:spPr bwMode="auto"/>
         <p:txBody>
           <a:bodyPr/>
           <a:lstStyle/>
           <a:p>
+            <a:pPr>
+              <a:defRPr/>
+            </a:pPr>
             <a:fld id="{00E55A38-CD7B-4575-ADB2-599742FE9C88}" type="slidenum">
-              <a:rPr lang="en-US" smtClean="0"/>
-              <a:t>‹#›</a:t>
+              <a:rPr lang="en-US"/>
+              <a:t/>
             </a:fld>
             <a:endParaRPr lang="en-US"/>
           </a:p>
         </p:txBody>
       </p:sp>
     </p:spTree>
-    <p:extLst>
-      <p:ext uri="{BB962C8B-B14F-4D97-AF65-F5344CB8AC3E}">
-        <p14:creationId xmlns:p14="http://schemas.microsoft.com/office/powerpoint/2010/main" val="81795106"/>
-      </p:ext>
-    </p:extLst>
   </p:cSld>
   <p:clrMapOvr>
     <a:masterClrMapping/>
   </p:clrMapOvr>
-  <mc:AlternateContent xmlns:mc="http://schemas.openxmlformats.org/markup-compatibility/2006">
-    <mc:Choice xmlns:p14="http://schemas.microsoft.com/office/powerpoint/2010/main" Requires="p14">
-      <p:transition spd="med" p14:dur="700">
-        <p:fade/>
-      </p:transition>
-    </mc:Choice>
-    <mc:Fallback>
-      <p:transition spd="med">
-        <p:fade/>
-      </p:transition>
-    </mc:Fallback>
-  </mc:AlternateContent>
 </p:sldLayout>
 </file>
 
 <file path=ppt/slideLayouts/slideLayout17.xml><?xml version="1.0" encoding="utf-8"?>
-<p:sldLayout xmlns:a="http://schemas.openxmlformats.org/drawingml/2006/main" xmlns:r="http://schemas.openxmlformats.org/officeDocument/2006/relationships" xmlns:p="http://schemas.openxmlformats.org/presentationml/2006/main" showMasterSp="0" type="vertTitleAndTx" preserve="1">
+<p:sldLayout xmlns:a="http://schemas.openxmlformats.org/drawingml/2006/main" xmlns:r="http://schemas.openxmlformats.org/officeDocument/2006/relationships" xmlns:p="http://schemas.openxmlformats.org/presentationml/2006/main" xmlns:m="http://schemas.openxmlformats.org/officeDocument/2006/math" xmlns:w="http://schemas.openxmlformats.org/wordprocessingml/2006/main" matchingName="" preserve="1" showMasterPhAnim="0" showMasterSp="0" type="vertTitleAndTx" userDrawn="1">
   <p:cSld name="Vertical Title and Text">
     <p:spTree>
       <p:nvGrpSpPr>
@@ -6563,7 +6542,7 @@
         <p:cNvGrpSpPr/>
         <p:nvPr/>
       </p:nvGrpSpPr>
-      <p:grpSpPr>
+      <p:grpSpPr bwMode="auto">
         <a:xfrm>
           <a:off x="0" y="0"/>
           <a:ext cx="0" cy="0"/>
@@ -6577,7 +6556,7 @@
           <p:cNvGrpSpPr/>
           <p:nvPr/>
         </p:nvGrpSpPr>
-        <p:grpSpPr>
+        <p:grpSpPr bwMode="auto">
           <a:xfrm>
             <a:off x="0" y="0"/>
             <a:ext cx="12192000" cy="6858000"/>
@@ -6591,7 +6570,7 @@
             <p:cNvSpPr/>
             <p:nvPr/>
           </p:nvSpPr>
-          <p:spPr>
+          <p:spPr bwMode="auto">
             <a:xfrm>
               <a:off x="0" y="0"/>
               <a:ext cx="12192000" cy="6858000"/>
@@ -6615,9 +6594,7 @@
                   </a:schemeClr>
                 </a:duotone>
               </a:blip>
-              <a:stretch>
-                <a:fillRect/>
-              </a:stretch>
+              <a:stretch/>
             </a:blipFill>
             <a:ln>
               <a:noFill/>
@@ -6646,7 +6623,7 @@
             <p:cNvSpPr/>
             <p:nvPr/>
           </p:nvSpPr>
-          <p:spPr>
+          <p:spPr bwMode="auto">
             <a:xfrm>
               <a:off x="0" y="2667000"/>
               <a:ext cx="4191000" cy="4191000"/>
@@ -6654,28 +6631,25 @@
             <a:prstGeom prst="ellipse">
               <a:avLst/>
             </a:prstGeom>
-            <a:gradFill flip="none" rotWithShape="1">
+            <a:gradFill>
               <a:gsLst>
                 <a:gs pos="0">
                   <a:schemeClr val="accent5">
                     <a:alpha val="11000"/>
                   </a:schemeClr>
                 </a:gs>
+                <a:gs pos="36000">
+                  <a:schemeClr val="accent5">
+                    <a:alpha val="10000"/>
+                  </a:schemeClr>
+                </a:gs>
                 <a:gs pos="75000">
                   <a:schemeClr val="accent5">
                     <a:alpha val="0"/>
                   </a:schemeClr>
                 </a:gs>
-                <a:gs pos="36000">
-                  <a:schemeClr val="accent5">
-                    <a:alpha val="10000"/>
-                  </a:schemeClr>
-                </a:gs>
               </a:gsLst>
-              <a:path path="circle">
-                <a:fillToRect l="50000" t="50000" r="50000" b="50000"/>
-              </a:path>
-              <a:tileRect/>
+              <a:path path="circle"/>
             </a:gradFill>
             <a:ln>
               <a:noFill/>
@@ -6703,36 +6677,33 @@
             <p:cNvSpPr/>
             <p:nvPr/>
           </p:nvSpPr>
-          <p:spPr>
+          <p:spPr bwMode="auto">
             <a:xfrm>
               <a:off x="0" y="2895600"/>
-              <a:ext cx="2362200" cy="2362200"/>
+              <a:ext cx="2362199" cy="2362199"/>
             </a:xfrm>
             <a:prstGeom prst="ellipse">
               <a:avLst/>
             </a:prstGeom>
-            <a:gradFill flip="none" rotWithShape="1">
+            <a:gradFill>
               <a:gsLst>
                 <a:gs pos="0">
                   <a:schemeClr val="accent5">
                     <a:alpha val="8000"/>
                   </a:schemeClr>
                 </a:gs>
+                <a:gs pos="36000">
+                  <a:schemeClr val="accent5">
+                    <a:alpha val="8000"/>
+                  </a:schemeClr>
+                </a:gs>
                 <a:gs pos="72000">
                   <a:schemeClr val="accent5">
                     <a:alpha val="0"/>
                   </a:schemeClr>
                 </a:gs>
-                <a:gs pos="36000">
-                  <a:schemeClr val="accent5">
-                    <a:alpha val="8000"/>
-                  </a:schemeClr>
-                </a:gs>
               </a:gsLst>
-              <a:path path="circle">
-                <a:fillToRect l="50000" t="50000" r="50000" b="50000"/>
-              </a:path>
-              <a:tileRect/>
+              <a:path path="circle"/>
             </a:gradFill>
             <a:ln>
               <a:noFill/>
@@ -6760,36 +6731,33 @@
             <p:cNvSpPr/>
             <p:nvPr/>
           </p:nvSpPr>
-          <p:spPr>
+          <p:spPr bwMode="auto">
             <a:xfrm>
-              <a:off x="8609012" y="5867400"/>
+              <a:off x="8609012" y="5867399"/>
               <a:ext cx="990600" cy="990600"/>
             </a:xfrm>
             <a:prstGeom prst="ellipse">
               <a:avLst/>
             </a:prstGeom>
-            <a:gradFill flip="none" rotWithShape="1">
+            <a:gradFill>
               <a:gsLst>
                 <a:gs pos="0">
                   <a:schemeClr val="accent5">
                     <a:alpha val="14000"/>
                   </a:schemeClr>
                 </a:gs>
+                <a:gs pos="36000">
+                  <a:schemeClr val="accent5">
+                    <a:alpha val="7000"/>
+                  </a:schemeClr>
+                </a:gs>
                 <a:gs pos="66000">
                   <a:schemeClr val="accent5">
                     <a:alpha val="0"/>
                   </a:schemeClr>
                 </a:gs>
-                <a:gs pos="36000">
-                  <a:schemeClr val="accent5">
-                    <a:alpha val="7000"/>
-                  </a:schemeClr>
-                </a:gs>
               </a:gsLst>
-              <a:path path="circle">
-                <a:fillToRect l="50000" t="50000" r="50000" b="50000"/>
-              </a:path>
-              <a:tileRect/>
+              <a:path path="circle"/>
             </a:gradFill>
             <a:ln>
               <a:noFill/>
@@ -6817,7 +6785,7 @@
             <p:cNvSpPr/>
             <p:nvPr/>
           </p:nvSpPr>
-          <p:spPr>
+          <p:spPr bwMode="auto">
             <a:xfrm>
               <a:off x="8609012" y="1676400"/>
               <a:ext cx="2819400" cy="2819400"/>
@@ -6825,28 +6793,25 @@
             <a:prstGeom prst="ellipse">
               <a:avLst/>
             </a:prstGeom>
-            <a:gradFill flip="none" rotWithShape="1">
+            <a:gradFill>
               <a:gsLst>
                 <a:gs pos="0">
                   <a:schemeClr val="accent5">
                     <a:alpha val="7000"/>
                   </a:schemeClr>
                 </a:gs>
+                <a:gs pos="36000">
+                  <a:schemeClr val="accent5">
+                    <a:alpha val="6000"/>
+                  </a:schemeClr>
+                </a:gs>
                 <a:gs pos="69000">
                   <a:schemeClr val="accent5">
                     <a:alpha val="0"/>
                   </a:schemeClr>
                 </a:gs>
-                <a:gs pos="36000">
-                  <a:schemeClr val="accent5">
-                    <a:alpha val="6000"/>
-                  </a:schemeClr>
-                </a:gs>
               </a:gsLst>
-              <a:path path="circle">
-                <a:fillToRect l="50000" t="50000" r="50000" b="50000"/>
-              </a:path>
-              <a:tileRect/>
+              <a:path path="circle"/>
             </a:gradFill>
             <a:ln>
               <a:noFill/>
@@ -6874,7 +6839,7 @@
             <p:cNvSpPr/>
             <p:nvPr/>
           </p:nvSpPr>
-          <p:spPr>
+          <p:spPr bwMode="auto">
             <a:xfrm>
               <a:off x="7999412" y="8464"/>
               <a:ext cx="1600200" cy="1600200"/>
@@ -6882,28 +6847,25 @@
             <a:prstGeom prst="ellipse">
               <a:avLst/>
             </a:prstGeom>
-            <a:gradFill flip="none" rotWithShape="1">
+            <a:gradFill>
               <a:gsLst>
                 <a:gs pos="0">
                   <a:schemeClr val="accent5">
                     <a:alpha val="14000"/>
                   </a:schemeClr>
                 </a:gs>
+                <a:gs pos="36000">
+                  <a:schemeClr val="accent5">
+                    <a:alpha val="7000"/>
+                  </a:schemeClr>
+                </a:gs>
                 <a:gs pos="73000">
                   <a:schemeClr val="accent5">
                     <a:alpha val="0"/>
                   </a:schemeClr>
                 </a:gs>
-                <a:gs pos="36000">
-                  <a:schemeClr val="accent5">
-                    <a:alpha val="7000"/>
-                  </a:schemeClr>
-                </a:gs>
               </a:gsLst>
-              <a:path path="circle">
-                <a:fillToRect l="50000" t="50000" r="50000" b="50000"/>
-              </a:path>
-              <a:tileRect/>
+              <a:path path="circle"/>
             </a:gradFill>
             <a:ln>
               <a:noFill/>
@@ -6971,7 +6933,7 @@
           <p:spPr bwMode="gray">
             <a:xfrm rot="5101749">
               <a:off x="6294738" y="4577737"/>
-              <a:ext cx="3299407" cy="440924"/>
+              <a:ext cx="3299406" cy="440924"/>
             </a:xfrm>
             <a:custGeom>
               <a:avLst/>
@@ -6980,7 +6942,7 @@
               <a:cxnLst/>
               <a:rect l="l" t="t" r="r" b="b"/>
               <a:pathLst>
-                <a:path w="10000" h="5291">
+                <a:path w="10000" h="5291" fill="norm" stroke="1" extrusionOk="0">
                   <a:moveTo>
                     <a:pt x="85" y="2532"/>
                   </a:moveTo>
@@ -7127,7 +7089,7 @@
               <a:cxnLst/>
               <a:rect l="l" t="t" r="r" b="b"/>
               <a:pathLst>
-                <a:path w="10000" h="8000">
+                <a:path w="10000" h="8000" fill="norm" stroke="1" extrusionOk="0">
                   <a:moveTo>
                     <a:pt x="0" y="0"/>
                   </a:moveTo>
@@ -7313,7 +7275,7 @@
               <a:cxnLst/>
               <a:rect l="0" t="0" r="r" b="b"/>
               <a:pathLst>
-                <a:path w="15356" h="8638">
+                <a:path w="15356" h="8638" fill="norm" stroke="1" extrusionOk="0">
                   <a:moveTo>
                     <a:pt x="0" y="0"/>
                   </a:moveTo>
@@ -7368,7 +7330,7 @@
             <p:ph type="title" orient="vert"/>
           </p:nvPr>
         </p:nvSpPr>
-        <p:spPr>
+        <p:spPr bwMode="auto">
           <a:xfrm>
             <a:off x="8585235" y="1278467"/>
             <a:ext cx="1409965" cy="4748590"/>
@@ -7378,11 +7340,14 @@
           <a:bodyPr vert="eaVert" anchor="b" anchorCtr="0"/>
           <a:lstStyle/>
           <a:p>
+            <a:pPr>
+              <a:defRPr/>
+            </a:pPr>
             <a:r>
-              <a:rPr lang="en-US" smtClean="0"/>
+              <a:rPr lang="en-US"/>
               <a:t>Click to edit Master title style</a:t>
             </a:r>
-            <a:endParaRPr lang="en-US" dirty="0"/>
+            <a:endParaRPr lang="en-US"/>
           </a:p>
         </p:txBody>
       </p:sp>
@@ -7396,7 +7361,7 @@
             <p:ph type="body" orient="vert" idx="1"/>
           </p:nvPr>
         </p:nvSpPr>
-        <p:spPr>
+        <p:spPr bwMode="auto">
           <a:xfrm>
             <a:off x="1154954" y="1278467"/>
             <a:ext cx="6256025" cy="4748590"/>
@@ -7406,40 +7371,54 @@
           <a:bodyPr vert="eaVert"/>
           <a:lstStyle/>
           <a:p>
-            <a:pPr lvl="0"/>
+            <a:pPr lvl="0">
+              <a:defRPr/>
+            </a:pPr>
             <a:r>
-              <a:rPr lang="en-US" smtClean="0"/>
+              <a:rPr lang="en-US"/>
               <a:t>Click to edit Master text styles</a:t>
             </a:r>
-          </a:p>
-          <a:p>
-            <a:pPr lvl="1"/>
+            <a:endParaRPr/>
+          </a:p>
+          <a:p>
+            <a:pPr lvl="1">
+              <a:defRPr/>
+            </a:pPr>
             <a:r>
-              <a:rPr lang="en-US" smtClean="0"/>
+              <a:rPr lang="en-US"/>
               <a:t>Second level</a:t>
             </a:r>
-          </a:p>
-          <a:p>
-            <a:pPr lvl="2"/>
+            <a:endParaRPr/>
+          </a:p>
+          <a:p>
+            <a:pPr lvl="2">
+              <a:defRPr/>
+            </a:pPr>
             <a:r>
-              <a:rPr lang="en-US" smtClean="0"/>
+              <a:rPr lang="en-US"/>
               <a:t>Third level</a:t>
             </a:r>
-          </a:p>
-          <a:p>
-            <a:pPr lvl="3"/>
+            <a:endParaRPr/>
+          </a:p>
+          <a:p>
+            <a:pPr lvl="3">
+              <a:defRPr/>
+            </a:pPr>
             <a:r>
-              <a:rPr lang="en-US" smtClean="0"/>
+              <a:rPr lang="en-US"/>
               <a:t>Fourth level</a:t>
             </a:r>
-          </a:p>
-          <a:p>
-            <a:pPr lvl="4"/>
+            <a:endParaRPr/>
+          </a:p>
+          <a:p>
+            <a:pPr lvl="4">
+              <a:defRPr/>
+            </a:pPr>
             <a:r>
-              <a:rPr lang="en-US" smtClean="0"/>
+              <a:rPr lang="en-US"/>
               <a:t>Fifth level</a:t>
             </a:r>
-            <a:endParaRPr lang="en-US" dirty="0"/>
+            <a:endParaRPr lang="en-US"/>
           </a:p>
         </p:txBody>
       </p:sp>
@@ -7453,7 +7432,7 @@
             <p:ph type="dt" sz="half" idx="10"/>
           </p:nvPr>
         </p:nvSpPr>
-        <p:spPr>
+        <p:spPr bwMode="auto">
           <a:xfrm>
             <a:off x="10653104" y="6391838"/>
             <a:ext cx="992135" cy="304799"/>
@@ -7463,9 +7442,12 @@
           <a:bodyPr/>
           <a:lstStyle/>
           <a:p>
+            <a:pPr>
+              <a:defRPr/>
+            </a:pPr>
             <a:fld id="{BA38155F-AEC7-4C83-BD8B-86231E183429}" type="datetimeFigureOut">
-              <a:rPr lang="en-US" smtClean="0"/>
-              <a:t>2/1/2023</a:t>
+              <a:rPr lang="en-US"/>
+              <a:t/>
             </a:fld>
             <a:endParaRPr lang="en-US"/>
           </a:p>
@@ -7481,11 +7463,14 @@
             <p:ph type="ftr" sz="quarter" idx="11"/>
           </p:nvPr>
         </p:nvSpPr>
-        <p:spPr/>
+        <p:spPr bwMode="auto"/>
         <p:txBody>
           <a:bodyPr/>
           <a:lstStyle/>
           <a:p>
+            <a:pPr>
+              <a:defRPr/>
+            </a:pPr>
             <a:endParaRPr lang="en-US"/>
           </a:p>
         </p:txBody>
@@ -7496,7 +7481,7 @@
           <p:cNvSpPr/>
           <p:nvPr/>
         </p:nvSpPr>
-        <p:spPr>
+        <p:spPr bwMode="auto">
           <a:xfrm>
             <a:off x="10437812" y="0"/>
             <a:ext cx="685800" cy="1143000"/>
@@ -7536,46 +7521,32 @@
             <p:ph type="sldNum" sz="quarter" idx="12"/>
           </p:nvPr>
         </p:nvSpPr>
-        <p:spPr/>
+        <p:spPr bwMode="auto"/>
         <p:txBody>
           <a:bodyPr/>
           <a:lstStyle/>
           <a:p>
+            <a:pPr>
+              <a:defRPr/>
+            </a:pPr>
             <a:fld id="{00E55A38-CD7B-4575-ADB2-599742FE9C88}" type="slidenum">
-              <a:rPr lang="en-US" smtClean="0"/>
-              <a:t>‹#›</a:t>
+              <a:rPr lang="en-US"/>
+              <a:t/>
             </a:fld>
             <a:endParaRPr lang="en-US"/>
           </a:p>
         </p:txBody>
       </p:sp>
     </p:spTree>
-    <p:extLst>
-      <p:ext uri="{BB962C8B-B14F-4D97-AF65-F5344CB8AC3E}">
-        <p14:creationId xmlns:p14="http://schemas.microsoft.com/office/powerpoint/2010/main" val="1071252965"/>
-      </p:ext>
-    </p:extLst>
   </p:cSld>
   <p:clrMapOvr>
     <a:masterClrMapping/>
   </p:clrMapOvr>
-  <mc:AlternateContent xmlns:mc="http://schemas.openxmlformats.org/markup-compatibility/2006">
-    <mc:Choice xmlns:p14="http://schemas.microsoft.com/office/powerpoint/2010/main" Requires="p14">
-      <p:transition spd="med" p14:dur="700">
-        <p:fade/>
-      </p:transition>
-    </mc:Choice>
-    <mc:Fallback>
-      <p:transition spd="med">
-        <p:fade/>
-      </p:transition>
-    </mc:Fallback>
-  </mc:AlternateContent>
 </p:sldLayout>
 </file>
 
 <file path=ppt/slideLayouts/slideLayout2.xml><?xml version="1.0" encoding="utf-8"?>
-<p:sldLayout xmlns:a="http://schemas.openxmlformats.org/drawingml/2006/main" xmlns:r="http://schemas.openxmlformats.org/officeDocument/2006/relationships" xmlns:p="http://schemas.openxmlformats.org/presentationml/2006/main" type="obj" preserve="1">
+<p:sldLayout xmlns:a="http://schemas.openxmlformats.org/drawingml/2006/main" xmlns:r="http://schemas.openxmlformats.org/officeDocument/2006/relationships" xmlns:p="http://schemas.openxmlformats.org/presentationml/2006/main" xmlns:m="http://schemas.openxmlformats.org/officeDocument/2006/math" xmlns:w="http://schemas.openxmlformats.org/wordprocessingml/2006/main" matchingName="" preserve="1" showMasterPhAnim="0" type="obj" userDrawn="1">
   <p:cSld name="Title and Content">
     <p:spTree>
       <p:nvGrpSpPr>
@@ -7583,7 +7554,7 @@
         <p:cNvGrpSpPr/>
         <p:nvPr/>
       </p:nvGrpSpPr>
-      <p:grpSpPr>
+      <p:grpSpPr bwMode="auto">
         <a:xfrm>
           <a:off x="0" y="0"/>
           <a:ext cx="0" cy="0"/>
@@ -7601,16 +7572,19 @@
             <p:ph type="title"/>
           </p:nvPr>
         </p:nvSpPr>
-        <p:spPr/>
+        <p:spPr bwMode="auto"/>
         <p:txBody>
           <a:bodyPr/>
           <a:lstStyle/>
           <a:p>
+            <a:pPr>
+              <a:defRPr/>
+            </a:pPr>
             <a:r>
-              <a:rPr lang="en-US" smtClean="0"/>
+              <a:rPr lang="en-US"/>
               <a:t>Click to edit Master title style</a:t>
             </a:r>
-            <a:endParaRPr lang="en-US" dirty="0"/>
+            <a:endParaRPr lang="en-US"/>
           </a:p>
         </p:txBody>
       </p:sp>
@@ -7624,7 +7598,7 @@
             <p:ph idx="1"/>
           </p:nvPr>
         </p:nvSpPr>
-        <p:spPr>
+        <p:spPr bwMode="auto">
           <a:xfrm>
             <a:off x="1154954" y="2603500"/>
             <a:ext cx="8825659" cy="3416300"/>
@@ -7634,40 +7608,54 @@
           <a:bodyPr/>
           <a:lstStyle/>
           <a:p>
-            <a:pPr lvl="0"/>
+            <a:pPr lvl="0">
+              <a:defRPr/>
+            </a:pPr>
             <a:r>
-              <a:rPr lang="en-US" smtClean="0"/>
+              <a:rPr lang="en-US"/>
               <a:t>Click to edit Master text styles</a:t>
             </a:r>
-          </a:p>
-          <a:p>
-            <a:pPr lvl="1"/>
+            <a:endParaRPr/>
+          </a:p>
+          <a:p>
+            <a:pPr lvl="1">
+              <a:defRPr/>
+            </a:pPr>
             <a:r>
-              <a:rPr lang="en-US" smtClean="0"/>
+              <a:rPr lang="en-US"/>
               <a:t>Second level</a:t>
             </a:r>
-          </a:p>
-          <a:p>
-            <a:pPr lvl="2"/>
+            <a:endParaRPr/>
+          </a:p>
+          <a:p>
+            <a:pPr lvl="2">
+              <a:defRPr/>
+            </a:pPr>
             <a:r>
-              <a:rPr lang="en-US" smtClean="0"/>
+              <a:rPr lang="en-US"/>
               <a:t>Third level</a:t>
             </a:r>
-          </a:p>
-          <a:p>
-            <a:pPr lvl="3"/>
+            <a:endParaRPr/>
+          </a:p>
+          <a:p>
+            <a:pPr lvl="3">
+              <a:defRPr/>
+            </a:pPr>
             <a:r>
-              <a:rPr lang="en-US" smtClean="0"/>
+              <a:rPr lang="en-US"/>
               <a:t>Fourth level</a:t>
             </a:r>
-          </a:p>
-          <a:p>
-            <a:pPr lvl="4"/>
+            <a:endParaRPr/>
+          </a:p>
+          <a:p>
+            <a:pPr lvl="4">
+              <a:defRPr/>
+            </a:pPr>
             <a:r>
-              <a:rPr lang="en-US" smtClean="0"/>
+              <a:rPr lang="en-US"/>
               <a:t>Fifth level</a:t>
             </a:r>
-            <a:endParaRPr lang="en-US" dirty="0"/>
+            <a:endParaRPr lang="en-US"/>
           </a:p>
         </p:txBody>
       </p:sp>
@@ -7681,14 +7669,17 @@
             <p:ph type="dt" sz="half" idx="10"/>
           </p:nvPr>
         </p:nvSpPr>
-        <p:spPr/>
+        <p:spPr bwMode="auto"/>
         <p:txBody>
           <a:bodyPr/>
           <a:lstStyle/>
           <a:p>
+            <a:pPr>
+              <a:defRPr/>
+            </a:pPr>
             <a:fld id="{BA38155F-AEC7-4C83-BD8B-86231E183429}" type="datetimeFigureOut">
-              <a:rPr lang="en-US" smtClean="0"/>
-              <a:t>2/1/2023</a:t>
+              <a:rPr lang="en-US"/>
+              <a:t/>
             </a:fld>
             <a:endParaRPr lang="en-US"/>
           </a:p>
@@ -7704,11 +7695,14 @@
             <p:ph type="ftr" sz="quarter" idx="11"/>
           </p:nvPr>
         </p:nvSpPr>
-        <p:spPr/>
+        <p:spPr bwMode="auto"/>
         <p:txBody>
           <a:bodyPr/>
           <a:lstStyle/>
           <a:p>
+            <a:pPr>
+              <a:defRPr/>
+            </a:pPr>
             <a:endParaRPr lang="en-US"/>
           </a:p>
         </p:txBody>
@@ -7723,46 +7717,32 @@
             <p:ph type="sldNum" sz="quarter" idx="12"/>
           </p:nvPr>
         </p:nvSpPr>
-        <p:spPr/>
+        <p:spPr bwMode="auto"/>
         <p:txBody>
           <a:bodyPr/>
           <a:lstStyle/>
           <a:p>
+            <a:pPr>
+              <a:defRPr/>
+            </a:pPr>
             <a:fld id="{00E55A38-CD7B-4575-ADB2-599742FE9C88}" type="slidenum">
-              <a:rPr lang="en-US" smtClean="0"/>
-              <a:t>‹#›</a:t>
+              <a:rPr lang="en-US"/>
+              <a:t/>
             </a:fld>
             <a:endParaRPr lang="en-US"/>
           </a:p>
         </p:txBody>
       </p:sp>
     </p:spTree>
-    <p:extLst>
-      <p:ext uri="{BB962C8B-B14F-4D97-AF65-F5344CB8AC3E}">
-        <p14:creationId xmlns:p14="http://schemas.microsoft.com/office/powerpoint/2010/main" val="1792625844"/>
-      </p:ext>
-    </p:extLst>
   </p:cSld>
   <p:clrMapOvr>
     <a:masterClrMapping/>
   </p:clrMapOvr>
-  <mc:AlternateContent xmlns:mc="http://schemas.openxmlformats.org/markup-compatibility/2006">
-    <mc:Choice xmlns:p14="http://schemas.microsoft.com/office/powerpoint/2010/main" Requires="p14">
-      <p:transition spd="med" p14:dur="700">
-        <p:fade/>
-      </p:transition>
-    </mc:Choice>
-    <mc:Fallback>
-      <p:transition spd="med">
-        <p:fade/>
-      </p:transition>
-    </mc:Fallback>
-  </mc:AlternateContent>
 </p:sldLayout>
 </file>
 
 <file path=ppt/slideLayouts/slideLayout3.xml><?xml version="1.0" encoding="utf-8"?>
-<p:sldLayout xmlns:a="http://schemas.openxmlformats.org/drawingml/2006/main" xmlns:r="http://schemas.openxmlformats.org/officeDocument/2006/relationships" xmlns:p="http://schemas.openxmlformats.org/presentationml/2006/main" showMasterSp="0" type="secHead" preserve="1">
+<p:sldLayout xmlns:a="http://schemas.openxmlformats.org/drawingml/2006/main" xmlns:r="http://schemas.openxmlformats.org/officeDocument/2006/relationships" xmlns:p="http://schemas.openxmlformats.org/presentationml/2006/main" xmlns:m="http://schemas.openxmlformats.org/officeDocument/2006/math" xmlns:w="http://schemas.openxmlformats.org/wordprocessingml/2006/main" matchingName="" preserve="1" showMasterPhAnim="0" showMasterSp="0" type="secHead" userDrawn="1">
   <p:cSld name="Section Header">
     <p:spTree>
       <p:nvGrpSpPr>
@@ -7770,7 +7750,7 @@
         <p:cNvGrpSpPr/>
         <p:nvPr/>
       </p:nvGrpSpPr>
-      <p:grpSpPr>
+      <p:grpSpPr bwMode="auto">
         <a:xfrm>
           <a:off x="0" y="0"/>
           <a:ext cx="0" cy="0"/>
@@ -7784,7 +7764,7 @@
           <p:cNvGrpSpPr/>
           <p:nvPr/>
         </p:nvGrpSpPr>
-        <p:grpSpPr>
+        <p:grpSpPr bwMode="auto">
           <a:xfrm>
             <a:off x="0" y="0"/>
             <a:ext cx="12192000" cy="6858000"/>
@@ -7798,7 +7778,7 @@
             <p:cNvSpPr/>
             <p:nvPr/>
           </p:nvSpPr>
-          <p:spPr>
+          <p:spPr bwMode="auto">
             <a:xfrm>
               <a:off x="0" y="0"/>
               <a:ext cx="12192000" cy="6858000"/>
@@ -7822,9 +7802,7 @@
                   </a:schemeClr>
                 </a:duotone>
               </a:blip>
-              <a:stretch>
-                <a:fillRect/>
-              </a:stretch>
+              <a:stretch/>
             </a:blipFill>
             <a:ln>
               <a:noFill/>
@@ -7853,7 +7831,7 @@
             <p:cNvSpPr/>
             <p:nvPr/>
           </p:nvSpPr>
-          <p:spPr>
+          <p:spPr bwMode="auto">
             <a:xfrm>
               <a:off x="0" y="2667000"/>
               <a:ext cx="4191000" cy="4191000"/>
@@ -7861,28 +7839,25 @@
             <a:prstGeom prst="ellipse">
               <a:avLst/>
             </a:prstGeom>
-            <a:gradFill flip="none" rotWithShape="1">
+            <a:gradFill>
               <a:gsLst>
                 <a:gs pos="0">
                   <a:schemeClr val="accent5">
                     <a:alpha val="11000"/>
                   </a:schemeClr>
                 </a:gs>
+                <a:gs pos="36000">
+                  <a:schemeClr val="accent5">
+                    <a:alpha val="10000"/>
+                  </a:schemeClr>
+                </a:gs>
                 <a:gs pos="75000">
                   <a:schemeClr val="accent5">
                     <a:alpha val="0"/>
                   </a:schemeClr>
                 </a:gs>
-                <a:gs pos="36000">
-                  <a:schemeClr val="accent5">
-                    <a:alpha val="10000"/>
-                  </a:schemeClr>
-                </a:gs>
               </a:gsLst>
-              <a:path path="circle">
-                <a:fillToRect l="50000" t="50000" r="50000" b="50000"/>
-              </a:path>
-              <a:tileRect/>
+              <a:path path="circle"/>
             </a:gradFill>
             <a:ln>
               <a:noFill/>
@@ -7910,36 +7885,33 @@
             <p:cNvSpPr/>
             <p:nvPr/>
           </p:nvSpPr>
-          <p:spPr>
+          <p:spPr bwMode="auto">
             <a:xfrm>
               <a:off x="0" y="2895600"/>
-              <a:ext cx="2362200" cy="2362200"/>
+              <a:ext cx="2362199" cy="2362199"/>
             </a:xfrm>
             <a:prstGeom prst="ellipse">
               <a:avLst/>
             </a:prstGeom>
-            <a:gradFill flip="none" rotWithShape="1">
+            <a:gradFill>
               <a:gsLst>
                 <a:gs pos="0">
                   <a:schemeClr val="accent5">
                     <a:alpha val="8000"/>
                   </a:schemeClr>
                 </a:gs>
+                <a:gs pos="36000">
+                  <a:schemeClr val="accent5">
+                    <a:alpha val="8000"/>
+                  </a:schemeClr>
+                </a:gs>
                 <a:gs pos="72000">
                   <a:schemeClr val="accent5">
                     <a:alpha val="0"/>
                   </a:schemeClr>
                 </a:gs>
-                <a:gs pos="36000">
-                  <a:schemeClr val="accent5">
-                    <a:alpha val="8000"/>
-                  </a:schemeClr>
-                </a:gs>
               </a:gsLst>
-              <a:path path="circle">
-                <a:fillToRect l="50000" t="50000" r="50000" b="50000"/>
-              </a:path>
-              <a:tileRect/>
+              <a:path path="circle"/>
             </a:gradFill>
             <a:ln>
               <a:noFill/>
@@ -7967,36 +7939,33 @@
             <p:cNvSpPr/>
             <p:nvPr/>
           </p:nvSpPr>
-          <p:spPr>
+          <p:spPr bwMode="auto">
             <a:xfrm>
-              <a:off x="8609012" y="5867400"/>
+              <a:off x="8609012" y="5867399"/>
               <a:ext cx="990600" cy="990600"/>
             </a:xfrm>
             <a:prstGeom prst="ellipse">
               <a:avLst/>
             </a:prstGeom>
-            <a:gradFill flip="none" rotWithShape="1">
+            <a:gradFill>
               <a:gsLst>
                 <a:gs pos="0">
                   <a:schemeClr val="accent5">
                     <a:alpha val="14000"/>
                   </a:schemeClr>
                 </a:gs>
+                <a:gs pos="36000">
+                  <a:schemeClr val="accent5">
+                    <a:alpha val="7000"/>
+                  </a:schemeClr>
+                </a:gs>
                 <a:gs pos="66000">
                   <a:schemeClr val="accent5">
                     <a:alpha val="0"/>
                   </a:schemeClr>
                 </a:gs>
-                <a:gs pos="36000">
-                  <a:schemeClr val="accent5">
-                    <a:alpha val="7000"/>
-                  </a:schemeClr>
-                </a:gs>
               </a:gsLst>
-              <a:path path="circle">
-                <a:fillToRect l="50000" t="50000" r="50000" b="50000"/>
-              </a:path>
-              <a:tileRect/>
+              <a:path path="circle"/>
             </a:gradFill>
             <a:ln>
               <a:noFill/>
@@ -8024,7 +7993,7 @@
             <p:cNvSpPr/>
             <p:nvPr/>
           </p:nvSpPr>
-          <p:spPr>
+          <p:spPr bwMode="auto">
             <a:xfrm>
               <a:off x="8609012" y="1676400"/>
               <a:ext cx="2819400" cy="2819400"/>
@@ -8032,28 +8001,25 @@
             <a:prstGeom prst="ellipse">
               <a:avLst/>
             </a:prstGeom>
-            <a:gradFill flip="none" rotWithShape="1">
+            <a:gradFill>
               <a:gsLst>
                 <a:gs pos="0">
                   <a:schemeClr val="accent5">
                     <a:alpha val="7000"/>
                   </a:schemeClr>
                 </a:gs>
+                <a:gs pos="36000">
+                  <a:schemeClr val="accent5">
+                    <a:alpha val="6000"/>
+                  </a:schemeClr>
+                </a:gs>
                 <a:gs pos="69000">
                   <a:schemeClr val="accent5">
                     <a:alpha val="0"/>
                   </a:schemeClr>
                 </a:gs>
-                <a:gs pos="36000">
-                  <a:schemeClr val="accent5">
-                    <a:alpha val="6000"/>
-                  </a:schemeClr>
-                </a:gs>
               </a:gsLst>
-              <a:path path="circle">
-                <a:fillToRect l="50000" t="50000" r="50000" b="50000"/>
-              </a:path>
-              <a:tileRect/>
+              <a:path path="circle"/>
             </a:gradFill>
             <a:ln>
               <a:noFill/>
@@ -8081,7 +8047,7 @@
             <p:cNvSpPr/>
             <p:nvPr/>
           </p:nvSpPr>
-          <p:spPr>
+          <p:spPr bwMode="auto">
             <a:xfrm>
               <a:off x="7999412" y="8464"/>
               <a:ext cx="1600200" cy="1600200"/>
@@ -8089,28 +8055,25 @@
             <a:prstGeom prst="ellipse">
               <a:avLst/>
             </a:prstGeom>
-            <a:gradFill flip="none" rotWithShape="1">
+            <a:gradFill>
               <a:gsLst>
                 <a:gs pos="0">
                   <a:schemeClr val="accent5">
                     <a:alpha val="14000"/>
                   </a:schemeClr>
                 </a:gs>
+                <a:gs pos="36000">
+                  <a:schemeClr val="accent5">
+                    <a:alpha val="7000"/>
+                  </a:schemeClr>
+                </a:gs>
                 <a:gs pos="73000">
                   <a:schemeClr val="accent5">
                     <a:alpha val="0"/>
                   </a:schemeClr>
                 </a:gs>
-                <a:gs pos="36000">
-                  <a:schemeClr val="accent5">
-                    <a:alpha val="7000"/>
-                  </a:schemeClr>
-                </a:gs>
               </a:gsLst>
-              <a:path path="circle">
-                <a:fillToRect l="50000" t="50000" r="50000" b="50000"/>
-              </a:path>
-              <a:tileRect/>
+              <a:path path="circle"/>
             </a:gradFill>
             <a:ln>
               <a:noFill/>
@@ -8176,7 +8139,7 @@
             <p:nvPr/>
           </p:nvSpPr>
           <p:spPr bwMode="gray">
-            <a:xfrm rot="16200000">
+            <a:xfrm rot="16199999">
               <a:off x="3787244" y="2801721"/>
               <a:ext cx="6053670" cy="1254558"/>
             </a:xfrm>
@@ -8187,7 +8150,7 @@
               <a:cxnLst/>
               <a:rect l="l" t="t" r="r" b="b"/>
               <a:pathLst>
-                <a:path w="10000" h="8000">
+                <a:path w="10000" h="8000" fill="norm" stroke="1" extrusionOk="0">
                   <a:moveTo>
                     <a:pt x="0" y="0"/>
                   </a:moveTo>
@@ -8362,7 +8325,7 @@
           <p:spPr bwMode="gray">
             <a:xfrm rot="15922489">
               <a:off x="4698352" y="1826078"/>
-              <a:ext cx="3299407" cy="440924"/>
+              <a:ext cx="3299406" cy="440924"/>
             </a:xfrm>
             <a:custGeom>
               <a:avLst/>
@@ -8371,7 +8334,7 @@
               <a:cxnLst/>
               <a:rect l="l" t="t" r="r" b="b"/>
               <a:pathLst>
-                <a:path w="10000" h="5291">
+                <a:path w="10000" h="5291" fill="norm" stroke="1" extrusionOk="0">
                   <a:moveTo>
                     <a:pt x="85" y="2532"/>
                   </a:moveTo>
@@ -8520,7 +8483,7 @@
               <a:cxnLst/>
               <a:rect l="0" t="0" r="r" b="b"/>
               <a:pathLst>
-                <a:path w="15356" h="8638">
+                <a:path w="15356" h="8638" fill="norm" stroke="1" extrusionOk="0">
                   <a:moveTo>
                     <a:pt x="0" y="0"/>
                   </a:moveTo>
@@ -8575,7 +8538,7 @@
             <p:ph type="title"/>
           </p:nvPr>
         </p:nvSpPr>
-        <p:spPr>
+        <p:spPr bwMode="auto">
           <a:xfrm>
             <a:off x="1154954" y="2677645"/>
             <a:ext cx="4351025" cy="2283824"/>
@@ -8589,11 +8552,14 @@
             </a:lvl1pPr>
           </a:lstStyle>
           <a:p>
+            <a:pPr>
+              <a:defRPr/>
+            </a:pPr>
             <a:r>
-              <a:rPr lang="en-US" smtClean="0"/>
+              <a:rPr lang="en-US"/>
               <a:t>Click to edit Master title style</a:t>
             </a:r>
-            <a:endParaRPr lang="en-US" dirty="0"/>
+            <a:endParaRPr lang="en-US"/>
           </a:p>
         </p:txBody>
       </p:sp>
@@ -8607,7 +8573,7 @@
             <p:ph type="body" idx="1"/>
           </p:nvPr>
         </p:nvSpPr>
-        <p:spPr>
+        <p:spPr bwMode="auto">
           <a:xfrm>
             <a:off x="6895559" y="2677644"/>
             <a:ext cx="3757545" cy="2283824"/>
@@ -8709,11 +8675,14 @@
             </a:lvl9pPr>
           </a:lstStyle>
           <a:p>
-            <a:pPr lvl="0"/>
+            <a:pPr lvl="0">
+              <a:defRPr/>
+            </a:pPr>
             <a:r>
-              <a:rPr lang="en-US" smtClean="0"/>
+              <a:rPr lang="en-US"/>
               <a:t>Click to edit Master text styles</a:t>
             </a:r>
+            <a:endParaRPr/>
           </a:p>
         </p:txBody>
       </p:sp>
@@ -8727,14 +8696,17 @@
             <p:ph type="dt" sz="half" idx="10"/>
           </p:nvPr>
         </p:nvSpPr>
-        <p:spPr/>
+        <p:spPr bwMode="auto"/>
         <p:txBody>
           <a:bodyPr/>
           <a:lstStyle/>
           <a:p>
+            <a:pPr>
+              <a:defRPr/>
+            </a:pPr>
             <a:fld id="{BA38155F-AEC7-4C83-BD8B-86231E183429}" type="datetimeFigureOut">
-              <a:rPr lang="en-US" smtClean="0"/>
-              <a:t>2/1/2023</a:t>
+              <a:rPr lang="en-US"/>
+              <a:t/>
             </a:fld>
             <a:endParaRPr lang="en-US"/>
           </a:p>
@@ -8750,11 +8722,14 @@
             <p:ph type="ftr" sz="quarter" idx="11"/>
           </p:nvPr>
         </p:nvSpPr>
-        <p:spPr/>
+        <p:spPr bwMode="auto"/>
         <p:txBody>
           <a:bodyPr/>
           <a:lstStyle/>
           <a:p>
+            <a:pPr>
+              <a:defRPr/>
+            </a:pPr>
             <a:endParaRPr lang="en-US"/>
           </a:p>
         </p:txBody>
@@ -8765,7 +8740,7 @@
           <p:cNvSpPr/>
           <p:nvPr/>
         </p:nvSpPr>
-        <p:spPr>
+        <p:spPr bwMode="auto">
           <a:xfrm>
             <a:off x="10437812" y="0"/>
             <a:ext cx="685800" cy="1143000"/>
@@ -8805,46 +8780,32 @@
             <p:ph type="sldNum" sz="quarter" idx="12"/>
           </p:nvPr>
         </p:nvSpPr>
-        <p:spPr/>
+        <p:spPr bwMode="auto"/>
         <p:txBody>
           <a:bodyPr/>
           <a:lstStyle/>
           <a:p>
+            <a:pPr>
+              <a:defRPr/>
+            </a:pPr>
             <a:fld id="{00E55A38-CD7B-4575-ADB2-599742FE9C88}" type="slidenum">
-              <a:rPr lang="en-US" smtClean="0"/>
-              <a:t>‹#›</a:t>
+              <a:rPr lang="en-US"/>
+              <a:t/>
             </a:fld>
             <a:endParaRPr lang="en-US"/>
           </a:p>
         </p:txBody>
       </p:sp>
     </p:spTree>
-    <p:extLst>
-      <p:ext uri="{BB962C8B-B14F-4D97-AF65-F5344CB8AC3E}">
-        <p14:creationId xmlns:p14="http://schemas.microsoft.com/office/powerpoint/2010/main" val="3896156506"/>
-      </p:ext>
-    </p:extLst>
   </p:cSld>
   <p:clrMapOvr>
     <a:masterClrMapping/>
   </p:clrMapOvr>
-  <mc:AlternateContent xmlns:mc="http://schemas.openxmlformats.org/markup-compatibility/2006">
-    <mc:Choice xmlns:p14="http://schemas.microsoft.com/office/powerpoint/2010/main" Requires="p14">
-      <p:transition spd="med" p14:dur="700">
-        <p:fade/>
-      </p:transition>
-    </mc:Choice>
-    <mc:Fallback>
-      <p:transition spd="med">
-        <p:fade/>
-      </p:transition>
-    </mc:Fallback>
-  </mc:AlternateContent>
 </p:sldLayout>
 </file>
 
 <file path=ppt/slideLayouts/slideLayout4.xml><?xml version="1.0" encoding="utf-8"?>
-<p:sldLayout xmlns:a="http://schemas.openxmlformats.org/drawingml/2006/main" xmlns:r="http://schemas.openxmlformats.org/officeDocument/2006/relationships" xmlns:p="http://schemas.openxmlformats.org/presentationml/2006/main" type="twoObj" preserve="1">
+<p:sldLayout xmlns:a="http://schemas.openxmlformats.org/drawingml/2006/main" xmlns:r="http://schemas.openxmlformats.org/officeDocument/2006/relationships" xmlns:p="http://schemas.openxmlformats.org/presentationml/2006/main" xmlns:m="http://schemas.openxmlformats.org/officeDocument/2006/math" xmlns:w="http://schemas.openxmlformats.org/wordprocessingml/2006/main" matchingName="" preserve="1" showMasterPhAnim="0" type="twoObj" userDrawn="1">
   <p:cSld name="Two Content">
     <p:spTree>
       <p:nvGrpSpPr>
@@ -8852,7 +8813,7 @@
         <p:cNvGrpSpPr/>
         <p:nvPr/>
       </p:nvGrpSpPr>
-      <p:grpSpPr>
+      <p:grpSpPr bwMode="auto">
         <a:xfrm>
           <a:off x="0" y="0"/>
           <a:ext cx="0" cy="0"/>
@@ -8870,16 +8831,19 @@
             <p:ph type="title"/>
           </p:nvPr>
         </p:nvSpPr>
-        <p:spPr/>
+        <p:spPr bwMode="auto"/>
         <p:txBody>
           <a:bodyPr/>
           <a:lstStyle/>
           <a:p>
+            <a:pPr>
+              <a:defRPr/>
+            </a:pPr>
             <a:r>
-              <a:rPr lang="en-US" smtClean="0"/>
+              <a:rPr lang="en-US"/>
               <a:t>Click to edit Master title style</a:t>
             </a:r>
-            <a:endParaRPr lang="en-US" dirty="0"/>
+            <a:endParaRPr lang="en-US"/>
           </a:p>
         </p:txBody>
       </p:sp>
@@ -8893,7 +8857,7 @@
             <p:ph sz="half" idx="1"/>
           </p:nvPr>
         </p:nvSpPr>
-        <p:spPr>
+        <p:spPr bwMode="auto">
           <a:xfrm>
             <a:off x="1154954" y="2603500"/>
             <a:ext cx="4825158" cy="3416301"/>
@@ -8905,40 +8869,54 @@
           </a:bodyPr>
           <a:lstStyle/>
           <a:p>
-            <a:pPr lvl="0"/>
+            <a:pPr lvl="0">
+              <a:defRPr/>
+            </a:pPr>
             <a:r>
-              <a:rPr lang="en-US" smtClean="0"/>
+              <a:rPr lang="en-US"/>
               <a:t>Click to edit Master text styles</a:t>
             </a:r>
-          </a:p>
-          <a:p>
-            <a:pPr lvl="1"/>
+            <a:endParaRPr/>
+          </a:p>
+          <a:p>
+            <a:pPr lvl="1">
+              <a:defRPr/>
+            </a:pPr>
             <a:r>
-              <a:rPr lang="en-US" smtClean="0"/>
+              <a:rPr lang="en-US"/>
               <a:t>Second level</a:t>
             </a:r>
-          </a:p>
-          <a:p>
-            <a:pPr lvl="2"/>
+            <a:endParaRPr/>
+          </a:p>
+          <a:p>
+            <a:pPr lvl="2">
+              <a:defRPr/>
+            </a:pPr>
             <a:r>
-              <a:rPr lang="en-US" smtClean="0"/>
+              <a:rPr lang="en-US"/>
               <a:t>Third level</a:t>
             </a:r>
-          </a:p>
-          <a:p>
-            <a:pPr lvl="3"/>
+            <a:endParaRPr/>
+          </a:p>
+          <a:p>
+            <a:pPr lvl="3">
+              <a:defRPr/>
+            </a:pPr>
             <a:r>
-              <a:rPr lang="en-US" smtClean="0"/>
+              <a:rPr lang="en-US"/>
               <a:t>Fourth level</a:t>
             </a:r>
-          </a:p>
-          <a:p>
-            <a:pPr lvl="4"/>
+            <a:endParaRPr/>
+          </a:p>
+          <a:p>
+            <a:pPr lvl="4">
+              <a:defRPr/>
+            </a:pPr>
             <a:r>
-              <a:rPr lang="en-US" smtClean="0"/>
+              <a:rPr lang="en-US"/>
               <a:t>Fifth level</a:t>
             </a:r>
-            <a:endParaRPr lang="en-US" dirty="0"/>
+            <a:endParaRPr lang="en-US"/>
           </a:p>
         </p:txBody>
       </p:sp>
@@ -8952,7 +8930,7 @@
             <p:ph sz="half" idx="2"/>
           </p:nvPr>
         </p:nvSpPr>
-        <p:spPr>
+        <p:spPr bwMode="auto">
           <a:xfrm>
             <a:off x="6208712" y="2603500"/>
             <a:ext cx="4825159" cy="3416300"/>
@@ -8964,40 +8942,54 @@
           </a:bodyPr>
           <a:lstStyle/>
           <a:p>
-            <a:pPr lvl="0"/>
+            <a:pPr lvl="0">
+              <a:defRPr/>
+            </a:pPr>
             <a:r>
-              <a:rPr lang="en-US" smtClean="0"/>
+              <a:rPr lang="en-US"/>
               <a:t>Click to edit Master text styles</a:t>
             </a:r>
-          </a:p>
-          <a:p>
-            <a:pPr lvl="1"/>
+            <a:endParaRPr/>
+          </a:p>
+          <a:p>
+            <a:pPr lvl="1">
+              <a:defRPr/>
+            </a:pPr>
             <a:r>
-              <a:rPr lang="en-US" smtClean="0"/>
+              <a:rPr lang="en-US"/>
               <a:t>Second level</a:t>
             </a:r>
-          </a:p>
-          <a:p>
-            <a:pPr lvl="2"/>
+            <a:endParaRPr/>
+          </a:p>
+          <a:p>
+            <a:pPr lvl="2">
+              <a:defRPr/>
+            </a:pPr>
             <a:r>
-              <a:rPr lang="en-US" smtClean="0"/>
+              <a:rPr lang="en-US"/>
               <a:t>Third level</a:t>
             </a:r>
-          </a:p>
-          <a:p>
-            <a:pPr lvl="3"/>
+            <a:endParaRPr/>
+          </a:p>
+          <a:p>
+            <a:pPr lvl="3">
+              <a:defRPr/>
+            </a:pPr>
             <a:r>
-              <a:rPr lang="en-US" smtClean="0"/>
+              <a:rPr lang="en-US"/>
               <a:t>Fourth level</a:t>
             </a:r>
-          </a:p>
-          <a:p>
-            <a:pPr lvl="4"/>
+            <a:endParaRPr/>
+          </a:p>
+          <a:p>
+            <a:pPr lvl="4">
+              <a:defRPr/>
+            </a:pPr>
             <a:r>
-              <a:rPr lang="en-US" smtClean="0"/>
+              <a:rPr lang="en-US"/>
               <a:t>Fifth level</a:t>
             </a:r>
-            <a:endParaRPr lang="en-US" dirty="0"/>
+            <a:endParaRPr lang="en-US"/>
           </a:p>
         </p:txBody>
       </p:sp>
@@ -9011,14 +9003,17 @@
             <p:ph type="dt" sz="half" idx="10"/>
           </p:nvPr>
         </p:nvSpPr>
-        <p:spPr/>
+        <p:spPr bwMode="auto"/>
         <p:txBody>
           <a:bodyPr/>
           <a:lstStyle/>
           <a:p>
+            <a:pPr>
+              <a:defRPr/>
+            </a:pPr>
             <a:fld id="{BA38155F-AEC7-4C83-BD8B-86231E183429}" type="datetimeFigureOut">
-              <a:rPr lang="en-US" smtClean="0"/>
-              <a:t>2/1/2023</a:t>
+              <a:rPr lang="en-US"/>
+              <a:t/>
             </a:fld>
             <a:endParaRPr lang="en-US"/>
           </a:p>
@@ -9034,11 +9029,14 @@
             <p:ph type="ftr" sz="quarter" idx="11"/>
           </p:nvPr>
         </p:nvSpPr>
-        <p:spPr/>
+        <p:spPr bwMode="auto"/>
         <p:txBody>
           <a:bodyPr/>
           <a:lstStyle/>
           <a:p>
+            <a:pPr>
+              <a:defRPr/>
+            </a:pPr>
             <a:endParaRPr lang="en-US"/>
           </a:p>
         </p:txBody>
@@ -9053,46 +9051,32 @@
             <p:ph type="sldNum" sz="quarter" idx="12"/>
           </p:nvPr>
         </p:nvSpPr>
-        <p:spPr/>
+        <p:spPr bwMode="auto"/>
         <p:txBody>
           <a:bodyPr/>
           <a:lstStyle/>
           <a:p>
+            <a:pPr>
+              <a:defRPr/>
+            </a:pPr>
             <a:fld id="{00E55A38-CD7B-4575-ADB2-599742FE9C88}" type="slidenum">
-              <a:rPr lang="en-US" smtClean="0"/>
-              <a:t>‹#›</a:t>
+              <a:rPr lang="en-US"/>
+              <a:t/>
             </a:fld>
             <a:endParaRPr lang="en-US"/>
           </a:p>
         </p:txBody>
       </p:sp>
     </p:spTree>
-    <p:extLst>
-      <p:ext uri="{BB962C8B-B14F-4D97-AF65-F5344CB8AC3E}">
-        <p14:creationId xmlns:p14="http://schemas.microsoft.com/office/powerpoint/2010/main" val="640937933"/>
-      </p:ext>
-    </p:extLst>
   </p:cSld>
   <p:clrMapOvr>
     <a:masterClrMapping/>
   </p:clrMapOvr>
-  <mc:AlternateContent xmlns:mc="http://schemas.openxmlformats.org/markup-compatibility/2006">
-    <mc:Choice xmlns:p14="http://schemas.microsoft.com/office/powerpoint/2010/main" Requires="p14">
-      <p:transition spd="med" p14:dur="700">
-        <p:fade/>
-      </p:transition>
-    </mc:Choice>
-    <mc:Fallback>
-      <p:transition spd="med">
-        <p:fade/>
-      </p:transition>
-    </mc:Fallback>
-  </mc:AlternateContent>
 </p:sldLayout>
 </file>
 
 <file path=ppt/slideLayouts/slideLayout5.xml><?xml version="1.0" encoding="utf-8"?>
-<p:sldLayout xmlns:a="http://schemas.openxmlformats.org/drawingml/2006/main" xmlns:r="http://schemas.openxmlformats.org/officeDocument/2006/relationships" xmlns:p="http://schemas.openxmlformats.org/presentationml/2006/main" type="twoTxTwoObj" preserve="1">
+<p:sldLayout xmlns:a="http://schemas.openxmlformats.org/drawingml/2006/main" xmlns:r="http://schemas.openxmlformats.org/officeDocument/2006/relationships" xmlns:p="http://schemas.openxmlformats.org/presentationml/2006/main" xmlns:m="http://schemas.openxmlformats.org/officeDocument/2006/math" xmlns:w="http://schemas.openxmlformats.org/wordprocessingml/2006/main" matchingName="" preserve="1" showMasterPhAnim="0" type="twoTxTwoObj" userDrawn="1">
   <p:cSld name="Comparison">
     <p:spTree>
       <p:nvGrpSpPr>
@@ -9100,7 +9084,7 @@
         <p:cNvGrpSpPr/>
         <p:nvPr/>
       </p:nvGrpSpPr>
-      <p:grpSpPr>
+      <p:grpSpPr bwMode="auto">
         <a:xfrm>
           <a:off x="0" y="0"/>
           <a:ext cx="0" cy="0"/>
@@ -9118,7 +9102,7 @@
             <p:ph type="title"/>
           </p:nvPr>
         </p:nvSpPr>
-        <p:spPr/>
+        <p:spPr bwMode="auto"/>
         <p:txBody>
           <a:bodyPr/>
           <a:lstStyle>
@@ -9127,11 +9111,14 @@
             </a:lvl1pPr>
           </a:lstStyle>
           <a:p>
+            <a:pPr>
+              <a:defRPr/>
+            </a:pPr>
             <a:r>
-              <a:rPr lang="en-US" smtClean="0"/>
+              <a:rPr lang="en-US"/>
               <a:t>Click to edit Master title style</a:t>
             </a:r>
-            <a:endParaRPr lang="en-US" dirty="0"/>
+            <a:endParaRPr lang="en-US"/>
           </a:p>
         </p:txBody>
       </p:sp>
@@ -9145,7 +9132,7 @@
             <p:ph type="body" idx="1"/>
           </p:nvPr>
         </p:nvSpPr>
-        <p:spPr>
+        <p:spPr bwMode="auto">
           <a:xfrm>
             <a:off x="1154954" y="2603500"/>
             <a:ext cx="4825157" cy="576262"/>
@@ -9198,11 +9185,14 @@
             </a:lvl9pPr>
           </a:lstStyle>
           <a:p>
-            <a:pPr lvl="0"/>
+            <a:pPr lvl="0">
+              <a:defRPr/>
+            </a:pPr>
             <a:r>
-              <a:rPr lang="en-US" smtClean="0"/>
+              <a:rPr lang="en-US"/>
               <a:t>Click to edit Master text styles</a:t>
             </a:r>
+            <a:endParaRPr/>
           </a:p>
         </p:txBody>
       </p:sp>
@@ -9216,7 +9206,7 @@
             <p:ph sz="half" idx="2"/>
           </p:nvPr>
         </p:nvSpPr>
-        <p:spPr>
+        <p:spPr bwMode="auto">
           <a:xfrm>
             <a:off x="1154954" y="3179762"/>
             <a:ext cx="4825158" cy="2840039"/>
@@ -9228,40 +9218,54 @@
           </a:bodyPr>
           <a:lstStyle/>
           <a:p>
-            <a:pPr lvl="0"/>
+            <a:pPr lvl="0">
+              <a:defRPr/>
+            </a:pPr>
             <a:r>
-              <a:rPr lang="en-US" smtClean="0"/>
+              <a:rPr lang="en-US"/>
               <a:t>Click to edit Master text styles</a:t>
             </a:r>
-          </a:p>
-          <a:p>
-            <a:pPr lvl="1"/>
+            <a:endParaRPr/>
+          </a:p>
+          <a:p>
+            <a:pPr lvl="1">
+              <a:defRPr/>
+            </a:pPr>
             <a:r>
-              <a:rPr lang="en-US" smtClean="0"/>
+              <a:rPr lang="en-US"/>
               <a:t>Second level</a:t>
             </a:r>
-          </a:p>
-          <a:p>
-            <a:pPr lvl="2"/>
+            <a:endParaRPr/>
+          </a:p>
+          <a:p>
+            <a:pPr lvl="2">
+              <a:defRPr/>
+            </a:pPr>
             <a:r>
-              <a:rPr lang="en-US" smtClean="0"/>
+              <a:rPr lang="en-US"/>
               <a:t>Third level</a:t>
             </a:r>
-          </a:p>
-          <a:p>
-            <a:pPr lvl="3"/>
+            <a:endParaRPr/>
+          </a:p>
+          <a:p>
+            <a:pPr lvl="3">
+              <a:defRPr/>
+            </a:pPr>
             <a:r>
-              <a:rPr lang="en-US" smtClean="0"/>
+              <a:rPr lang="en-US"/>
               <a:t>Fourth level</a:t>
             </a:r>
-          </a:p>
-          <a:p>
-            <a:pPr lvl="4"/>
+            <a:endParaRPr/>
+          </a:p>
+          <a:p>
+            <a:pPr lvl="4">
+              <a:defRPr/>
+            </a:pPr>
             <a:r>
-              <a:rPr lang="en-US" smtClean="0"/>
+              <a:rPr lang="en-US"/>
               <a:t>Fifth level</a:t>
             </a:r>
-            <a:endParaRPr lang="en-US" dirty="0"/>
+            <a:endParaRPr lang="en-US"/>
           </a:p>
         </p:txBody>
       </p:sp>
@@ -9275,7 +9279,7 @@
             <p:ph type="body" sz="quarter" idx="3"/>
           </p:nvPr>
         </p:nvSpPr>
-        <p:spPr>
+        <p:spPr bwMode="auto">
           <a:xfrm>
             <a:off x="6208712" y="2603500"/>
             <a:ext cx="4825159" cy="576262"/>
@@ -9328,11 +9332,14 @@
             </a:lvl9pPr>
           </a:lstStyle>
           <a:p>
-            <a:pPr lvl="0"/>
+            <a:pPr lvl="0">
+              <a:defRPr/>
+            </a:pPr>
             <a:r>
-              <a:rPr lang="en-US" smtClean="0"/>
+              <a:rPr lang="en-US"/>
               <a:t>Click to edit Master text styles</a:t>
             </a:r>
+            <a:endParaRPr/>
           </a:p>
         </p:txBody>
       </p:sp>
@@ -9346,7 +9353,7 @@
             <p:ph sz="quarter" idx="4"/>
           </p:nvPr>
         </p:nvSpPr>
-        <p:spPr>
+        <p:spPr bwMode="auto">
           <a:xfrm>
             <a:off x="6208712" y="3179762"/>
             <a:ext cx="4825159" cy="2840039"/>
@@ -9386,40 +9393,54 @@
             </a:lvl9pPr>
           </a:lstStyle>
           <a:p>
-            <a:pPr lvl="0"/>
+            <a:pPr lvl="0">
+              <a:defRPr/>
+            </a:pPr>
             <a:r>
-              <a:rPr lang="en-US" smtClean="0"/>
+              <a:rPr lang="en-US"/>
               <a:t>Click to edit Master text styles</a:t>
             </a:r>
-          </a:p>
-          <a:p>
-            <a:pPr lvl="1"/>
+            <a:endParaRPr/>
+          </a:p>
+          <a:p>
+            <a:pPr lvl="1">
+              <a:defRPr/>
+            </a:pPr>
             <a:r>
-              <a:rPr lang="en-US" smtClean="0"/>
+              <a:rPr lang="en-US"/>
               <a:t>Second level</a:t>
             </a:r>
-          </a:p>
-          <a:p>
-            <a:pPr lvl="2"/>
+            <a:endParaRPr/>
+          </a:p>
+          <a:p>
+            <a:pPr lvl="2">
+              <a:defRPr/>
+            </a:pPr>
             <a:r>
-              <a:rPr lang="en-US" smtClean="0"/>
+              <a:rPr lang="en-US"/>
               <a:t>Third level</a:t>
             </a:r>
-          </a:p>
-          <a:p>
-            <a:pPr lvl="3"/>
+            <a:endParaRPr/>
+          </a:p>
+          <a:p>
+            <a:pPr lvl="3">
+              <a:defRPr/>
+            </a:pPr>
             <a:r>
-              <a:rPr lang="en-US" smtClean="0"/>
+              <a:rPr lang="en-US"/>
               <a:t>Fourth level</a:t>
             </a:r>
-          </a:p>
-          <a:p>
-            <a:pPr lvl="4"/>
+            <a:endParaRPr/>
+          </a:p>
+          <a:p>
+            <a:pPr lvl="4">
+              <a:defRPr/>
+            </a:pPr>
             <a:r>
-              <a:rPr lang="en-US" smtClean="0"/>
+              <a:rPr lang="en-US"/>
               <a:t>Fifth level</a:t>
             </a:r>
-            <a:endParaRPr lang="en-US" dirty="0"/>
+            <a:endParaRPr lang="en-US"/>
           </a:p>
         </p:txBody>
       </p:sp>
@@ -9433,14 +9454,17 @@
             <p:ph type="dt" sz="half" idx="10"/>
           </p:nvPr>
         </p:nvSpPr>
-        <p:spPr/>
+        <p:spPr bwMode="auto"/>
         <p:txBody>
           <a:bodyPr/>
           <a:lstStyle/>
           <a:p>
+            <a:pPr>
+              <a:defRPr/>
+            </a:pPr>
             <a:fld id="{BA38155F-AEC7-4C83-BD8B-86231E183429}" type="datetimeFigureOut">
-              <a:rPr lang="en-US" smtClean="0"/>
-              <a:t>2/1/2023</a:t>
+              <a:rPr lang="en-US"/>
+              <a:t/>
             </a:fld>
             <a:endParaRPr lang="en-US"/>
           </a:p>
@@ -9456,11 +9480,14 @@
             <p:ph type="ftr" sz="quarter" idx="11"/>
           </p:nvPr>
         </p:nvSpPr>
-        <p:spPr/>
+        <p:spPr bwMode="auto"/>
         <p:txBody>
           <a:bodyPr/>
           <a:lstStyle/>
           <a:p>
+            <a:pPr>
+              <a:defRPr/>
+            </a:pPr>
             <a:endParaRPr lang="en-US"/>
           </a:p>
         </p:txBody>
@@ -9475,46 +9502,32 @@
             <p:ph type="sldNum" sz="quarter" idx="12"/>
           </p:nvPr>
         </p:nvSpPr>
-        <p:spPr/>
+        <p:spPr bwMode="auto"/>
         <p:txBody>
           <a:bodyPr/>
           <a:lstStyle/>
           <a:p>
+            <a:pPr>
+              <a:defRPr/>
+            </a:pPr>
             <a:fld id="{00E55A38-CD7B-4575-ADB2-599742FE9C88}" type="slidenum">
-              <a:rPr lang="en-US" smtClean="0"/>
-              <a:t>‹#›</a:t>
+              <a:rPr lang="en-US"/>
+              <a:t/>
             </a:fld>
             <a:endParaRPr lang="en-US"/>
           </a:p>
         </p:txBody>
       </p:sp>
     </p:spTree>
-    <p:extLst>
-      <p:ext uri="{BB962C8B-B14F-4D97-AF65-F5344CB8AC3E}">
-        <p14:creationId xmlns:p14="http://schemas.microsoft.com/office/powerpoint/2010/main" val="2121110381"/>
-      </p:ext>
-    </p:extLst>
   </p:cSld>
   <p:clrMapOvr>
     <a:masterClrMapping/>
   </p:clrMapOvr>
-  <mc:AlternateContent xmlns:mc="http://schemas.openxmlformats.org/markup-compatibility/2006">
-    <mc:Choice xmlns:p14="http://schemas.microsoft.com/office/powerpoint/2010/main" Requires="p14">
-      <p:transition spd="med" p14:dur="700">
-        <p:fade/>
-      </p:transition>
-    </mc:Choice>
-    <mc:Fallback>
-      <p:transition spd="med">
-        <p:fade/>
-      </p:transition>
-    </mc:Fallback>
-  </mc:AlternateContent>
 </p:sldLayout>
 </file>
 
 <file path=ppt/slideLayouts/slideLayout6.xml><?xml version="1.0" encoding="utf-8"?>
-<p:sldLayout xmlns:a="http://schemas.openxmlformats.org/drawingml/2006/main" xmlns:r="http://schemas.openxmlformats.org/officeDocument/2006/relationships" xmlns:p="http://schemas.openxmlformats.org/presentationml/2006/main" type="titleOnly" preserve="1">
+<p:sldLayout xmlns:a="http://schemas.openxmlformats.org/drawingml/2006/main" xmlns:r="http://schemas.openxmlformats.org/officeDocument/2006/relationships" xmlns:p="http://schemas.openxmlformats.org/presentationml/2006/main" xmlns:m="http://schemas.openxmlformats.org/officeDocument/2006/math" xmlns:w="http://schemas.openxmlformats.org/wordprocessingml/2006/main" matchingName="" preserve="1" showMasterPhAnim="0" type="titleOnly" userDrawn="1">
   <p:cSld name="Title Only">
     <p:spTree>
       <p:nvGrpSpPr>
@@ -9522,7 +9535,7 @@
         <p:cNvGrpSpPr/>
         <p:nvPr/>
       </p:nvGrpSpPr>
-      <p:grpSpPr>
+      <p:grpSpPr bwMode="auto">
         <a:xfrm>
           <a:off x="0" y="0"/>
           <a:ext cx="0" cy="0"/>
@@ -9540,7 +9553,7 @@
             <p:ph type="title"/>
           </p:nvPr>
         </p:nvSpPr>
-        <p:spPr>
+        <p:spPr bwMode="auto">
           <a:xfrm>
             <a:off x="1154954" y="973668"/>
             <a:ext cx="8761413" cy="706964"/>
@@ -9554,11 +9567,14 @@
             </a:lvl1pPr>
           </a:lstStyle>
           <a:p>
+            <a:pPr>
+              <a:defRPr/>
+            </a:pPr>
             <a:r>
-              <a:rPr lang="en-US" smtClean="0"/>
+              <a:rPr lang="en-US"/>
               <a:t>Click to edit Master title style</a:t>
             </a:r>
-            <a:endParaRPr lang="en-US" dirty="0"/>
+            <a:endParaRPr lang="en-US"/>
           </a:p>
         </p:txBody>
       </p:sp>
@@ -9572,14 +9588,17 @@
             <p:ph type="dt" sz="half" idx="10"/>
           </p:nvPr>
         </p:nvSpPr>
-        <p:spPr/>
+        <p:spPr bwMode="auto"/>
         <p:txBody>
           <a:bodyPr/>
           <a:lstStyle/>
           <a:p>
+            <a:pPr>
+              <a:defRPr/>
+            </a:pPr>
             <a:fld id="{BA38155F-AEC7-4C83-BD8B-86231E183429}" type="datetimeFigureOut">
-              <a:rPr lang="en-US" smtClean="0"/>
-              <a:t>2/1/2023</a:t>
+              <a:rPr lang="en-US"/>
+              <a:t/>
             </a:fld>
             <a:endParaRPr lang="en-US"/>
           </a:p>
@@ -9595,11 +9614,14 @@
             <p:ph type="ftr" sz="quarter" idx="11"/>
           </p:nvPr>
         </p:nvSpPr>
-        <p:spPr/>
+        <p:spPr bwMode="auto"/>
         <p:txBody>
           <a:bodyPr/>
           <a:lstStyle/>
           <a:p>
+            <a:pPr>
+              <a:defRPr/>
+            </a:pPr>
             <a:endParaRPr lang="en-US"/>
           </a:p>
         </p:txBody>
@@ -9614,46 +9636,32 @@
             <p:ph type="sldNum" sz="quarter" idx="12"/>
           </p:nvPr>
         </p:nvSpPr>
-        <p:spPr/>
+        <p:spPr bwMode="auto"/>
         <p:txBody>
           <a:bodyPr/>
           <a:lstStyle/>
           <a:p>
+            <a:pPr>
+              <a:defRPr/>
+            </a:pPr>
             <a:fld id="{00E55A38-CD7B-4575-ADB2-599742FE9C88}" type="slidenum">
-              <a:rPr lang="en-US" smtClean="0"/>
-              <a:t>‹#›</a:t>
+              <a:rPr lang="en-US"/>
+              <a:t/>
             </a:fld>
             <a:endParaRPr lang="en-US"/>
           </a:p>
         </p:txBody>
       </p:sp>
     </p:spTree>
-    <p:extLst>
-      <p:ext uri="{BB962C8B-B14F-4D97-AF65-F5344CB8AC3E}">
-        <p14:creationId xmlns:p14="http://schemas.microsoft.com/office/powerpoint/2010/main" val="403498778"/>
-      </p:ext>
-    </p:extLst>
   </p:cSld>
   <p:clrMapOvr>
     <a:masterClrMapping/>
   </p:clrMapOvr>
-  <mc:AlternateContent xmlns:mc="http://schemas.openxmlformats.org/markup-compatibility/2006">
-    <mc:Choice xmlns:p14="http://schemas.microsoft.com/office/powerpoint/2010/main" Requires="p14">
-      <p:transition spd="med" p14:dur="700">
-        <p:fade/>
-      </p:transition>
-    </mc:Choice>
-    <mc:Fallback>
-      <p:transition spd="med">
-        <p:fade/>
-      </p:transition>
-    </mc:Fallback>
-  </mc:AlternateContent>
 </p:sldLayout>
 </file>
 
 <file path=ppt/slideLayouts/slideLayout7.xml><?xml version="1.0" encoding="utf-8"?>
-<p:sldLayout xmlns:a="http://schemas.openxmlformats.org/drawingml/2006/main" xmlns:r="http://schemas.openxmlformats.org/officeDocument/2006/relationships" xmlns:p="http://schemas.openxmlformats.org/presentationml/2006/main" showMasterSp="0" type="blank" preserve="1">
+<p:sldLayout xmlns:a="http://schemas.openxmlformats.org/drawingml/2006/main" xmlns:r="http://schemas.openxmlformats.org/officeDocument/2006/relationships" xmlns:p="http://schemas.openxmlformats.org/presentationml/2006/main" xmlns:m="http://schemas.openxmlformats.org/officeDocument/2006/math" xmlns:w="http://schemas.openxmlformats.org/wordprocessingml/2006/main" matchingName="" preserve="1" showMasterPhAnim="0" showMasterSp="0" type="blank" userDrawn="1">
   <p:cSld name="Blank">
     <p:spTree>
       <p:nvGrpSpPr>
@@ -9661,7 +9669,7 @@
         <p:cNvGrpSpPr/>
         <p:nvPr/>
       </p:nvGrpSpPr>
-      <p:grpSpPr>
+      <p:grpSpPr bwMode="auto">
         <a:xfrm>
           <a:off x="0" y="0"/>
           <a:ext cx="0" cy="0"/>
@@ -9679,14 +9687,17 @@
             <p:ph type="dt" sz="half" idx="10"/>
           </p:nvPr>
         </p:nvSpPr>
-        <p:spPr/>
+        <p:spPr bwMode="auto"/>
         <p:txBody>
           <a:bodyPr/>
           <a:lstStyle/>
           <a:p>
+            <a:pPr>
+              <a:defRPr/>
+            </a:pPr>
             <a:fld id="{BA38155F-AEC7-4C83-BD8B-86231E183429}" type="datetimeFigureOut">
-              <a:rPr lang="en-US" smtClean="0"/>
-              <a:t>2/1/2023</a:t>
+              <a:rPr lang="en-US"/>
+              <a:t/>
             </a:fld>
             <a:endParaRPr lang="en-US"/>
           </a:p>
@@ -9702,11 +9713,14 @@
             <p:ph type="ftr" sz="quarter" idx="11"/>
           </p:nvPr>
         </p:nvSpPr>
-        <p:spPr/>
+        <p:spPr bwMode="auto"/>
         <p:txBody>
           <a:bodyPr/>
           <a:lstStyle/>
           <a:p>
+            <a:pPr>
+              <a:defRPr/>
+            </a:pPr>
             <a:endParaRPr lang="en-US"/>
           </a:p>
         </p:txBody>
@@ -9717,7 +9731,7 @@
           <p:cNvSpPr/>
           <p:nvPr/>
         </p:nvSpPr>
-        <p:spPr>
+        <p:spPr bwMode="auto">
           <a:xfrm>
             <a:off x="10437812" y="0"/>
             <a:ext cx="685800" cy="1143000"/>
@@ -9757,46 +9771,32 @@
             <p:ph type="sldNum" sz="quarter" idx="12"/>
           </p:nvPr>
         </p:nvSpPr>
-        <p:spPr/>
+        <p:spPr bwMode="auto"/>
         <p:txBody>
           <a:bodyPr/>
           <a:lstStyle/>
           <a:p>
+            <a:pPr>
+              <a:defRPr/>
+            </a:pPr>
             <a:fld id="{00E55A38-CD7B-4575-ADB2-599742FE9C88}" type="slidenum">
-              <a:rPr lang="en-US" smtClean="0"/>
-              <a:t>‹#›</a:t>
+              <a:rPr lang="en-US"/>
+              <a:t/>
             </a:fld>
             <a:endParaRPr lang="en-US"/>
           </a:p>
         </p:txBody>
       </p:sp>
     </p:spTree>
-    <p:extLst>
-      <p:ext uri="{BB962C8B-B14F-4D97-AF65-F5344CB8AC3E}">
-        <p14:creationId xmlns:p14="http://schemas.microsoft.com/office/powerpoint/2010/main" val="3784669992"/>
-      </p:ext>
-    </p:extLst>
   </p:cSld>
   <p:clrMapOvr>
     <a:masterClrMapping/>
   </p:clrMapOvr>
-  <mc:AlternateContent xmlns:mc="http://schemas.openxmlformats.org/markup-compatibility/2006">
-    <mc:Choice xmlns:p14="http://schemas.microsoft.com/office/powerpoint/2010/main" Requires="p14">
-      <p:transition spd="med" p14:dur="700">
-        <p:fade/>
-      </p:transition>
-    </mc:Choice>
-    <mc:Fallback>
-      <p:transition spd="med">
-        <p:fade/>
-      </p:transition>
-    </mc:Fallback>
-  </mc:AlternateContent>
 </p:sldLayout>
 </file>
 
 <file path=ppt/slideLayouts/slideLayout8.xml><?xml version="1.0" encoding="utf-8"?>
-<p:sldLayout xmlns:a="http://schemas.openxmlformats.org/drawingml/2006/main" xmlns:r="http://schemas.openxmlformats.org/officeDocument/2006/relationships" xmlns:p="http://schemas.openxmlformats.org/presentationml/2006/main" showMasterSp="0" type="objTx" preserve="1">
+<p:sldLayout xmlns:a="http://schemas.openxmlformats.org/drawingml/2006/main" xmlns:r="http://schemas.openxmlformats.org/officeDocument/2006/relationships" xmlns:p="http://schemas.openxmlformats.org/presentationml/2006/main" xmlns:m="http://schemas.openxmlformats.org/officeDocument/2006/math" xmlns:w="http://schemas.openxmlformats.org/wordprocessingml/2006/main" matchingName="" preserve="1" showMasterPhAnim="0" showMasterSp="0" type="objTx" userDrawn="1">
   <p:cSld name="Content with Caption">
     <p:spTree>
       <p:nvGrpSpPr>
@@ -9804,7 +9804,7 @@
         <p:cNvGrpSpPr/>
         <p:nvPr/>
       </p:nvGrpSpPr>
-      <p:grpSpPr>
+      <p:grpSpPr bwMode="auto">
         <a:xfrm>
           <a:off x="0" y="0"/>
           <a:ext cx="0" cy="0"/>
@@ -9818,7 +9818,7 @@
           <p:cNvGrpSpPr/>
           <p:nvPr/>
         </p:nvGrpSpPr>
-        <p:grpSpPr>
+        <p:grpSpPr bwMode="auto">
           <a:xfrm>
             <a:off x="0" y="0"/>
             <a:ext cx="12192000" cy="6858000"/>
@@ -9832,7 +9832,7 @@
             <p:cNvSpPr/>
             <p:nvPr/>
           </p:nvSpPr>
-          <p:spPr>
+          <p:spPr bwMode="auto">
             <a:xfrm>
               <a:off x="0" y="0"/>
               <a:ext cx="12192000" cy="6858000"/>
@@ -9856,9 +9856,7 @@
                   </a:schemeClr>
                 </a:duotone>
               </a:blip>
-              <a:stretch>
-                <a:fillRect/>
-              </a:stretch>
+              <a:stretch/>
             </a:blipFill>
             <a:ln>
               <a:noFill/>
@@ -9887,7 +9885,7 @@
             <p:cNvSpPr/>
             <p:nvPr/>
           </p:nvSpPr>
-          <p:spPr>
+          <p:spPr bwMode="auto">
             <a:xfrm>
               <a:off x="0" y="2667000"/>
               <a:ext cx="4191000" cy="4191000"/>
@@ -9895,28 +9893,25 @@
             <a:prstGeom prst="ellipse">
               <a:avLst/>
             </a:prstGeom>
-            <a:gradFill flip="none" rotWithShape="1">
+            <a:gradFill>
               <a:gsLst>
                 <a:gs pos="0">
                   <a:schemeClr val="accent5">
                     <a:alpha val="11000"/>
                   </a:schemeClr>
                 </a:gs>
+                <a:gs pos="36000">
+                  <a:schemeClr val="accent5">
+                    <a:alpha val="10000"/>
+                  </a:schemeClr>
+                </a:gs>
                 <a:gs pos="75000">
                   <a:schemeClr val="accent5">
                     <a:alpha val="0"/>
                   </a:schemeClr>
                 </a:gs>
-                <a:gs pos="36000">
-                  <a:schemeClr val="accent5">
-                    <a:alpha val="10000"/>
-                  </a:schemeClr>
-                </a:gs>
               </a:gsLst>
-              <a:path path="circle">
-                <a:fillToRect l="50000" t="50000" r="50000" b="50000"/>
-              </a:path>
-              <a:tileRect/>
+              <a:path path="circle"/>
             </a:gradFill>
             <a:ln>
               <a:noFill/>
@@ -9944,36 +9939,33 @@
             <p:cNvSpPr/>
             <p:nvPr/>
           </p:nvSpPr>
-          <p:spPr>
+          <p:spPr bwMode="auto">
             <a:xfrm>
               <a:off x="0" y="2895600"/>
-              <a:ext cx="2362200" cy="2362200"/>
+              <a:ext cx="2362199" cy="2362199"/>
             </a:xfrm>
             <a:prstGeom prst="ellipse">
               <a:avLst/>
             </a:prstGeom>
-            <a:gradFill flip="none" rotWithShape="1">
+            <a:gradFill>
               <a:gsLst>
                 <a:gs pos="0">
                   <a:schemeClr val="accent5">
                     <a:alpha val="8000"/>
                   </a:schemeClr>
                 </a:gs>
+                <a:gs pos="36000">
+                  <a:schemeClr val="accent5">
+                    <a:alpha val="8000"/>
+                  </a:schemeClr>
+                </a:gs>
                 <a:gs pos="72000">
                   <a:schemeClr val="accent5">
                     <a:alpha val="0"/>
                   </a:schemeClr>
                 </a:gs>
-                <a:gs pos="36000">
-                  <a:schemeClr val="accent5">
-                    <a:alpha val="8000"/>
-                  </a:schemeClr>
-                </a:gs>
               </a:gsLst>
-              <a:path path="circle">
-                <a:fillToRect l="50000" t="50000" r="50000" b="50000"/>
-              </a:path>
-              <a:tileRect/>
+              <a:path path="circle"/>
             </a:gradFill>
             <a:ln>
               <a:noFill/>
@@ -10001,36 +9993,33 @@
             <p:cNvSpPr/>
             <p:nvPr/>
           </p:nvSpPr>
-          <p:spPr>
+          <p:spPr bwMode="auto">
             <a:xfrm>
-              <a:off x="8609012" y="5867400"/>
+              <a:off x="8609012" y="5867399"/>
               <a:ext cx="990600" cy="990600"/>
             </a:xfrm>
             <a:prstGeom prst="ellipse">
               <a:avLst/>
             </a:prstGeom>
-            <a:gradFill flip="none" rotWithShape="1">
+            <a:gradFill>
               <a:gsLst>
                 <a:gs pos="0">
                   <a:schemeClr val="accent5">
                     <a:alpha val="14000"/>
                   </a:schemeClr>
                 </a:gs>
+                <a:gs pos="36000">
+                  <a:schemeClr val="accent5">
+                    <a:alpha val="7000"/>
+                  </a:schemeClr>
+                </a:gs>
                 <a:gs pos="66000">
                   <a:schemeClr val="accent5">
                     <a:alpha val="0"/>
                   </a:schemeClr>
                 </a:gs>
-                <a:gs pos="36000">
-                  <a:schemeClr val="accent5">
-                    <a:alpha val="7000"/>
-                  </a:schemeClr>
-                </a:gs>
               </a:gsLst>
-              <a:path path="circle">
-                <a:fillToRect l="50000" t="50000" r="50000" b="50000"/>
-              </a:path>
-              <a:tileRect/>
+              <a:path path="circle"/>
             </a:gradFill>
             <a:ln>
               <a:noFill/>
@@ -10058,7 +10047,7 @@
             <p:cNvSpPr/>
             <p:nvPr/>
           </p:nvSpPr>
-          <p:spPr>
+          <p:spPr bwMode="auto">
             <a:xfrm>
               <a:off x="8609012" y="1676400"/>
               <a:ext cx="2819400" cy="2819400"/>
@@ -10066,28 +10055,25 @@
             <a:prstGeom prst="ellipse">
               <a:avLst/>
             </a:prstGeom>
-            <a:gradFill flip="none" rotWithShape="1">
+            <a:gradFill>
               <a:gsLst>
                 <a:gs pos="0">
                   <a:schemeClr val="accent5">
                     <a:alpha val="7000"/>
                   </a:schemeClr>
                 </a:gs>
+                <a:gs pos="36000">
+                  <a:schemeClr val="accent5">
+                    <a:alpha val="6000"/>
+                  </a:schemeClr>
+                </a:gs>
                 <a:gs pos="69000">
                   <a:schemeClr val="accent5">
                     <a:alpha val="0"/>
                   </a:schemeClr>
                 </a:gs>
-                <a:gs pos="36000">
-                  <a:schemeClr val="accent5">
-                    <a:alpha val="6000"/>
-                  </a:schemeClr>
-                </a:gs>
               </a:gsLst>
-              <a:path path="circle">
-                <a:fillToRect l="50000" t="50000" r="50000" b="50000"/>
-              </a:path>
-              <a:tileRect/>
+              <a:path path="circle"/>
             </a:gradFill>
             <a:ln>
               <a:noFill/>
@@ -10115,7 +10101,7 @@
             <p:cNvSpPr/>
             <p:nvPr/>
           </p:nvSpPr>
-          <p:spPr>
+          <p:spPr bwMode="auto">
             <a:xfrm>
               <a:off x="7999412" y="8464"/>
               <a:ext cx="1600200" cy="1600200"/>
@@ -10123,28 +10109,25 @@
             <a:prstGeom prst="ellipse">
               <a:avLst/>
             </a:prstGeom>
-            <a:gradFill flip="none" rotWithShape="1">
+            <a:gradFill>
               <a:gsLst>
                 <a:gs pos="0">
                   <a:schemeClr val="accent5">
                     <a:alpha val="14000"/>
                   </a:schemeClr>
                 </a:gs>
+                <a:gs pos="36000">
+                  <a:schemeClr val="accent5">
+                    <a:alpha val="7000"/>
+                  </a:schemeClr>
+                </a:gs>
                 <a:gs pos="73000">
                   <a:schemeClr val="accent5">
                     <a:alpha val="0"/>
                   </a:schemeClr>
                 </a:gs>
-                <a:gs pos="36000">
-                  <a:schemeClr val="accent5">
-                    <a:alpha val="7000"/>
-                  </a:schemeClr>
-                </a:gs>
               </a:gsLst>
-              <a:path path="circle">
-                <a:fillToRect l="50000" t="50000" r="50000" b="50000"/>
-              </a:path>
-              <a:tileRect/>
+              <a:path path="circle"/>
             </a:gradFill>
             <a:ln>
               <a:noFill/>
@@ -10212,7 +10195,7 @@
           <p:spPr bwMode="gray">
             <a:xfrm rot="15922489">
               <a:off x="3140485" y="1826078"/>
-              <a:ext cx="3299407" cy="440924"/>
+              <a:ext cx="3299406" cy="440924"/>
             </a:xfrm>
             <a:custGeom>
               <a:avLst/>
@@ -10221,7 +10204,7 @@
               <a:cxnLst/>
               <a:rect l="l" t="t" r="r" b="b"/>
               <a:pathLst>
-                <a:path w="10000" h="5291">
+                <a:path w="10000" h="5291" fill="norm" stroke="1" extrusionOk="0">
                   <a:moveTo>
                     <a:pt x="85" y="2532"/>
                   </a:moveTo>
@@ -10357,7 +10340,7 @@
             <p:nvPr/>
           </p:nvSpPr>
           <p:spPr bwMode="gray">
-            <a:xfrm rot="16200000">
+            <a:xfrm rot="16199999">
               <a:off x="2229377" y="2801721"/>
               <a:ext cx="6053670" cy="1254558"/>
             </a:xfrm>
@@ -10368,7 +10351,7 @@
               <a:cxnLst/>
               <a:rect l="l" t="t" r="r" b="b"/>
               <a:pathLst>
-                <a:path w="10000" h="8000">
+                <a:path w="10000" h="8000" fill="norm" stroke="1" extrusionOk="0">
                   <a:moveTo>
                     <a:pt x="0" y="0"/>
                   </a:moveTo>
@@ -10554,7 +10537,7 @@
               <a:cxnLst/>
               <a:rect l="0" t="0" r="r" b="b"/>
               <a:pathLst>
-                <a:path w="15356" h="8638">
+                <a:path w="15356" h="8638" fill="norm" stroke="1" extrusionOk="0">
                   <a:moveTo>
                     <a:pt x="0" y="0"/>
                   </a:moveTo>
@@ -10609,7 +10592,7 @@
             <p:ph type="title"/>
           </p:nvPr>
         </p:nvSpPr>
-        <p:spPr>
+        <p:spPr bwMode="auto">
           <a:xfrm>
             <a:off x="1154955" y="1295400"/>
             <a:ext cx="2793158" cy="1600200"/>
@@ -10623,11 +10606,14 @@
             </a:lvl1pPr>
           </a:lstStyle>
           <a:p>
+            <a:pPr>
+              <a:defRPr/>
+            </a:pPr>
             <a:r>
-              <a:rPr lang="en-US" smtClean="0"/>
+              <a:rPr lang="en-US"/>
               <a:t>Click to edit Master title style</a:t>
             </a:r>
-            <a:endParaRPr lang="en-US" dirty="0"/>
+            <a:endParaRPr lang="en-US"/>
           </a:p>
         </p:txBody>
       </p:sp>
@@ -10641,7 +10627,7 @@
             <p:ph idx="1"/>
           </p:nvPr>
         </p:nvSpPr>
-        <p:spPr>
+        <p:spPr bwMode="auto">
           <a:xfrm>
             <a:off x="5781146" y="1447800"/>
             <a:ext cx="5190066" cy="4572000"/>
@@ -10653,40 +10639,54 @@
           </a:bodyPr>
           <a:lstStyle/>
           <a:p>
-            <a:pPr lvl="0"/>
+            <a:pPr lvl="0">
+              <a:defRPr/>
+            </a:pPr>
             <a:r>
-              <a:rPr lang="en-US" smtClean="0"/>
+              <a:rPr lang="en-US"/>
               <a:t>Click to edit Master text styles</a:t>
             </a:r>
-          </a:p>
-          <a:p>
-            <a:pPr lvl="1"/>
+            <a:endParaRPr/>
+          </a:p>
+          <a:p>
+            <a:pPr lvl="1">
+              <a:defRPr/>
+            </a:pPr>
             <a:r>
-              <a:rPr lang="en-US" smtClean="0"/>
+              <a:rPr lang="en-US"/>
               <a:t>Second level</a:t>
             </a:r>
-          </a:p>
-          <a:p>
-            <a:pPr lvl="2"/>
+            <a:endParaRPr/>
+          </a:p>
+          <a:p>
+            <a:pPr lvl="2">
+              <a:defRPr/>
+            </a:pPr>
             <a:r>
-              <a:rPr lang="en-US" smtClean="0"/>
+              <a:rPr lang="en-US"/>
               <a:t>Third level</a:t>
             </a:r>
-          </a:p>
-          <a:p>
-            <a:pPr lvl="3"/>
+            <a:endParaRPr/>
+          </a:p>
+          <a:p>
+            <a:pPr lvl="3">
+              <a:defRPr/>
+            </a:pPr>
             <a:r>
-              <a:rPr lang="en-US" smtClean="0"/>
+              <a:rPr lang="en-US"/>
               <a:t>Fourth level</a:t>
             </a:r>
-          </a:p>
-          <a:p>
-            <a:pPr lvl="4"/>
+            <a:endParaRPr/>
+          </a:p>
+          <a:p>
+            <a:pPr lvl="4">
+              <a:defRPr/>
+            </a:pPr>
             <a:r>
-              <a:rPr lang="en-US" smtClean="0"/>
+              <a:rPr lang="en-US"/>
               <a:t>Fifth level</a:t>
             </a:r>
-            <a:endParaRPr lang="en-US" dirty="0"/>
+            <a:endParaRPr lang="en-US"/>
           </a:p>
         </p:txBody>
       </p:sp>
@@ -10703,7 +10703,7 @@
         <p:spPr bwMode="gray">
           <a:xfrm>
             <a:off x="1154954" y="3129280"/>
-            <a:ext cx="2793158" cy="2895599"/>
+            <a:ext cx="2793158" cy="2895598"/>
           </a:xfrm>
         </p:spPr>
         <p:txBody>
@@ -10754,11 +10754,14 @@
             </a:lvl9pPr>
           </a:lstStyle>
           <a:p>
-            <a:pPr lvl="0"/>
+            <a:pPr lvl="0">
+              <a:defRPr/>
+            </a:pPr>
             <a:r>
-              <a:rPr lang="en-US" smtClean="0"/>
+              <a:rPr lang="en-US"/>
               <a:t>Click to edit Master text styles</a:t>
             </a:r>
+            <a:endParaRPr/>
           </a:p>
         </p:txBody>
       </p:sp>
@@ -10772,14 +10775,17 @@
             <p:ph type="dt" sz="half" idx="10"/>
           </p:nvPr>
         </p:nvSpPr>
-        <p:spPr/>
+        <p:spPr bwMode="auto"/>
         <p:txBody>
           <a:bodyPr/>
           <a:lstStyle/>
           <a:p>
+            <a:pPr>
+              <a:defRPr/>
+            </a:pPr>
             <a:fld id="{BA38155F-AEC7-4C83-BD8B-86231E183429}" type="datetimeFigureOut">
-              <a:rPr lang="en-US" smtClean="0"/>
-              <a:t>2/1/2023</a:t>
+              <a:rPr lang="en-US"/>
+              <a:t/>
             </a:fld>
             <a:endParaRPr lang="en-US"/>
           </a:p>
@@ -10795,11 +10801,14 @@
             <p:ph type="ftr" sz="quarter" idx="11"/>
           </p:nvPr>
         </p:nvSpPr>
-        <p:spPr/>
+        <p:spPr bwMode="auto"/>
         <p:txBody>
           <a:bodyPr/>
           <a:lstStyle/>
           <a:p>
+            <a:pPr>
+              <a:defRPr/>
+            </a:pPr>
             <a:endParaRPr lang="en-US"/>
           </a:p>
         </p:txBody>
@@ -10810,7 +10819,7 @@
           <p:cNvSpPr/>
           <p:nvPr/>
         </p:nvSpPr>
-        <p:spPr>
+        <p:spPr bwMode="auto">
           <a:xfrm>
             <a:off x="10437812" y="0"/>
             <a:ext cx="685800" cy="1143000"/>
@@ -10850,46 +10859,32 @@
             <p:ph type="sldNum" sz="quarter" idx="12"/>
           </p:nvPr>
         </p:nvSpPr>
-        <p:spPr/>
+        <p:spPr bwMode="auto"/>
         <p:txBody>
           <a:bodyPr/>
           <a:lstStyle/>
           <a:p>
+            <a:pPr>
+              <a:defRPr/>
+            </a:pPr>
             <a:fld id="{00E55A38-CD7B-4575-ADB2-599742FE9C88}" type="slidenum">
-              <a:rPr lang="en-US" smtClean="0"/>
-              <a:t>‹#›</a:t>
+              <a:rPr lang="en-US"/>
+              <a:t/>
             </a:fld>
             <a:endParaRPr lang="en-US"/>
           </a:p>
         </p:txBody>
       </p:sp>
     </p:spTree>
-    <p:extLst>
-      <p:ext uri="{BB962C8B-B14F-4D97-AF65-F5344CB8AC3E}">
-        <p14:creationId xmlns:p14="http://schemas.microsoft.com/office/powerpoint/2010/main" val="2664557076"/>
-      </p:ext>
-    </p:extLst>
   </p:cSld>
   <p:clrMapOvr>
     <a:masterClrMapping/>
   </p:clrMapOvr>
-  <mc:AlternateContent xmlns:mc="http://schemas.openxmlformats.org/markup-compatibility/2006">
-    <mc:Choice xmlns:p14="http://schemas.microsoft.com/office/powerpoint/2010/main" Requires="p14">
-      <p:transition spd="med" p14:dur="700">
-        <p:fade/>
-      </p:transition>
-    </mc:Choice>
-    <mc:Fallback>
-      <p:transition spd="med">
-        <p:fade/>
-      </p:transition>
-    </mc:Fallback>
-  </mc:AlternateContent>
 </p:sldLayout>
 </file>
 
 <file path=ppt/slideLayouts/slideLayout9.xml><?xml version="1.0" encoding="utf-8"?>
-<p:sldLayout xmlns:a="http://schemas.openxmlformats.org/drawingml/2006/main" xmlns:r="http://schemas.openxmlformats.org/officeDocument/2006/relationships" xmlns:p="http://schemas.openxmlformats.org/presentationml/2006/main" showMasterSp="0" type="picTx" preserve="1">
+<p:sldLayout xmlns:a="http://schemas.openxmlformats.org/drawingml/2006/main" xmlns:r="http://schemas.openxmlformats.org/officeDocument/2006/relationships" xmlns:p="http://schemas.openxmlformats.org/presentationml/2006/main" xmlns:m="http://schemas.openxmlformats.org/officeDocument/2006/math" xmlns:w="http://schemas.openxmlformats.org/wordprocessingml/2006/main" matchingName="" preserve="1" showMasterPhAnim="0" showMasterSp="0" type="picTx" userDrawn="1">
   <p:cSld name="Picture with Caption">
     <p:spTree>
       <p:nvGrpSpPr>
@@ -10897,7 +10892,7 @@
         <p:cNvGrpSpPr/>
         <p:nvPr/>
       </p:nvGrpSpPr>
-      <p:grpSpPr>
+      <p:grpSpPr bwMode="auto">
         <a:xfrm>
           <a:off x="0" y="0"/>
           <a:ext cx="0" cy="0"/>
@@ -10911,7 +10906,7 @@
           <p:cNvGrpSpPr/>
           <p:nvPr/>
         </p:nvGrpSpPr>
-        <p:grpSpPr>
+        <p:grpSpPr bwMode="auto">
           <a:xfrm>
             <a:off x="0" y="0"/>
             <a:ext cx="12192000" cy="6858000"/>
@@ -10925,7 +10920,7 @@
             <p:cNvSpPr/>
             <p:nvPr/>
           </p:nvSpPr>
-          <p:spPr>
+          <p:spPr bwMode="auto">
             <a:xfrm>
               <a:off x="0" y="0"/>
               <a:ext cx="12192000" cy="6858000"/>
@@ -10949,9 +10944,7 @@
                   </a:schemeClr>
                 </a:duotone>
               </a:blip>
-              <a:stretch>
-                <a:fillRect/>
-              </a:stretch>
+              <a:stretch/>
             </a:blipFill>
             <a:ln>
               <a:noFill/>
@@ -10980,7 +10973,7 @@
             <p:cNvSpPr/>
             <p:nvPr/>
           </p:nvSpPr>
-          <p:spPr>
+          <p:spPr bwMode="auto">
             <a:xfrm>
               <a:off x="0" y="2667000"/>
               <a:ext cx="4191000" cy="4191000"/>
@@ -10988,28 +10981,25 @@
             <a:prstGeom prst="ellipse">
               <a:avLst/>
             </a:prstGeom>
-            <a:gradFill flip="none" rotWithShape="1">
+            <a:gradFill>
               <a:gsLst>
                 <a:gs pos="0">
                   <a:schemeClr val="accent5">
                     <a:alpha val="11000"/>
                   </a:schemeClr>
                 </a:gs>
+                <a:gs pos="36000">
+                  <a:schemeClr val="accent5">
+                    <a:alpha val="10000"/>
+                  </a:schemeClr>
+                </a:gs>
                 <a:gs pos="75000">
                   <a:schemeClr val="accent5">
                     <a:alpha val="0"/>
                   </a:schemeClr>
                 </a:gs>
-                <a:gs pos="36000">
-                  <a:schemeClr val="accent5">
-                    <a:alpha val="10000"/>
-                  </a:schemeClr>
-                </a:gs>
               </a:gsLst>
-              <a:path path="circle">
-                <a:fillToRect l="50000" t="50000" r="50000" b="50000"/>
-              </a:path>
-              <a:tileRect/>
+              <a:path path="circle"/>
             </a:gradFill>
             <a:ln>
               <a:noFill/>
@@ -11037,36 +11027,33 @@
             <p:cNvSpPr/>
             <p:nvPr/>
           </p:nvSpPr>
-          <p:spPr>
+          <p:spPr bwMode="auto">
             <a:xfrm>
               <a:off x="0" y="2895600"/>
-              <a:ext cx="2362200" cy="2362200"/>
+              <a:ext cx="2362199" cy="2362199"/>
             </a:xfrm>
             <a:prstGeom prst="ellipse">
               <a:avLst/>
             </a:prstGeom>
-            <a:gradFill flip="none" rotWithShape="1">
+            <a:gradFill>
               <a:gsLst>
                 <a:gs pos="0">
                   <a:schemeClr val="accent5">
                     <a:alpha val="8000"/>
                   </a:schemeClr>
                 </a:gs>
+                <a:gs pos="36000">
+                  <a:schemeClr val="accent5">
+                    <a:alpha val="8000"/>
+                  </a:schemeClr>
+                </a:gs>
                 <a:gs pos="72000">
                   <a:schemeClr val="accent5">
                     <a:alpha val="0"/>
                   </a:schemeClr>
                 </a:gs>
-                <a:gs pos="36000">
-                  <a:schemeClr val="accent5">
-                    <a:alpha val="8000"/>
-                  </a:schemeClr>
-                </a:gs>
               </a:gsLst>
-              <a:path path="circle">
-                <a:fillToRect l="50000" t="50000" r="50000" b="50000"/>
-              </a:path>
-              <a:tileRect/>
+              <a:path path="circle"/>
             </a:gradFill>
             <a:ln>
               <a:noFill/>
@@ -11094,36 +11081,33 @@
             <p:cNvSpPr/>
             <p:nvPr/>
           </p:nvSpPr>
-          <p:spPr>
+          <p:spPr bwMode="auto">
             <a:xfrm>
-              <a:off x="8609012" y="5867400"/>
+              <a:off x="8609012" y="5867399"/>
               <a:ext cx="990600" cy="990600"/>
             </a:xfrm>
             <a:prstGeom prst="ellipse">
               <a:avLst/>
             </a:prstGeom>
-            <a:gradFill flip="none" rotWithShape="1">
+            <a:gradFill>
               <a:gsLst>
                 <a:gs pos="0">
                   <a:schemeClr val="accent5">
                     <a:alpha val="14000"/>
                   </a:schemeClr>
                 </a:gs>
+                <a:gs pos="36000">
+                  <a:schemeClr val="accent5">
+                    <a:alpha val="7000"/>
+                  </a:schemeClr>
+                </a:gs>
                 <a:gs pos="66000">
                   <a:schemeClr val="accent5">
                     <a:alpha val="0"/>
                   </a:schemeClr>
                 </a:gs>
-                <a:gs pos="36000">
-                  <a:schemeClr val="accent5">
-                    <a:alpha val="7000"/>
-                  </a:schemeClr>
-                </a:gs>
               </a:gsLst>
-              <a:path path="circle">
-                <a:fillToRect l="50000" t="50000" r="50000" b="50000"/>
-              </a:path>
-              <a:tileRect/>
+              <a:path path="circle"/>
             </a:gradFill>
             <a:ln>
               <a:noFill/>
@@ -11151,7 +11135,7 @@
             <p:cNvSpPr/>
             <p:nvPr/>
           </p:nvSpPr>
-          <p:spPr>
+          <p:spPr bwMode="auto">
             <a:xfrm>
               <a:off x="8609012" y="1676400"/>
               <a:ext cx="2819400" cy="2819400"/>
@@ -11159,28 +11143,25 @@
             <a:prstGeom prst="ellipse">
               <a:avLst/>
             </a:prstGeom>
-            <a:gradFill flip="none" rotWithShape="1">
+            <a:gradFill>
               <a:gsLst>
                 <a:gs pos="0">
                   <a:schemeClr val="accent5">
                     <a:alpha val="7000"/>
                   </a:schemeClr>
                 </a:gs>
+                <a:gs pos="36000">
+                  <a:schemeClr val="accent5">
+                    <a:alpha val="6000"/>
+                  </a:schemeClr>
+                </a:gs>
                 <a:gs pos="69000">
                   <a:schemeClr val="accent5">
                     <a:alpha val="0"/>
                   </a:schemeClr>
                 </a:gs>
-                <a:gs pos="36000">
-                  <a:schemeClr val="accent5">
-                    <a:alpha val="6000"/>
-                  </a:schemeClr>
-                </a:gs>
               </a:gsLst>
-              <a:path path="circle">
-                <a:fillToRect l="50000" t="50000" r="50000" b="50000"/>
-              </a:path>
-              <a:tileRect/>
+              <a:path path="circle"/>
             </a:gradFill>
             <a:ln>
               <a:noFill/>
@@ -11208,7 +11189,7 @@
             <p:cNvSpPr/>
             <p:nvPr/>
           </p:nvSpPr>
-          <p:spPr>
+          <p:spPr bwMode="auto">
             <a:xfrm>
               <a:off x="7999412" y="8464"/>
               <a:ext cx="1600200" cy="1600200"/>
@@ -11216,28 +11197,25 @@
             <a:prstGeom prst="ellipse">
               <a:avLst/>
             </a:prstGeom>
-            <a:gradFill flip="none" rotWithShape="1">
+            <a:gradFill>
               <a:gsLst>
                 <a:gs pos="0">
                   <a:schemeClr val="accent5">
                     <a:alpha val="14000"/>
                   </a:schemeClr>
                 </a:gs>
+                <a:gs pos="36000">
+                  <a:schemeClr val="accent5">
+                    <a:alpha val="7000"/>
+                  </a:schemeClr>
+                </a:gs>
                 <a:gs pos="73000">
                   <a:schemeClr val="accent5">
                     <a:alpha val="0"/>
                   </a:schemeClr>
                 </a:gs>
-                <a:gs pos="36000">
-                  <a:schemeClr val="accent5">
-                    <a:alpha val="7000"/>
-                  </a:schemeClr>
-                </a:gs>
               </a:gsLst>
-              <a:path path="circle">
-                <a:fillToRect l="50000" t="50000" r="50000" b="50000"/>
-              </a:path>
-              <a:tileRect/>
+              <a:path path="circle"/>
             </a:gradFill>
             <a:ln>
               <a:noFill/>
@@ -11305,7 +11283,7 @@
           <p:spPr bwMode="gray">
             <a:xfrm rot="15922489">
               <a:off x="4203594" y="1826078"/>
-              <a:ext cx="3299407" cy="440924"/>
+              <a:ext cx="3299406" cy="440924"/>
             </a:xfrm>
             <a:custGeom>
               <a:avLst/>
@@ -11314,7 +11292,7 @@
               <a:cxnLst/>
               <a:rect l="l" t="t" r="r" b="b"/>
               <a:pathLst>
-                <a:path w="10000" h="5291">
+                <a:path w="10000" h="5291" fill="norm" stroke="1" extrusionOk="0">
                   <a:moveTo>
                     <a:pt x="85" y="2532"/>
                   </a:moveTo>
@@ -11450,7 +11428,7 @@
             <p:nvPr/>
           </p:nvSpPr>
           <p:spPr bwMode="gray">
-            <a:xfrm rot="16200000">
+            <a:xfrm rot="16199999">
               <a:off x="3295432" y="2801721"/>
               <a:ext cx="6053670" cy="1254558"/>
             </a:xfrm>
@@ -11461,7 +11439,7 @@
               <a:cxnLst/>
               <a:rect l="l" t="t" r="r" b="b"/>
               <a:pathLst>
-                <a:path w="10000" h="8000">
+                <a:path w="10000" h="8000" fill="norm" stroke="1" extrusionOk="0">
                   <a:moveTo>
                     <a:pt x="0" y="0"/>
                   </a:moveTo>
@@ -11647,7 +11625,7 @@
               <a:cxnLst/>
               <a:rect l="0" t="0" r="r" b="b"/>
               <a:pathLst>
-                <a:path w="15356" h="8638">
+                <a:path w="15356" h="8638" fill="norm" stroke="1" extrusionOk="0">
                   <a:moveTo>
                     <a:pt x="0" y="0"/>
                   </a:moveTo>
@@ -11702,7 +11680,7 @@
             <p:ph type="title"/>
           </p:nvPr>
         </p:nvSpPr>
-        <p:spPr>
+        <p:spPr bwMode="auto">
           <a:xfrm>
             <a:off x="1154955" y="1693333"/>
             <a:ext cx="3865134" cy="1735667"/>
@@ -11718,11 +11696,14 @@
             </a:lvl1pPr>
           </a:lstStyle>
           <a:p>
+            <a:pPr>
+              <a:defRPr/>
+            </a:pPr>
             <a:r>
-              <a:rPr lang="en-US" smtClean="0"/>
+              <a:rPr lang="en-US"/>
               <a:t>Click to edit Master title style</a:t>
             </a:r>
-            <a:endParaRPr lang="en-US" dirty="0"/>
+            <a:endParaRPr lang="en-US"/>
           </a:p>
         </p:txBody>
       </p:sp>
@@ -11730,13 +11711,13 @@
         <p:nvSpPr>
           <p:cNvPr id="3" name="Picture Placeholder 2"/>
           <p:cNvSpPr>
-            <a:spLocks noGrp="1" noChangeAspect="1"/>
+            <a:spLocks noChangeAspect="1" noGrp="1"/>
           </p:cNvSpPr>
           <p:nvPr>
             <p:ph type="pic" idx="1"/>
           </p:nvPr>
         </p:nvSpPr>
-        <p:spPr>
+        <p:spPr bwMode="auto">
           <a:xfrm>
             <a:off x="6547870" y="1143000"/>
             <a:ext cx="3227193" cy="4572000"/>
@@ -11799,12 +11780,13 @@
           <a:p>
             <a:pPr marL="0" lvl="0" indent="0" algn="ctr">
               <a:buNone/>
+              <a:defRPr/>
             </a:pPr>
             <a:r>
-              <a:rPr lang="en-US" smtClean="0"/>
+              <a:rPr lang="en-US"/>
               <a:t>Click icon to add picture</a:t>
             </a:r>
-            <a:endParaRPr lang="en-US" dirty="0"/>
+            <a:endParaRPr lang="en-US"/>
           </a:p>
         </p:txBody>
       </p:sp>
@@ -11874,11 +11856,14 @@
             </a:lvl9pPr>
           </a:lstStyle>
           <a:p>
-            <a:pPr lvl="0"/>
+            <a:pPr lvl="0">
+              <a:defRPr/>
+            </a:pPr>
             <a:r>
-              <a:rPr lang="en-US" smtClean="0"/>
+              <a:rPr lang="en-US"/>
               <a:t>Click to edit Master text styles</a:t>
             </a:r>
+            <a:endParaRPr/>
           </a:p>
         </p:txBody>
       </p:sp>
@@ -11892,14 +11877,17 @@
             <p:ph type="dt" sz="half" idx="10"/>
           </p:nvPr>
         </p:nvSpPr>
-        <p:spPr/>
+        <p:spPr bwMode="auto"/>
         <p:txBody>
           <a:bodyPr/>
           <a:lstStyle/>
           <a:p>
+            <a:pPr>
+              <a:defRPr/>
+            </a:pPr>
             <a:fld id="{BA38155F-AEC7-4C83-BD8B-86231E183429}" type="datetimeFigureOut">
-              <a:rPr lang="en-US" smtClean="0"/>
-              <a:t>2/1/2023</a:t>
+              <a:rPr lang="en-US"/>
+              <a:t/>
             </a:fld>
             <a:endParaRPr lang="en-US"/>
           </a:p>
@@ -11915,11 +11903,14 @@
             <p:ph type="ftr" sz="quarter" idx="11"/>
           </p:nvPr>
         </p:nvSpPr>
-        <p:spPr/>
+        <p:spPr bwMode="auto"/>
         <p:txBody>
           <a:bodyPr/>
           <a:lstStyle/>
           <a:p>
+            <a:pPr>
+              <a:defRPr/>
+            </a:pPr>
             <a:endParaRPr lang="en-US"/>
           </a:p>
         </p:txBody>
@@ -11930,7 +11921,7 @@
           <p:cNvSpPr/>
           <p:nvPr/>
         </p:nvSpPr>
-        <p:spPr>
+        <p:spPr bwMode="auto">
           <a:xfrm>
             <a:off x="10437812" y="0"/>
             <a:ext cx="685800" cy="1143000"/>
@@ -11970,47 +11961,33 @@
             <p:ph type="sldNum" sz="quarter" idx="12"/>
           </p:nvPr>
         </p:nvSpPr>
-        <p:spPr/>
+        <p:spPr bwMode="auto"/>
         <p:txBody>
           <a:bodyPr/>
           <a:lstStyle/>
           <a:p>
+            <a:pPr>
+              <a:defRPr/>
+            </a:pPr>
             <a:fld id="{00E55A38-CD7B-4575-ADB2-599742FE9C88}" type="slidenum">
-              <a:rPr lang="en-US" smtClean="0"/>
-              <a:t>‹#›</a:t>
+              <a:rPr lang="en-US"/>
+              <a:t/>
             </a:fld>
             <a:endParaRPr lang="en-US"/>
           </a:p>
         </p:txBody>
       </p:sp>
     </p:spTree>
-    <p:extLst>
-      <p:ext uri="{BB962C8B-B14F-4D97-AF65-F5344CB8AC3E}">
-        <p14:creationId xmlns:p14="http://schemas.microsoft.com/office/powerpoint/2010/main" val="1840425880"/>
-      </p:ext>
-    </p:extLst>
   </p:cSld>
   <p:clrMapOvr>
     <a:masterClrMapping/>
   </p:clrMapOvr>
-  <mc:AlternateContent xmlns:mc="http://schemas.openxmlformats.org/markup-compatibility/2006">
-    <mc:Choice xmlns:p14="http://schemas.microsoft.com/office/powerpoint/2010/main" Requires="p14">
-      <p:transition spd="med" p14:dur="700">
-        <p:fade/>
-      </p:transition>
-    </mc:Choice>
-    <mc:Fallback>
-      <p:transition spd="med">
-        <p:fade/>
-      </p:transition>
-    </mc:Fallback>
-  </mc:AlternateContent>
 </p:sldLayout>
 </file>
 
 <file path=ppt/slideMasters/slideMaster1.xml><?xml version="1.0" encoding="utf-8"?>
-<p:sldMaster xmlns:a="http://schemas.openxmlformats.org/drawingml/2006/main" xmlns:r="http://schemas.openxmlformats.org/officeDocument/2006/relationships" xmlns:p="http://schemas.openxmlformats.org/presentationml/2006/main">
-  <p:cSld>
+<p:sldMaster xmlns:a="http://schemas.openxmlformats.org/drawingml/2006/main" xmlns:r="http://schemas.openxmlformats.org/officeDocument/2006/relationships" xmlns:p="http://schemas.openxmlformats.org/presentationml/2006/main" xmlns:m="http://schemas.openxmlformats.org/officeDocument/2006/math" xmlns:w="http://schemas.openxmlformats.org/wordprocessingml/2006/main" preserve="0">
+  <p:cSld name="">
     <p:bg>
       <p:bgRef idx="1001">
         <a:schemeClr val="bg1"/>
@@ -12022,7 +11999,7 @@
         <p:cNvGrpSpPr/>
         <p:nvPr/>
       </p:nvGrpSpPr>
-      <p:grpSpPr>
+      <p:grpSpPr bwMode="auto">
         <a:xfrm>
           <a:off x="0" y="0"/>
           <a:ext cx="0" cy="0"/>
@@ -12036,7 +12013,7 @@
           <p:cNvGrpSpPr/>
           <p:nvPr/>
         </p:nvGrpSpPr>
-        <p:grpSpPr>
+        <p:grpSpPr bwMode="auto">
           <a:xfrm>
             <a:off x="0" y="0"/>
             <a:ext cx="12192000" cy="6858000"/>
@@ -12050,7 +12027,7 @@
             <p:cNvSpPr/>
             <p:nvPr/>
           </p:nvSpPr>
-          <p:spPr>
+          <p:spPr bwMode="auto">
             <a:xfrm>
               <a:off x="0" y="0"/>
               <a:ext cx="12192000" cy="6858000"/>
@@ -12074,9 +12051,7 @@
                   </a:schemeClr>
                 </a:duotone>
               </a:blip>
-              <a:stretch>
-                <a:fillRect/>
-              </a:stretch>
+              <a:stretch/>
             </a:blipFill>
             <a:ln>
               <a:noFill/>
@@ -12105,7 +12080,7 @@
             <p:cNvSpPr/>
             <p:nvPr/>
           </p:nvSpPr>
-          <p:spPr>
+          <p:spPr bwMode="auto">
             <a:xfrm>
               <a:off x="0" y="2667000"/>
               <a:ext cx="4191000" cy="4191000"/>
@@ -12113,28 +12088,25 @@
             <a:prstGeom prst="ellipse">
               <a:avLst/>
             </a:prstGeom>
-            <a:gradFill flip="none" rotWithShape="1">
+            <a:gradFill>
               <a:gsLst>
                 <a:gs pos="0">
                   <a:schemeClr val="accent5">
                     <a:alpha val="11000"/>
                   </a:schemeClr>
                 </a:gs>
+                <a:gs pos="36000">
+                  <a:schemeClr val="accent5">
+                    <a:alpha val="10000"/>
+                  </a:schemeClr>
+                </a:gs>
                 <a:gs pos="75000">
                   <a:schemeClr val="accent5">
                     <a:alpha val="0"/>
                   </a:schemeClr>
                 </a:gs>
-                <a:gs pos="36000">
-                  <a:schemeClr val="accent5">
-                    <a:alpha val="10000"/>
-                  </a:schemeClr>
-                </a:gs>
               </a:gsLst>
-              <a:path path="circle">
-                <a:fillToRect l="50000" t="50000" r="50000" b="50000"/>
-              </a:path>
-              <a:tileRect/>
+              <a:path path="circle"/>
             </a:gradFill>
             <a:ln>
               <a:noFill/>
@@ -12162,36 +12134,33 @@
             <p:cNvSpPr/>
             <p:nvPr/>
           </p:nvSpPr>
-          <p:spPr>
+          <p:spPr bwMode="auto">
             <a:xfrm>
               <a:off x="0" y="2895600"/>
-              <a:ext cx="2362200" cy="2362200"/>
+              <a:ext cx="2362199" cy="2362199"/>
             </a:xfrm>
             <a:prstGeom prst="ellipse">
               <a:avLst/>
             </a:prstGeom>
-            <a:gradFill flip="none" rotWithShape="1">
+            <a:gradFill>
               <a:gsLst>
                 <a:gs pos="0">
                   <a:schemeClr val="accent5">
                     <a:alpha val="8000"/>
                   </a:schemeClr>
                 </a:gs>
+                <a:gs pos="36000">
+                  <a:schemeClr val="accent5">
+                    <a:alpha val="8000"/>
+                  </a:schemeClr>
+                </a:gs>
                 <a:gs pos="72000">
                   <a:schemeClr val="accent5">
                     <a:alpha val="0"/>
                   </a:schemeClr>
                 </a:gs>
-                <a:gs pos="36000">
-                  <a:schemeClr val="accent5">
-                    <a:alpha val="8000"/>
-                  </a:schemeClr>
-                </a:gs>
               </a:gsLst>
-              <a:path path="circle">
-                <a:fillToRect l="50000" t="50000" r="50000" b="50000"/>
-              </a:path>
-              <a:tileRect/>
+              <a:path path="circle"/>
             </a:gradFill>
             <a:ln>
               <a:noFill/>
@@ -12219,36 +12188,33 @@
             <p:cNvSpPr/>
             <p:nvPr/>
           </p:nvSpPr>
-          <p:spPr>
+          <p:spPr bwMode="auto">
             <a:xfrm>
-              <a:off x="8609012" y="5867400"/>
+              <a:off x="8609012" y="5867399"/>
               <a:ext cx="990600" cy="990600"/>
             </a:xfrm>
             <a:prstGeom prst="ellipse">
               <a:avLst/>
             </a:prstGeom>
-            <a:gradFill flip="none" rotWithShape="1">
+            <a:gradFill>
               <a:gsLst>
                 <a:gs pos="0">
                   <a:schemeClr val="accent5">
                     <a:alpha val="14000"/>
                   </a:schemeClr>
                 </a:gs>
+                <a:gs pos="36000">
+                  <a:schemeClr val="accent5">
+                    <a:alpha val="7000"/>
+                  </a:schemeClr>
+                </a:gs>
                 <a:gs pos="66000">
                   <a:schemeClr val="accent5">
                     <a:alpha val="0"/>
                   </a:schemeClr>
                 </a:gs>
-                <a:gs pos="36000">
-                  <a:schemeClr val="accent5">
-                    <a:alpha val="7000"/>
-                  </a:schemeClr>
-                </a:gs>
               </a:gsLst>
-              <a:path path="circle">
-                <a:fillToRect l="50000" t="50000" r="50000" b="50000"/>
-              </a:path>
-              <a:tileRect/>
+              <a:path path="circle"/>
             </a:gradFill>
             <a:ln>
               <a:noFill/>
@@ -12276,7 +12242,7 @@
             <p:cNvSpPr/>
             <p:nvPr/>
           </p:nvSpPr>
-          <p:spPr>
+          <p:spPr bwMode="auto">
             <a:xfrm>
               <a:off x="8609012" y="1676400"/>
               <a:ext cx="2819400" cy="2819400"/>
@@ -12284,28 +12250,25 @@
             <a:prstGeom prst="ellipse">
               <a:avLst/>
             </a:prstGeom>
-            <a:gradFill flip="none" rotWithShape="1">
+            <a:gradFill>
               <a:gsLst>
                 <a:gs pos="0">
                   <a:schemeClr val="accent5">
                     <a:alpha val="7000"/>
                   </a:schemeClr>
                 </a:gs>
+                <a:gs pos="36000">
+                  <a:schemeClr val="accent5">
+                    <a:alpha val="6000"/>
+                  </a:schemeClr>
+                </a:gs>
                 <a:gs pos="69000">
                   <a:schemeClr val="accent5">
                     <a:alpha val="0"/>
                   </a:schemeClr>
                 </a:gs>
-                <a:gs pos="36000">
-                  <a:schemeClr val="accent5">
-                    <a:alpha val="6000"/>
-                  </a:schemeClr>
-                </a:gs>
               </a:gsLst>
-              <a:path path="circle">
-                <a:fillToRect l="50000" t="50000" r="50000" b="50000"/>
-              </a:path>
-              <a:tileRect/>
+              <a:path path="circle"/>
             </a:gradFill>
             <a:ln>
               <a:noFill/>
@@ -12333,7 +12296,7 @@
             <p:cNvSpPr/>
             <p:nvPr/>
           </p:nvSpPr>
-          <p:spPr>
+          <p:spPr bwMode="auto">
             <a:xfrm>
               <a:off x="7999412" y="8464"/>
               <a:ext cx="1600200" cy="1600200"/>
@@ -12341,28 +12304,25 @@
             <a:prstGeom prst="ellipse">
               <a:avLst/>
             </a:prstGeom>
-            <a:gradFill flip="none" rotWithShape="1">
+            <a:gradFill>
               <a:gsLst>
                 <a:gs pos="0">
                   <a:schemeClr val="accent5">
                     <a:alpha val="14000"/>
                   </a:schemeClr>
                 </a:gs>
+                <a:gs pos="36000">
+                  <a:schemeClr val="accent5">
+                    <a:alpha val="7000"/>
+                  </a:schemeClr>
+                </a:gs>
                 <a:gs pos="73000">
                   <a:schemeClr val="accent5">
                     <a:alpha val="0"/>
                   </a:schemeClr>
                 </a:gs>
-                <a:gs pos="36000">
-                  <a:schemeClr val="accent5">
-                    <a:alpha val="7000"/>
-                  </a:schemeClr>
-                </a:gs>
               </a:gsLst>
-              <a:path path="circle">
-                <a:fillToRect l="50000" t="50000" r="50000" b="50000"/>
-              </a:path>
-              <a:tileRect/>
+              <a:path path="circle"/>
             </a:gradFill>
             <a:ln>
               <a:noFill/>
@@ -12393,7 +12353,7 @@
           <p:spPr bwMode="gray">
             <a:xfrm rot="21010068">
               <a:off x="8490951" y="1797517"/>
-              <a:ext cx="3299407" cy="440924"/>
+              <a:ext cx="3299406" cy="440924"/>
             </a:xfrm>
             <a:custGeom>
               <a:avLst/>
@@ -12402,7 +12362,7 @@
               <a:cxnLst/>
               <a:rect l="l" t="t" r="r" b="b"/>
               <a:pathLst>
-                <a:path w="10000" h="5291">
+                <a:path w="10000" h="5291" fill="norm" stroke="1" extrusionOk="0">
                   <a:moveTo>
                     <a:pt x="85" y="2532"/>
                   </a:moveTo>
@@ -12549,7 +12509,7 @@
               <a:cxnLst/>
               <a:rect l="0" t="0" r="r" b="b"/>
               <a:pathLst>
-                <a:path w="7104" h="2856">
+                <a:path w="7104" h="2856" fill="norm" stroke="1" extrusionOk="0">
                   <a:moveTo>
                     <a:pt x="0" y="0"/>
                   </a:moveTo>
@@ -12735,7 +12695,7 @@
               <a:cxnLst/>
               <a:rect l="0" t="0" r="r" b="b"/>
               <a:pathLst>
-                <a:path w="15356" h="8638">
+                <a:path w="15356" h="8638" fill="norm" stroke="1" extrusionOk="0">
                   <a:moveTo>
                     <a:pt x="0" y="0"/>
                   </a:moveTo>
@@ -12805,11 +12765,14 @@
           </a:bodyPr>
           <a:lstStyle/>
           <a:p>
+            <a:pPr>
+              <a:defRPr/>
+            </a:pPr>
             <a:r>
-              <a:rPr lang="en-US" smtClean="0"/>
+              <a:rPr lang="en-US"/>
               <a:t>Click to edit Master title style</a:t>
             </a:r>
-            <a:endParaRPr lang="en-US" dirty="0"/>
+            <a:endParaRPr lang="en-US"/>
           </a:p>
         </p:txBody>
       </p:sp>
@@ -12823,7 +12786,7 @@
             <p:ph type="body" idx="1"/>
           </p:nvPr>
         </p:nvSpPr>
-        <p:spPr>
+        <p:spPr bwMode="auto">
           <a:xfrm>
             <a:off x="1154954" y="2603500"/>
             <a:ext cx="8761413" cy="3416300"/>
@@ -12838,40 +12801,54 @@
           </a:bodyPr>
           <a:lstStyle/>
           <a:p>
-            <a:pPr lvl="0"/>
+            <a:pPr lvl="0">
+              <a:defRPr/>
+            </a:pPr>
             <a:r>
-              <a:rPr lang="en-US" smtClean="0"/>
+              <a:rPr lang="en-US"/>
               <a:t>Click to edit Master text styles</a:t>
             </a:r>
-          </a:p>
-          <a:p>
-            <a:pPr lvl="1"/>
+            <a:endParaRPr/>
+          </a:p>
+          <a:p>
+            <a:pPr lvl="1">
+              <a:defRPr/>
+            </a:pPr>
             <a:r>
-              <a:rPr lang="en-US" smtClean="0"/>
+              <a:rPr lang="en-US"/>
               <a:t>Second level</a:t>
             </a:r>
-          </a:p>
-          <a:p>
-            <a:pPr lvl="2"/>
+            <a:endParaRPr/>
+          </a:p>
+          <a:p>
+            <a:pPr lvl="2">
+              <a:defRPr/>
+            </a:pPr>
             <a:r>
-              <a:rPr lang="en-US" smtClean="0"/>
+              <a:rPr lang="en-US"/>
               <a:t>Third level</a:t>
             </a:r>
-          </a:p>
-          <a:p>
-            <a:pPr lvl="3"/>
+            <a:endParaRPr/>
+          </a:p>
+          <a:p>
+            <a:pPr lvl="3">
+              <a:defRPr/>
+            </a:pPr>
             <a:r>
-              <a:rPr lang="en-US" smtClean="0"/>
+              <a:rPr lang="en-US"/>
               <a:t>Fourth level</a:t>
             </a:r>
-          </a:p>
-          <a:p>
-            <a:pPr lvl="4"/>
+            <a:endParaRPr/>
+          </a:p>
+          <a:p>
+            <a:pPr lvl="4">
+              <a:defRPr/>
+            </a:pPr>
             <a:r>
-              <a:rPr lang="en-US" smtClean="0"/>
+              <a:rPr lang="en-US"/>
               <a:t>Fifth level</a:t>
             </a:r>
-            <a:endParaRPr lang="en-US" dirty="0"/>
+            <a:endParaRPr lang="en-US"/>
           </a:p>
         </p:txBody>
       </p:sp>
@@ -12885,7 +12862,7 @@
             <p:ph type="dt" sz="half" idx="2"/>
           </p:nvPr>
         </p:nvSpPr>
-        <p:spPr>
+        <p:spPr bwMode="auto">
           <a:xfrm>
             <a:off x="10653104" y="6391838"/>
             <a:ext cx="990599" cy="304799"/>
@@ -12906,9 +12883,12 @@
             </a:lvl1pPr>
           </a:lstStyle>
           <a:p>
+            <a:pPr>
+              <a:defRPr/>
+            </a:pPr>
             <a:fld id="{BA38155F-AEC7-4C83-BD8B-86231E183429}" type="datetimeFigureOut">
-              <a:rPr lang="en-US" smtClean="0"/>
-              <a:t>2/1/2023</a:t>
+              <a:rPr lang="en-US"/>
+              <a:t/>
             </a:fld>
             <a:endParaRPr lang="en-US"/>
           </a:p>
@@ -12924,7 +12904,7 @@
             <p:ph type="ftr" sz="quarter" idx="3"/>
           </p:nvPr>
         </p:nvSpPr>
-        <p:spPr>
+        <p:spPr bwMode="auto">
           <a:xfrm>
             <a:off x="561110" y="6391838"/>
             <a:ext cx="3859795" cy="304801"/>
@@ -12945,6 +12925,9 @@
             </a:lvl1pPr>
           </a:lstStyle>
           <a:p>
+            <a:pPr>
+              <a:defRPr/>
+            </a:pPr>
             <a:endParaRPr lang="en-US"/>
           </a:p>
         </p:txBody>
@@ -12955,7 +12938,7 @@
           <p:cNvSpPr/>
           <p:nvPr/>
         </p:nvSpPr>
-        <p:spPr>
+        <p:spPr bwMode="auto">
           <a:xfrm>
             <a:off x="10437812" y="0"/>
             <a:ext cx="685800" cy="1143000"/>
@@ -12997,8 +12980,8 @@
         </p:nvSpPr>
         <p:spPr bwMode="gray">
           <a:xfrm>
-            <a:off x="10352540" y="295729"/>
-            <a:ext cx="838199" cy="767687"/>
+            <a:off x="10352539" y="295728"/>
+            <a:ext cx="838198" cy="767687"/>
           </a:xfrm>
           <a:prstGeom prst="rect">
             <a:avLst/>
@@ -13016,61 +12999,47 @@
             </a:lvl1pPr>
           </a:lstStyle>
           <a:p>
+            <a:pPr>
+              <a:defRPr/>
+            </a:pPr>
             <a:fld id="{00E55A38-CD7B-4575-ADB2-599742FE9C88}" type="slidenum">
-              <a:rPr lang="en-US" smtClean="0"/>
-              <a:t>‹#›</a:t>
+              <a:rPr lang="en-US"/>
+              <a:t/>
             </a:fld>
             <a:endParaRPr lang="en-US"/>
           </a:p>
         </p:txBody>
       </p:sp>
     </p:spTree>
-    <p:extLst>
-      <p:ext uri="{BB962C8B-B14F-4D97-AF65-F5344CB8AC3E}">
-        <p14:creationId xmlns:p14="http://schemas.microsoft.com/office/powerpoint/2010/main" val="4251090931"/>
-      </p:ext>
-    </p:extLst>
   </p:cSld>
   <p:clrMap bg1="lt1" tx1="dk1" bg2="lt2" tx2="dk2" accent1="accent1" accent2="accent2" accent3="accent3" accent4="accent4" accent5="accent5" accent6="accent6" hlink="hlink" folHlink="folHlink"/>
   <p:sldLayoutIdLst>
-    <p:sldLayoutId id="2147483673" r:id="rId1"/>
-    <p:sldLayoutId id="2147483674" r:id="rId2"/>
-    <p:sldLayoutId id="2147483675" r:id="rId3"/>
-    <p:sldLayoutId id="2147483676" r:id="rId4"/>
-    <p:sldLayoutId id="2147483677" r:id="rId5"/>
-    <p:sldLayoutId id="2147483678" r:id="rId6"/>
-    <p:sldLayoutId id="2147483679" r:id="rId7"/>
-    <p:sldLayoutId id="2147483680" r:id="rId8"/>
-    <p:sldLayoutId id="2147483681" r:id="rId9"/>
-    <p:sldLayoutId id="2147483682" r:id="rId10"/>
-    <p:sldLayoutId id="2147483683" r:id="rId11"/>
-    <p:sldLayoutId id="2147483684" r:id="rId12"/>
-    <p:sldLayoutId id="2147483685" r:id="rId13"/>
-    <p:sldLayoutId id="2147483686" r:id="rId14"/>
-    <p:sldLayoutId id="2147483687" r:id="rId15"/>
-    <p:sldLayoutId id="2147483688" r:id="rId16"/>
-    <p:sldLayoutId id="2147483689" r:id="rId17"/>
+    <p:sldLayoutId id="2147483649" r:id="rId1"/>
+    <p:sldLayoutId id="2147483650" r:id="rId2"/>
+    <p:sldLayoutId id="2147483651" r:id="rId3"/>
+    <p:sldLayoutId id="2147483652" r:id="rId4"/>
+    <p:sldLayoutId id="2147483653" r:id="rId5"/>
+    <p:sldLayoutId id="2147483654" r:id="rId6"/>
+    <p:sldLayoutId id="2147483655" r:id="rId7"/>
+    <p:sldLayoutId id="2147483656" r:id="rId8"/>
+    <p:sldLayoutId id="2147483657" r:id="rId9"/>
+    <p:sldLayoutId id="2147483658" r:id="rId10"/>
+    <p:sldLayoutId id="2147483659" r:id="rId11"/>
+    <p:sldLayoutId id="2147483660" r:id="rId12"/>
+    <p:sldLayoutId id="2147483661" r:id="rId13"/>
+    <p:sldLayoutId id="2147483662" r:id="rId14"/>
+    <p:sldLayoutId id="2147483663" r:id="rId15"/>
+    <p:sldLayoutId id="2147483664" r:id="rId16"/>
+    <p:sldLayoutId id="2147483665" r:id="rId17"/>
   </p:sldLayoutIdLst>
-  <mc:AlternateContent xmlns:mc="http://schemas.openxmlformats.org/markup-compatibility/2006">
-    <mc:Choice xmlns:p14="http://schemas.microsoft.com/office/powerpoint/2010/main" Requires="p14">
-      <p:transition spd="med" p14:dur="700">
-        <p:fade/>
-      </p:transition>
-    </mc:Choice>
-    <mc:Fallback>
-      <p:transition spd="med">
-        <p:fade/>
-      </p:transition>
-    </mc:Fallback>
-  </mc:AlternateContent>
   <p:txStyles>
     <p:titleStyle>
-      <a:lvl1pPr algn="l" defTabSz="457200" rtl="0" eaLnBrk="1" latinLnBrk="0" hangingPunct="1">
+      <a:lvl1pPr algn="l" defTabSz="457200">
         <a:spcBef>
-          <a:spcPct val="0"/>
+          <a:spcPts val="0"/>
         </a:spcBef>
         <a:buNone/>
-        <a:defRPr sz="3600" b="0" i="0" kern="1200">
+        <a:defRPr sz="3600" b="0" i="0">
           <a:solidFill>
             <a:schemeClr val="bg2"/>
           </a:solidFill>
@@ -13079,56 +13048,56 @@
           <a:cs typeface="+mj-cs"/>
         </a:defRPr>
       </a:lvl1pPr>
-      <a:lvl2pPr eaLnBrk="1" hangingPunct="1">
+      <a:lvl2pPr>
         <a:defRPr>
           <a:solidFill>
             <a:schemeClr val="tx2"/>
           </a:solidFill>
         </a:defRPr>
       </a:lvl2pPr>
-      <a:lvl3pPr eaLnBrk="1" hangingPunct="1">
+      <a:lvl3pPr>
         <a:defRPr>
           <a:solidFill>
             <a:schemeClr val="tx2"/>
           </a:solidFill>
         </a:defRPr>
       </a:lvl3pPr>
-      <a:lvl4pPr eaLnBrk="1" hangingPunct="1">
+      <a:lvl4pPr>
         <a:defRPr>
           <a:solidFill>
             <a:schemeClr val="tx2"/>
           </a:solidFill>
         </a:defRPr>
       </a:lvl4pPr>
-      <a:lvl5pPr eaLnBrk="1" hangingPunct="1">
+      <a:lvl5pPr>
         <a:defRPr>
           <a:solidFill>
             <a:schemeClr val="tx2"/>
           </a:solidFill>
         </a:defRPr>
       </a:lvl5pPr>
-      <a:lvl6pPr eaLnBrk="1" hangingPunct="1">
+      <a:lvl6pPr>
         <a:defRPr>
           <a:solidFill>
             <a:schemeClr val="tx2"/>
           </a:solidFill>
         </a:defRPr>
       </a:lvl6pPr>
-      <a:lvl7pPr eaLnBrk="1" hangingPunct="1">
+      <a:lvl7pPr>
         <a:defRPr>
           <a:solidFill>
             <a:schemeClr val="tx2"/>
           </a:solidFill>
         </a:defRPr>
       </a:lvl7pPr>
-      <a:lvl8pPr eaLnBrk="1" hangingPunct="1">
+      <a:lvl8pPr>
         <a:defRPr>
           <a:solidFill>
             <a:schemeClr val="tx2"/>
           </a:solidFill>
         </a:defRPr>
       </a:lvl8pPr>
-      <a:lvl9pPr eaLnBrk="1" hangingPunct="1">
+      <a:lvl9pPr>
         <a:defRPr>
           <a:solidFill>
             <a:schemeClr val="tx2"/>
@@ -13137,7 +13106,7 @@
       </a:lvl9pPr>
     </p:titleStyle>
     <p:bodyStyle>
-      <a:lvl1pPr marL="342900" indent="-342900" algn="l" defTabSz="457200" rtl="0" eaLnBrk="1" latinLnBrk="0" hangingPunct="1">
+      <a:lvl1pPr marL="342900" indent="-342900" algn="l" defTabSz="457200">
         <a:spcBef>
           <a:spcPts val="1000"/>
         </a:spcBef>
@@ -13148,9 +13117,9 @@
           <a:schemeClr val="accent1"/>
         </a:buClr>
         <a:buSzPct val="80000"/>
-        <a:buFont typeface="Wingdings 3" charset="2"/>
+        <a:buFont typeface="Wingdings 3"/>
         <a:buChar char=""/>
-        <a:defRPr sz="1800" b="0" i="0" kern="1200">
+        <a:defRPr sz="1800" b="0" i="0">
           <a:solidFill>
             <a:schemeClr val="tx1">
               <a:lumMod val="75000"/>
@@ -13162,7 +13131,7 @@
           <a:cs typeface="+mn-cs"/>
         </a:defRPr>
       </a:lvl1pPr>
-      <a:lvl2pPr marL="742950" indent="-285750" algn="l" defTabSz="457200" rtl="0" eaLnBrk="1" latinLnBrk="0" hangingPunct="1">
+      <a:lvl2pPr marL="742950" indent="-285750" algn="l" defTabSz="457200">
         <a:spcBef>
           <a:spcPts val="1000"/>
         </a:spcBef>
@@ -13173,9 +13142,9 @@
           <a:schemeClr val="accent1"/>
         </a:buClr>
         <a:buSzPct val="80000"/>
-        <a:buFont typeface="Wingdings 3" charset="2"/>
+        <a:buFont typeface="Wingdings 3"/>
         <a:buChar char=""/>
-        <a:defRPr sz="1600" b="0" i="0" kern="1200">
+        <a:defRPr sz="1600" b="0" i="0">
           <a:solidFill>
             <a:schemeClr val="tx1">
               <a:lumMod val="75000"/>
@@ -13187,7 +13156,7 @@
           <a:cs typeface="+mn-cs"/>
         </a:defRPr>
       </a:lvl2pPr>
-      <a:lvl3pPr marL="1143000" indent="-228600" algn="l" defTabSz="457200" rtl="0" eaLnBrk="1" latinLnBrk="0" hangingPunct="1">
+      <a:lvl3pPr marL="1143000" indent="-228600" algn="l" defTabSz="457200">
         <a:spcBef>
           <a:spcPts val="1000"/>
         </a:spcBef>
@@ -13198,9 +13167,9 @@
           <a:schemeClr val="accent1"/>
         </a:buClr>
         <a:buSzPct val="80000"/>
-        <a:buFont typeface="Wingdings 3" charset="2"/>
+        <a:buFont typeface="Wingdings 3"/>
         <a:buChar char=""/>
-        <a:defRPr sz="1400" b="0" i="0" kern="1200">
+        <a:defRPr sz="1400" b="0" i="0">
           <a:solidFill>
             <a:schemeClr val="tx1">
               <a:lumMod val="75000"/>
@@ -13212,7 +13181,7 @@
           <a:cs typeface="+mn-cs"/>
         </a:defRPr>
       </a:lvl3pPr>
-      <a:lvl4pPr marL="1600200" indent="-228600" algn="l" defTabSz="457200" rtl="0" eaLnBrk="1" latinLnBrk="0" hangingPunct="1">
+      <a:lvl4pPr marL="1600200" indent="-228600" algn="l" defTabSz="457200">
         <a:spcBef>
           <a:spcPts val="1000"/>
         </a:spcBef>
@@ -13223,9 +13192,9 @@
           <a:schemeClr val="accent1"/>
         </a:buClr>
         <a:buSzPct val="80000"/>
-        <a:buFont typeface="Wingdings 3" charset="2"/>
+        <a:buFont typeface="Wingdings 3"/>
         <a:buChar char=""/>
-        <a:defRPr sz="1200" b="0" i="0" kern="1200">
+        <a:defRPr sz="1200" b="0" i="0">
           <a:solidFill>
             <a:schemeClr val="tx1">
               <a:lumMod val="75000"/>
@@ -13237,7 +13206,7 @@
           <a:cs typeface="+mn-cs"/>
         </a:defRPr>
       </a:lvl4pPr>
-      <a:lvl5pPr marL="2057400" indent="-228600" algn="l" defTabSz="457200" rtl="0" eaLnBrk="1" latinLnBrk="0" hangingPunct="1">
+      <a:lvl5pPr marL="2057400" indent="-228600" algn="l" defTabSz="457200">
         <a:spcBef>
           <a:spcPts val="1000"/>
         </a:spcBef>
@@ -13248,9 +13217,9 @@
           <a:schemeClr val="accent1"/>
         </a:buClr>
         <a:buSzPct val="80000"/>
-        <a:buFont typeface="Wingdings 3" charset="2"/>
+        <a:buFont typeface="Wingdings 3"/>
         <a:buChar char=""/>
-        <a:defRPr sz="1200" b="0" i="0" kern="1200">
+        <a:defRPr sz="1200" b="0" i="0">
           <a:solidFill>
             <a:schemeClr val="tx1">
               <a:lumMod val="75000"/>
@@ -13262,7 +13231,7 @@
           <a:cs typeface="+mn-cs"/>
         </a:defRPr>
       </a:lvl5pPr>
-      <a:lvl6pPr marL="2514600" indent="-228600" algn="l" defTabSz="457200" rtl="0" eaLnBrk="1" latinLnBrk="0" hangingPunct="1">
+      <a:lvl6pPr marL="2514600" indent="-228600" algn="l" defTabSz="457200">
         <a:spcBef>
           <a:spcPts val="1000"/>
         </a:spcBef>
@@ -13273,9 +13242,9 @@
           <a:schemeClr val="accent1"/>
         </a:buClr>
         <a:buSzPct val="80000"/>
-        <a:buFont typeface="Wingdings 3" charset="2"/>
+        <a:buFont typeface="Wingdings 3"/>
         <a:buChar char=""/>
-        <a:defRPr sz="1200" b="0" i="0" kern="1200">
+        <a:defRPr sz="1200" b="0" i="0">
           <a:solidFill>
             <a:schemeClr val="tx1">
               <a:lumMod val="75000"/>
@@ -13287,7 +13256,7 @@
           <a:cs typeface="+mn-cs"/>
         </a:defRPr>
       </a:lvl6pPr>
-      <a:lvl7pPr marL="2971800" indent="-228600" algn="l" defTabSz="457200" rtl="0" eaLnBrk="1" latinLnBrk="0" hangingPunct="1">
+      <a:lvl7pPr marL="2971800" indent="-228600" algn="l" defTabSz="457200">
         <a:spcBef>
           <a:spcPts val="1000"/>
         </a:spcBef>
@@ -13298,9 +13267,9 @@
           <a:schemeClr val="accent1"/>
         </a:buClr>
         <a:buSzPct val="80000"/>
-        <a:buFont typeface="Wingdings 3" charset="2"/>
+        <a:buFont typeface="Wingdings 3"/>
         <a:buChar char=""/>
-        <a:defRPr sz="1200" b="0" i="0" kern="1200">
+        <a:defRPr sz="1200" b="0" i="0">
           <a:solidFill>
             <a:schemeClr val="tx1">
               <a:lumMod val="75000"/>
@@ -13312,7 +13281,7 @@
           <a:cs typeface="+mn-cs"/>
         </a:defRPr>
       </a:lvl7pPr>
-      <a:lvl8pPr marL="3429000" indent="-228600" algn="l" defTabSz="457200" rtl="0" eaLnBrk="1" latinLnBrk="0" hangingPunct="1">
+      <a:lvl8pPr marL="3429000" indent="-228600" algn="l" defTabSz="457200">
         <a:spcBef>
           <a:spcPts val="1000"/>
         </a:spcBef>
@@ -13323,9 +13292,9 @@
           <a:schemeClr val="accent1"/>
         </a:buClr>
         <a:buSzPct val="80000"/>
-        <a:buFont typeface="Wingdings 3" charset="2"/>
+        <a:buFont typeface="Wingdings 3"/>
         <a:buChar char=""/>
-        <a:defRPr sz="1200" b="0" i="0" kern="1200">
+        <a:defRPr sz="1200" b="0" i="0">
           <a:solidFill>
             <a:schemeClr val="tx1">
               <a:lumMod val="75000"/>
@@ -13337,7 +13306,7 @@
           <a:cs typeface="+mn-cs"/>
         </a:defRPr>
       </a:lvl8pPr>
-      <a:lvl9pPr marL="3886200" indent="-228600" algn="l" defTabSz="457200" rtl="0" eaLnBrk="1" latinLnBrk="0" hangingPunct="1">
+      <a:lvl9pPr marL="3886200" indent="-228600" algn="l" defTabSz="457200">
         <a:spcBef>
           <a:spcPts val="1000"/>
         </a:spcBef>
@@ -13348,9 +13317,9 @@
           <a:schemeClr val="accent1"/>
         </a:buClr>
         <a:buSzPct val="80000"/>
-        <a:buFont typeface="Wingdings 3" charset="2"/>
+        <a:buFont typeface="Wingdings 3"/>
         <a:buChar char=""/>
-        <a:defRPr sz="1200" b="0" i="0" kern="1200">
+        <a:defRPr sz="1200" b="0" i="0">
           <a:solidFill>
             <a:schemeClr val="tx1">
               <a:lumMod val="75000"/>
@@ -13367,8 +13336,8 @@
       <a:defPPr>
         <a:defRPr lang="en-US"/>
       </a:defPPr>
-      <a:lvl1pPr marL="0" algn="l" defTabSz="457200" rtl="0" eaLnBrk="1" latinLnBrk="0" hangingPunct="1">
-        <a:defRPr sz="1800" kern="1200">
+      <a:lvl1pPr marL="0" algn="l" defTabSz="457200">
+        <a:defRPr sz="1800">
           <a:solidFill>
             <a:schemeClr val="tx1"/>
           </a:solidFill>
@@ -13377,8 +13346,8 @@
           <a:cs typeface="+mn-cs"/>
         </a:defRPr>
       </a:lvl1pPr>
-      <a:lvl2pPr marL="457200" algn="l" defTabSz="457200" rtl="0" eaLnBrk="1" latinLnBrk="0" hangingPunct="1">
-        <a:defRPr sz="1800" kern="1200">
+      <a:lvl2pPr marL="457200" algn="l" defTabSz="457200">
+        <a:defRPr sz="1800">
           <a:solidFill>
             <a:schemeClr val="tx1"/>
           </a:solidFill>
@@ -13387,8 +13356,8 @@
           <a:cs typeface="+mn-cs"/>
         </a:defRPr>
       </a:lvl2pPr>
-      <a:lvl3pPr marL="914400" algn="l" defTabSz="457200" rtl="0" eaLnBrk="1" latinLnBrk="0" hangingPunct="1">
-        <a:defRPr sz="1800" kern="1200">
+      <a:lvl3pPr marL="914400" algn="l" defTabSz="457200">
+        <a:defRPr sz="1800">
           <a:solidFill>
             <a:schemeClr val="tx1"/>
           </a:solidFill>
@@ -13397,8 +13366,8 @@
           <a:cs typeface="+mn-cs"/>
         </a:defRPr>
       </a:lvl3pPr>
-      <a:lvl4pPr marL="1371600" algn="l" defTabSz="457200" rtl="0" eaLnBrk="1" latinLnBrk="0" hangingPunct="1">
-        <a:defRPr sz="1800" kern="1200">
+      <a:lvl4pPr marL="1371600" algn="l" defTabSz="457200">
+        <a:defRPr sz="1800">
           <a:solidFill>
             <a:schemeClr val="tx1"/>
           </a:solidFill>
@@ -13407,8 +13376,8 @@
           <a:cs typeface="+mn-cs"/>
         </a:defRPr>
       </a:lvl4pPr>
-      <a:lvl5pPr marL="1828800" algn="l" defTabSz="457200" rtl="0" eaLnBrk="1" latinLnBrk="0" hangingPunct="1">
-        <a:defRPr sz="1800" kern="1200">
+      <a:lvl5pPr marL="1828800" algn="l" defTabSz="457200">
+        <a:defRPr sz="1800">
           <a:solidFill>
             <a:schemeClr val="tx1"/>
           </a:solidFill>
@@ -13417,8 +13386,8 @@
           <a:cs typeface="+mn-cs"/>
         </a:defRPr>
       </a:lvl5pPr>
-      <a:lvl6pPr marL="2286000" algn="l" defTabSz="457200" rtl="0" eaLnBrk="1" latinLnBrk="0" hangingPunct="1">
-        <a:defRPr sz="1800" kern="1200">
+      <a:lvl6pPr marL="2286000" algn="l" defTabSz="457200">
+        <a:defRPr sz="1800">
           <a:solidFill>
             <a:schemeClr val="tx1"/>
           </a:solidFill>
@@ -13427,8 +13396,8 @@
           <a:cs typeface="+mn-cs"/>
         </a:defRPr>
       </a:lvl6pPr>
-      <a:lvl7pPr marL="2743200" algn="l" defTabSz="457200" rtl="0" eaLnBrk="1" latinLnBrk="0" hangingPunct="1">
-        <a:defRPr sz="1800" kern="1200">
+      <a:lvl7pPr marL="2743200" algn="l" defTabSz="457200">
+        <a:defRPr sz="1800">
           <a:solidFill>
             <a:schemeClr val="tx1"/>
           </a:solidFill>
@@ -13437,8 +13406,8 @@
           <a:cs typeface="+mn-cs"/>
         </a:defRPr>
       </a:lvl7pPr>
-      <a:lvl8pPr marL="3200400" algn="l" defTabSz="457200" rtl="0" eaLnBrk="1" latinLnBrk="0" hangingPunct="1">
-        <a:defRPr sz="1800" kern="1200">
+      <a:lvl8pPr marL="3200400" algn="l" defTabSz="457200">
+        <a:defRPr sz="1800">
           <a:solidFill>
             <a:schemeClr val="tx1"/>
           </a:solidFill>
@@ -13447,8 +13416,8 @@
           <a:cs typeface="+mn-cs"/>
         </a:defRPr>
       </a:lvl8pPr>
-      <a:lvl9pPr marL="3657600" algn="l" defTabSz="457200" rtl="0" eaLnBrk="1" latinLnBrk="0" hangingPunct="1">
-        <a:defRPr sz="1800" kern="1200">
+      <a:lvl9pPr marL="3657600" algn="l" defTabSz="457200">
+        <a:defRPr sz="1800">
           <a:solidFill>
             <a:schemeClr val="tx1"/>
           </a:solidFill>
@@ -13463,15 +13432,15 @@
 </file>
 
 <file path=ppt/slides/slide1.xml><?xml version="1.0" encoding="utf-8"?>
-<p:sld xmlns:a="http://schemas.openxmlformats.org/drawingml/2006/main" xmlns:r="http://schemas.openxmlformats.org/officeDocument/2006/relationships" xmlns:p="http://schemas.openxmlformats.org/presentationml/2006/main">
-  <p:cSld>
+<p:sld xmlns:a="http://schemas.openxmlformats.org/drawingml/2006/main" xmlns:r="http://schemas.openxmlformats.org/officeDocument/2006/relationships" xmlns:p="http://schemas.openxmlformats.org/presentationml/2006/main" xmlns:m="http://schemas.openxmlformats.org/officeDocument/2006/math" xmlns:w="http://schemas.openxmlformats.org/wordprocessingml/2006/main" showMasterPhAnim="0" show="1">
+  <p:cSld name="">
     <p:spTree>
       <p:nvGrpSpPr>
         <p:cNvPr id="1" name=""/>
         <p:cNvGrpSpPr/>
         <p:nvPr/>
       </p:nvGrpSpPr>
-      <p:grpSpPr>
+      <p:grpSpPr bwMode="auto">
         <a:xfrm>
           <a:off x="0" y="0"/>
           <a:ext cx="0" cy="0"/>
@@ -13489,16 +13458,19 @@
             <p:ph type="ctrTitle"/>
           </p:nvPr>
         </p:nvSpPr>
-        <p:spPr/>
+        <p:spPr bwMode="auto"/>
         <p:txBody>
           <a:bodyPr/>
           <a:lstStyle/>
           <a:p>
+            <a:pPr>
+              <a:defRPr/>
+            </a:pPr>
             <a:r>
-              <a:rPr lang="en-US" dirty="0" smtClean="0"/>
+              <a:rPr lang="en-US"/>
               <a:t>Navigation Group</a:t>
             </a:r>
-            <a:endParaRPr lang="en-US" dirty="0"/>
+            <a:endParaRPr lang="en-US"/>
           </a:p>
         </p:txBody>
       </p:sp>
@@ -13512,38 +13484,36 @@
             <p:ph type="subTitle" idx="1"/>
           </p:nvPr>
         </p:nvSpPr>
-        <p:spPr/>
+        <p:spPr bwMode="auto"/>
         <p:txBody>
           <a:bodyPr/>
           <a:lstStyle/>
           <a:p>
+            <a:pPr>
+              <a:defRPr/>
+            </a:pPr>
             <a:r>
-              <a:rPr lang="en-US" dirty="0" smtClean="0"/>
+              <a:rPr lang="en-US"/>
               <a:t>Week Two progress</a:t>
             </a:r>
-            <a:endParaRPr lang="en-US" dirty="0"/>
+            <a:endParaRPr lang="en-US"/>
           </a:p>
         </p:txBody>
       </p:sp>
     </p:spTree>
-    <p:extLst>
-      <p:ext uri="{BB962C8B-B14F-4D97-AF65-F5344CB8AC3E}">
-        <p14:creationId xmlns:p14="http://schemas.microsoft.com/office/powerpoint/2010/main" val="1925861365"/>
-      </p:ext>
-    </p:extLst>
   </p:cSld>
   <p:clrMapOvr>
     <a:masterClrMapping/>
   </p:clrMapOvr>
   <mc:AlternateContent xmlns:mc="http://schemas.openxmlformats.org/markup-compatibility/2006">
     <mc:Choice xmlns:p14="http://schemas.microsoft.com/office/powerpoint/2010/main" Requires="p14">
-      <p:transition spd="med" p14:dur="700">
-        <p:fade/>
+      <p:transition spd="med" p14:dur="700" advClick="1">
+        <p:fade thruBlk="0"/>
       </p:transition>
     </mc:Choice>
     <mc:Fallback>
-      <p:transition spd="med">
-        <p:fade/>
+      <p:transition spd="med" advClick="1">
+        <p:fade thruBlk="0"/>
       </p:transition>
     </mc:Fallback>
   </mc:AlternateContent>
@@ -13558,15 +13528,15 @@
 </file>
 
 <file path=ppt/slides/slide2.xml><?xml version="1.0" encoding="utf-8"?>
-<p:sld xmlns:a="http://schemas.openxmlformats.org/drawingml/2006/main" xmlns:r="http://schemas.openxmlformats.org/officeDocument/2006/relationships" xmlns:p="http://schemas.openxmlformats.org/presentationml/2006/main">
-  <p:cSld>
+<p:sld xmlns:a="http://schemas.openxmlformats.org/drawingml/2006/main" xmlns:r="http://schemas.openxmlformats.org/officeDocument/2006/relationships" xmlns:p="http://schemas.openxmlformats.org/presentationml/2006/main" xmlns:m="http://schemas.openxmlformats.org/officeDocument/2006/math" xmlns:w="http://schemas.openxmlformats.org/wordprocessingml/2006/main" showMasterPhAnim="0" show="1">
+  <p:cSld name="">
     <p:spTree>
       <p:nvGrpSpPr>
         <p:cNvPr id="1" name=""/>
         <p:cNvGrpSpPr/>
         <p:nvPr/>
       </p:nvGrpSpPr>
-      <p:grpSpPr>
+      <p:grpSpPr bwMode="auto">
         <a:xfrm>
           <a:off x="0" y="0"/>
           <a:ext cx="0" cy="0"/>
@@ -13584,16 +13554,19 @@
             <p:ph type="title"/>
           </p:nvPr>
         </p:nvSpPr>
-        <p:spPr/>
+        <p:spPr bwMode="auto"/>
         <p:txBody>
           <a:bodyPr/>
           <a:lstStyle/>
           <a:p>
+            <a:pPr>
+              <a:defRPr/>
+            </a:pPr>
             <a:r>
-              <a:rPr lang="en-US" dirty="0" smtClean="0"/>
+              <a:rPr lang="en-US"/>
               <a:t>Members update</a:t>
             </a:r>
-            <a:endParaRPr lang="en-US" dirty="0"/>
+            <a:endParaRPr lang="en-US"/>
           </a:p>
         </p:txBody>
       </p:sp>
@@ -13607,132 +13580,142 @@
             <p:ph idx="1"/>
           </p:nvPr>
         </p:nvSpPr>
-        <p:spPr/>
+        <p:spPr bwMode="auto"/>
         <p:txBody>
           <a:bodyPr/>
           <a:lstStyle/>
           <a:p>
+            <a:pPr>
+              <a:defRPr/>
+            </a:pPr>
             <a:r>
-              <a:rPr lang="en-US" dirty="0"/>
+              <a:rPr lang="en-US"/>
               <a:t>W</a:t>
             </a:r>
             <a:r>
-              <a:rPr lang="en-US" dirty="0" smtClean="0"/>
+              <a:rPr lang="en-US"/>
               <a:t>e </a:t>
             </a:r>
             <a:r>
-              <a:rPr lang="en-US" dirty="0" smtClean="0"/>
+              <a:rPr lang="en-US"/>
               <a:t>resumed the third week with </a:t>
             </a:r>
             <a:r>
-              <a:rPr lang="en-US" dirty="0" err="1" smtClean="0"/>
+              <a:rPr lang="en-US"/>
               <a:t>Eucabeth</a:t>
             </a:r>
             <a:r>
-              <a:rPr lang="en-US" dirty="0" smtClean="0"/>
+              <a:rPr lang="en-US"/>
               <a:t> dropping from the project but got Waka joining us</a:t>
             </a:r>
             <a:r>
-              <a:rPr lang="en-US" dirty="0" smtClean="0"/>
+              <a:rPr lang="en-US"/>
               <a:t>.</a:t>
             </a:r>
-          </a:p>
-          <a:p>
+            <a:endParaRPr/>
+          </a:p>
+          <a:p>
+            <a:pPr>
+              <a:defRPr/>
+            </a:pPr>
             <a:r>
-              <a:rPr lang="en-US" dirty="0" smtClean="0"/>
+              <a:rPr lang="en-US"/>
               <a:t>Updated list of members;</a:t>
             </a:r>
+            <a:endParaRPr/>
           </a:p>
           <a:p>
             <a:pPr marL="514350" indent="-514350">
               <a:buFont typeface="+mj-lt"/>
               <a:buAutoNum type="arabicPeriod"/>
+              <a:defRPr/>
             </a:pPr>
             <a:r>
-              <a:rPr lang="en-US" dirty="0" smtClean="0"/>
+              <a:rPr lang="en-US"/>
               <a:t>Dennis </a:t>
             </a:r>
             <a:r>
-              <a:rPr lang="en-US" dirty="0" err="1" smtClean="0"/>
+              <a:rPr lang="en-US"/>
               <a:t>Bundi</a:t>
             </a:r>
             <a:r>
-              <a:rPr lang="en-US" dirty="0" smtClean="0"/>
+              <a:rPr lang="en-US"/>
               <a:t>.</a:t>
             </a:r>
+            <a:endParaRPr/>
           </a:p>
           <a:p>
             <a:pPr marL="514350" indent="-514350">
               <a:buFont typeface="+mj-lt"/>
               <a:buAutoNum type="arabicPeriod"/>
+              <a:defRPr/>
             </a:pPr>
             <a:r>
-              <a:rPr lang="en-US" dirty="0" smtClean="0"/>
+              <a:rPr lang="en-US"/>
               <a:t>Charles </a:t>
             </a:r>
             <a:r>
-              <a:rPr lang="en-US" dirty="0" err="1" smtClean="0"/>
+              <a:rPr lang="en-US"/>
               <a:t>Otieno</a:t>
             </a:r>
             <a:r>
-              <a:rPr lang="en-US" dirty="0" smtClean="0"/>
+              <a:rPr lang="en-US"/>
               <a:t>.</a:t>
             </a:r>
+            <a:endParaRPr/>
           </a:p>
           <a:p>
             <a:pPr marL="514350" indent="-514350">
               <a:buFont typeface="+mj-lt"/>
               <a:buAutoNum type="arabicPeriod"/>
+              <a:defRPr/>
             </a:pPr>
             <a:r>
-              <a:rPr lang="en-US" dirty="0" err="1" smtClean="0"/>
+              <a:rPr lang="en-US"/>
               <a:t>Kiragu</a:t>
             </a:r>
             <a:r>
-              <a:rPr lang="en-US" dirty="0" smtClean="0"/>
+              <a:rPr lang="en-US"/>
               <a:t> </a:t>
             </a:r>
             <a:r>
-              <a:rPr lang="en-US" dirty="0" err="1" smtClean="0"/>
+              <a:rPr lang="en-US"/>
               <a:t>Maina</a:t>
             </a:r>
             <a:r>
-              <a:rPr lang="en-US" dirty="0" smtClean="0"/>
+              <a:rPr lang="en-US"/>
               <a:t>.</a:t>
             </a:r>
+            <a:endParaRPr/>
           </a:p>
           <a:p>
             <a:pPr marL="514350" indent="-514350">
               <a:buFont typeface="+mj-lt"/>
               <a:buAutoNum type="arabicPeriod"/>
+              <a:defRPr/>
             </a:pPr>
             <a:r>
-              <a:rPr lang="en-US" dirty="0" smtClean="0"/>
+              <a:rPr lang="en-US"/>
               <a:t>Omar Waka.</a:t>
             </a:r>
-            <a:endParaRPr lang="en-US" dirty="0"/>
+            <a:endParaRPr lang="en-US"/>
           </a:p>
         </p:txBody>
       </p:sp>
     </p:spTree>
-    <p:extLst>
-      <p:ext uri="{BB962C8B-B14F-4D97-AF65-F5344CB8AC3E}">
-        <p14:creationId xmlns:p14="http://schemas.microsoft.com/office/powerpoint/2010/main" val="2898369592"/>
-      </p:ext>
-    </p:extLst>
   </p:cSld>
   <p:clrMapOvr>
     <a:masterClrMapping/>
   </p:clrMapOvr>
   <mc:AlternateContent xmlns:mc="http://schemas.openxmlformats.org/markup-compatibility/2006">
     <mc:Choice xmlns:p14="http://schemas.microsoft.com/office/powerpoint/2010/main" Requires="p14">
-      <p:transition spd="med" p14:dur="700">
-        <p:fade/>
+      <p:transition spd="med" p14:dur="700" advClick="1">
+        <p:fade thruBlk="0"/>
       </p:transition>
     </mc:Choice>
     <mc:Fallback>
-      <p:transition spd="med">
-        <p:fade/>
+      <p:transition spd="med" advClick="1">
+        <p:fade thruBlk="0"/>
       </p:transition>
     </mc:Fallback>
   </mc:AlternateContent>
@@ -13747,15 +13730,15 @@
 </file>
 
 <file path=ppt/slides/slide3.xml><?xml version="1.0" encoding="utf-8"?>
-<p:sld xmlns:a="http://schemas.openxmlformats.org/drawingml/2006/main" xmlns:r="http://schemas.openxmlformats.org/officeDocument/2006/relationships" xmlns:p="http://schemas.openxmlformats.org/presentationml/2006/main">
-  <p:cSld>
+<p:sld xmlns:a="http://schemas.openxmlformats.org/drawingml/2006/main" xmlns:r="http://schemas.openxmlformats.org/officeDocument/2006/relationships" xmlns:p="http://schemas.openxmlformats.org/presentationml/2006/main" xmlns:m="http://schemas.openxmlformats.org/officeDocument/2006/math" xmlns:w="http://schemas.openxmlformats.org/wordprocessingml/2006/main" showMasterPhAnim="0" show="1">
+  <p:cSld name="">
     <p:spTree>
       <p:nvGrpSpPr>
         <p:cNvPr id="1" name=""/>
         <p:cNvGrpSpPr/>
         <p:nvPr/>
       </p:nvGrpSpPr>
-      <p:grpSpPr>
+      <p:grpSpPr bwMode="auto">
         <a:xfrm>
           <a:off x="0" y="0"/>
           <a:ext cx="0" cy="0"/>
@@ -13773,16 +13756,19 @@
             <p:ph type="title"/>
           </p:nvPr>
         </p:nvSpPr>
-        <p:spPr/>
+        <p:spPr bwMode="auto"/>
         <p:txBody>
           <a:bodyPr/>
           <a:lstStyle/>
           <a:p>
+            <a:pPr>
+              <a:defRPr/>
+            </a:pPr>
             <a:r>
-              <a:rPr lang="en-US" dirty="0" smtClean="0"/>
+              <a:rPr lang="en-US"/>
               <a:t>Project test robot assembly</a:t>
             </a:r>
-            <a:endParaRPr lang="en-US" dirty="0"/>
+            <a:endParaRPr lang="en-US"/>
           </a:p>
         </p:txBody>
       </p:sp>
@@ -13796,20 +13782,23 @@
             <p:ph idx="1"/>
           </p:nvPr>
         </p:nvSpPr>
-        <p:spPr/>
+        <p:spPr bwMode="auto"/>
         <p:txBody>
           <a:bodyPr/>
           <a:lstStyle/>
           <a:p>
+            <a:pPr>
+              <a:defRPr/>
+            </a:pPr>
             <a:r>
-              <a:rPr lang="en-US" dirty="0" smtClean="0"/>
+              <a:rPr lang="en-US"/>
               <a:t>We successfully assembled the test robot and performed tests on the obstacle avoidance </a:t>
             </a:r>
             <a:r>
-              <a:rPr lang="en-US" dirty="0" smtClean="0"/>
+              <a:rPr lang="en-US"/>
               <a:t>course. Uploading of code. And sensor calibration as well as motor driver speed control.</a:t>
             </a:r>
-            <a:endParaRPr lang="en-US" dirty="0"/>
+            <a:endParaRPr lang="en-US"/>
           </a:p>
         </p:txBody>
       </p:sp>
@@ -13822,18 +13811,10 @@
           <p:nvPr/>
         </p:nvPicPr>
         <p:blipFill>
-          <a:blip r:embed="rId2" cstate="print">
-            <a:extLst>
-              <a:ext uri="{28A0092B-C50C-407E-A947-70E740481C1C}">
-                <a14:useLocalDpi xmlns:a14="http://schemas.microsoft.com/office/drawing/2010/main" val="0"/>
-              </a:ext>
-            </a:extLst>
-          </a:blip>
-          <a:stretch>
-            <a:fillRect/>
-          </a:stretch>
+          <a:blip r:embed="rId2"/>
+          <a:stretch/>
         </p:blipFill>
-        <p:spPr>
+        <p:spPr bwMode="auto">
           <a:xfrm>
             <a:off x="734094" y="3437915"/>
             <a:ext cx="4709375" cy="2173558"/>
@@ -13852,18 +13833,10 @@
           <p:nvPr/>
         </p:nvPicPr>
         <p:blipFill>
-          <a:blip r:embed="rId3" cstate="print">
-            <a:extLst>
-              <a:ext uri="{28A0092B-C50C-407E-A947-70E740481C1C}">
-                <a14:useLocalDpi xmlns:a14="http://schemas.microsoft.com/office/drawing/2010/main" val="0"/>
-              </a:ext>
-            </a:extLst>
-          </a:blip>
-          <a:stretch>
-            <a:fillRect/>
-          </a:stretch>
+          <a:blip r:embed="rId3"/>
+          <a:stretch/>
         </p:blipFill>
-        <p:spPr>
+        <p:spPr bwMode="auto">
           <a:xfrm>
             <a:off x="6115316" y="3437916"/>
             <a:ext cx="4548391" cy="2173558"/>
@@ -13874,24 +13847,19 @@
         </p:spPr>
       </p:pic>
     </p:spTree>
-    <p:extLst>
-      <p:ext uri="{BB962C8B-B14F-4D97-AF65-F5344CB8AC3E}">
-        <p14:creationId xmlns:p14="http://schemas.microsoft.com/office/powerpoint/2010/main" val="2117100775"/>
-      </p:ext>
-    </p:extLst>
   </p:cSld>
   <p:clrMapOvr>
     <a:masterClrMapping/>
   </p:clrMapOvr>
   <mc:AlternateContent xmlns:mc="http://schemas.openxmlformats.org/markup-compatibility/2006">
     <mc:Choice xmlns:p14="http://schemas.microsoft.com/office/powerpoint/2010/main" Requires="p14">
-      <p:transition spd="med" p14:dur="700">
-        <p:fade/>
+      <p:transition spd="med" p14:dur="700" advClick="1">
+        <p:fade thruBlk="0"/>
       </p:transition>
     </mc:Choice>
     <mc:Fallback>
-      <p:transition spd="med">
-        <p:fade/>
+      <p:transition spd="med" advClick="1">
+        <p:fade thruBlk="0"/>
       </p:transition>
     </mc:Fallback>
   </mc:AlternateContent>
@@ -13906,15 +13874,15 @@
 </file>
 
 <file path=ppt/slides/slide4.xml><?xml version="1.0" encoding="utf-8"?>
-<p:sld xmlns:a="http://schemas.openxmlformats.org/drawingml/2006/main" xmlns:r="http://schemas.openxmlformats.org/officeDocument/2006/relationships" xmlns:p="http://schemas.openxmlformats.org/presentationml/2006/main">
-  <p:cSld>
+<p:sld xmlns:a="http://schemas.openxmlformats.org/drawingml/2006/main" xmlns:r="http://schemas.openxmlformats.org/officeDocument/2006/relationships" xmlns:p="http://schemas.openxmlformats.org/presentationml/2006/main" xmlns:m="http://schemas.openxmlformats.org/officeDocument/2006/math" xmlns:w="http://schemas.openxmlformats.org/wordprocessingml/2006/main" showMasterPhAnim="0" show="1">
+  <p:cSld name="">
     <p:spTree>
       <p:nvGrpSpPr>
         <p:cNvPr id="1" name=""/>
         <p:cNvGrpSpPr/>
         <p:nvPr/>
       </p:nvGrpSpPr>
-      <p:grpSpPr>
+      <p:grpSpPr bwMode="auto">
         <a:xfrm>
           <a:off x="0" y="0"/>
           <a:ext cx="0" cy="0"/>
@@ -13932,16 +13900,19 @@
             <p:ph type="title"/>
           </p:nvPr>
         </p:nvSpPr>
-        <p:spPr/>
+        <p:spPr bwMode="auto"/>
         <p:txBody>
           <a:bodyPr/>
           <a:lstStyle/>
           <a:p>
+            <a:pPr>
+              <a:defRPr/>
+            </a:pPr>
             <a:r>
-              <a:rPr lang="en-US" dirty="0" smtClean="0"/>
+              <a:rPr lang="en-US"/>
               <a:t>Project Progress</a:t>
             </a:r>
-            <a:endParaRPr lang="en-US" dirty="0"/>
+            <a:endParaRPr lang="en-US"/>
           </a:p>
         </p:txBody>
       </p:sp>
@@ -13955,44 +13926,46 @@
             <p:ph idx="1"/>
           </p:nvPr>
         </p:nvSpPr>
-        <p:spPr/>
+        <p:spPr bwMode="auto"/>
         <p:txBody>
           <a:bodyPr/>
           <a:lstStyle/>
           <a:p>
+            <a:pPr>
+              <a:defRPr/>
+            </a:pPr>
             <a:r>
-              <a:rPr lang="en-US" dirty="0" smtClean="0"/>
+              <a:rPr lang="en-US"/>
               <a:t>We have successful completed the obstacle avoidance crash tests and moving to the GPS geo-positioning. It is needed to have a magnetometer to give the exact orientation of the robot before inputting of the X,Y,Z co-ordinates.</a:t>
             </a:r>
-          </a:p>
-          <a:p>
+            <a:endParaRPr/>
+          </a:p>
+          <a:p>
+            <a:pPr>
+              <a:defRPr/>
+            </a:pPr>
             <a:r>
-              <a:rPr lang="en-US" dirty="0" smtClean="0"/>
+              <a:rPr lang="en-US"/>
               <a:t>Hence for the following week progress will be made on the positioning of the robot as the initial instruction and replacement of the obstacle avoidance ultrasonic sensor with the computer vision sensor.</a:t>
             </a:r>
-            <a:endParaRPr lang="en-US" dirty="0"/>
+            <a:endParaRPr lang="en-US"/>
           </a:p>
         </p:txBody>
       </p:sp>
     </p:spTree>
-    <p:extLst>
-      <p:ext uri="{BB962C8B-B14F-4D97-AF65-F5344CB8AC3E}">
-        <p14:creationId xmlns:p14="http://schemas.microsoft.com/office/powerpoint/2010/main" val="2473289538"/>
-      </p:ext>
-    </p:extLst>
   </p:cSld>
   <p:clrMapOvr>
     <a:masterClrMapping/>
   </p:clrMapOvr>
   <mc:AlternateContent xmlns:mc="http://schemas.openxmlformats.org/markup-compatibility/2006">
     <mc:Choice xmlns:p14="http://schemas.microsoft.com/office/powerpoint/2010/main" Requires="p14">
-      <p:transition spd="med" p14:dur="700">
-        <p:fade/>
+      <p:transition spd="med" p14:dur="700" advClick="1">
+        <p:fade thruBlk="0"/>
       </p:transition>
     </mc:Choice>
     <mc:Fallback>
-      <p:transition spd="med">
-        <p:fade/>
+      <p:transition spd="med" advClick="1">
+        <p:fade thruBlk="0"/>
       </p:transition>
     </mc:Fallback>
   </mc:AlternateContent>
@@ -14007,15 +13980,15 @@
 </file>
 
 <file path=ppt/slides/slide5.xml><?xml version="1.0" encoding="utf-8"?>
-<p:sld xmlns:a="http://schemas.openxmlformats.org/drawingml/2006/main" xmlns:r="http://schemas.openxmlformats.org/officeDocument/2006/relationships" xmlns:p="http://schemas.openxmlformats.org/presentationml/2006/main">
-  <p:cSld>
+<p:sld xmlns:a="http://schemas.openxmlformats.org/drawingml/2006/main" xmlns:r="http://schemas.openxmlformats.org/officeDocument/2006/relationships" xmlns:p="http://schemas.openxmlformats.org/presentationml/2006/main" xmlns:m="http://schemas.openxmlformats.org/officeDocument/2006/math" xmlns:w="http://schemas.openxmlformats.org/wordprocessingml/2006/main" showMasterPhAnim="0" show="1">
+  <p:cSld name="">
     <p:spTree>
       <p:nvGrpSpPr>
         <p:cNvPr id="1" name=""/>
         <p:cNvGrpSpPr/>
         <p:nvPr/>
       </p:nvGrpSpPr>
-      <p:grpSpPr>
+      <p:grpSpPr bwMode="auto">
         <a:xfrm>
           <a:off x="0" y="0"/>
           <a:ext cx="0" cy="0"/>
@@ -14033,16 +14006,19 @@
             <p:ph type="title"/>
           </p:nvPr>
         </p:nvSpPr>
-        <p:spPr/>
+        <p:spPr bwMode="auto"/>
         <p:txBody>
           <a:bodyPr/>
           <a:lstStyle/>
           <a:p>
+            <a:pPr>
+              <a:defRPr/>
+            </a:pPr>
             <a:r>
-              <a:rPr lang="en-US" dirty="0" smtClean="0"/>
+              <a:rPr lang="en-US"/>
               <a:t>Expected result of the following week.</a:t>
             </a:r>
-            <a:endParaRPr lang="en-US" dirty="0"/>
+            <a:endParaRPr lang="en-US"/>
           </a:p>
         </p:txBody>
       </p:sp>
@@ -14056,16 +14032,19 @@
             <p:ph idx="1"/>
           </p:nvPr>
         </p:nvSpPr>
-        <p:spPr/>
+        <p:spPr bwMode="auto"/>
         <p:txBody>
           <a:bodyPr/>
           <a:lstStyle/>
           <a:p>
+            <a:pPr>
+              <a:defRPr/>
+            </a:pPr>
             <a:r>
-              <a:rPr lang="en-US" dirty="0" smtClean="0"/>
-              <a:t>We expect to include the computer vision after finishing tests on the GPS path finding. Computer vision is an obstacle avoidance sensor program that implores the use of infrared signals to identify objects that have been set in its database.</a:t>
+              <a:rPr lang="en-US"/>
+              <a:t>We expect to include the computer vision after finishing tests on the GPS path finding. Computer vision is a field of artificial intelligence(AI) enabling computers to derive information from image and  video inputs.</a:t>
             </a:r>
-            <a:endParaRPr lang="en-US" dirty="0"/>
+            <a:endParaRPr lang="en-US"/>
           </a:p>
         </p:txBody>
       </p:sp>
@@ -14078,18 +14057,10 @@
           <p:nvPr/>
         </p:nvPicPr>
         <p:blipFill>
-          <a:blip r:embed="rId2" cstate="print">
-            <a:extLst>
-              <a:ext uri="{28A0092B-C50C-407E-A947-70E740481C1C}">
-                <a14:useLocalDpi xmlns:a14="http://schemas.microsoft.com/office/drawing/2010/main" val="0"/>
-              </a:ext>
-            </a:extLst>
-          </a:blip>
-          <a:stretch>
-            <a:fillRect/>
-          </a:stretch>
+          <a:blip r:embed="rId2"/>
+          <a:stretch/>
         </p:blipFill>
-        <p:spPr>
+        <p:spPr bwMode="auto">
           <a:xfrm>
             <a:off x="3927304" y="3634323"/>
             <a:ext cx="3516685" cy="2677577"/>
@@ -14100,24 +14071,19 @@
         </p:spPr>
       </p:pic>
     </p:spTree>
-    <p:extLst>
-      <p:ext uri="{BB962C8B-B14F-4D97-AF65-F5344CB8AC3E}">
-        <p14:creationId xmlns:p14="http://schemas.microsoft.com/office/powerpoint/2010/main" val="2336660419"/>
-      </p:ext>
-    </p:extLst>
   </p:cSld>
   <p:clrMapOvr>
     <a:masterClrMapping/>
   </p:clrMapOvr>
   <mc:AlternateContent xmlns:mc="http://schemas.openxmlformats.org/markup-compatibility/2006">
     <mc:Choice xmlns:p14="http://schemas.microsoft.com/office/powerpoint/2010/main" Requires="p14">
-      <p:transition spd="med" p14:dur="700">
-        <p:fade/>
+      <p:transition spd="med" p14:dur="700" advClick="1">
+        <p:fade thruBlk="0"/>
       </p:transition>
     </mc:Choice>
     <mc:Fallback>
-      <p:transition spd="med">
-        <p:fade/>
+      <p:transition spd="med" advClick="1">
+        <p:fade thruBlk="0"/>
       </p:transition>
     </mc:Fallback>
   </mc:AlternateContent>
@@ -14132,7 +14098,7 @@
 </file>
 
 <file path=ppt/theme/theme1.xml><?xml version="1.0" encoding="utf-8"?>
-<a:theme xmlns:a="http://schemas.openxmlformats.org/drawingml/2006/main" name="Ion Boardroom">
+<a:theme xmlns:a="http://schemas.openxmlformats.org/drawingml/2006/main" xmlns:r="http://schemas.openxmlformats.org/officeDocument/2006/relationships" xmlns:p="http://schemas.openxmlformats.org/presentationml/2006/main" name="Ion Boardroom">
   <a:themeElements>
     <a:clrScheme name="Violet II">
       <a:dk1>
@@ -14174,74 +14140,14 @@
     </a:clrScheme>
     <a:fontScheme name="Ion Boardroom">
       <a:majorFont>
-        <a:latin typeface="Century Gothic" panose="020B0502020202020204"/>
-        <a:ea typeface=""/>
-        <a:cs typeface=""/>
-        <a:font script="Jpan" typeface="メイリオ"/>
-        <a:font script="Hang" typeface="맑은 고딕"/>
-        <a:font script="Hans" typeface="宋体"/>
-        <a:font script="Hant" typeface="新細明體"/>
-        <a:font script="Arab" typeface="Times New Roman"/>
-        <a:font script="Hebr" typeface="Times New Roman"/>
-        <a:font script="Thai" typeface="Angsana New"/>
-        <a:font script="Ethi" typeface="Nyala"/>
-        <a:font script="Beng" typeface="Vrinda"/>
-        <a:font script="Gujr" typeface="Shruti"/>
-        <a:font script="Khmr" typeface="MoolBoran"/>
-        <a:font script="Knda" typeface="Tunga"/>
-        <a:font script="Guru" typeface="Raavi"/>
-        <a:font script="Cans" typeface="Euphemia"/>
-        <a:font script="Cher" typeface="Plantagenet Cherokee"/>
-        <a:font script="Yiii" typeface="Microsoft Yi Baiti"/>
-        <a:font script="Tibt" typeface="Microsoft Himalaya"/>
-        <a:font script="Thaa" typeface="MV Boli"/>
-        <a:font script="Deva" typeface="Mangal"/>
-        <a:font script="Telu" typeface="Gautami"/>
-        <a:font script="Taml" typeface="Latha"/>
-        <a:font script="Syrc" typeface="Estrangelo Edessa"/>
-        <a:font script="Orya" typeface="Kalinga"/>
-        <a:font script="Mlym" typeface="Kartika"/>
-        <a:font script="Laoo" typeface="DokChampa"/>
-        <a:font script="Sinh" typeface="Iskoola Pota"/>
-        <a:font script="Mong" typeface="Mongolian Baiti"/>
-        <a:font script="Viet" typeface="Times New Roman"/>
-        <a:font script="Uigh" typeface="Microsoft Uighur"/>
-        <a:font script="Geor" typeface="Sylfaen"/>
+        <a:latin typeface="Century Gothic"/>
+        <a:ea typeface="Arial"/>
+        <a:cs typeface="Arial"/>
       </a:majorFont>
       <a:minorFont>
-        <a:latin typeface="Century Gothic" panose="020B0502020202020204"/>
-        <a:ea typeface=""/>
-        <a:cs typeface=""/>
-        <a:font script="Jpan" typeface="メイリオ"/>
-        <a:font script="Hang" typeface="맑은 고딕"/>
-        <a:font script="Hans" typeface="宋体"/>
-        <a:font script="Hant" typeface="新細明體"/>
-        <a:font script="Arab" typeface="Arial"/>
-        <a:font script="Hebr" typeface="Arial"/>
-        <a:font script="Thai" typeface="Cordia New"/>
-        <a:font script="Ethi" typeface="Nyala"/>
-        <a:font script="Beng" typeface="Vrinda"/>
-        <a:font script="Gujr" typeface="Shruti"/>
-        <a:font script="Khmr" typeface="DaunPenh"/>
-        <a:font script="Knda" typeface="Tunga"/>
-        <a:font script="Guru" typeface="Raavi"/>
-        <a:font script="Cans" typeface="Euphemia"/>
-        <a:font script="Cher" typeface="Plantagenet Cherokee"/>
-        <a:font script="Yiii" typeface="Microsoft Yi Baiti"/>
-        <a:font script="Tibt" typeface="Microsoft Himalaya"/>
-        <a:font script="Thaa" typeface="MV Boli"/>
-        <a:font script="Deva" typeface="Mangal"/>
-        <a:font script="Telu" typeface="Gautami"/>
-        <a:font script="Taml" typeface="Latha"/>
-        <a:font script="Syrc" typeface="Estrangelo Edessa"/>
-        <a:font script="Orya" typeface="Kalinga"/>
-        <a:font script="Mlym" typeface="Kartika"/>
-        <a:font script="Laoo" typeface="DokChampa"/>
-        <a:font script="Sinh" typeface="Iskoola Pota"/>
-        <a:font script="Mong" typeface="Mongolian Baiti"/>
-        <a:font script="Viet" typeface="Arial"/>
-        <a:font script="Uigh" typeface="Microsoft Uighur"/>
-        <a:font script="Geor" typeface="Sylfaen"/>
+        <a:latin typeface="Century Gothic"/>
+        <a:ea typeface="Arial"/>
+        <a:cs typeface="Arial"/>
       </a:minorFont>
     </a:fontScheme>
     <a:fmtScheme name="Ion Boardroom">
@@ -14249,7 +14155,7 @@
         <a:solidFill>
           <a:schemeClr val="phClr"/>
         </a:solidFill>
-        <a:gradFill rotWithShape="1">
+        <a:gradFill>
           <a:gsLst>
             <a:gs pos="0">
               <a:schemeClr val="phClr">
@@ -14267,7 +14173,7 @@
           </a:gsLst>
           <a:lin ang="5400000" scaled="0"/>
         </a:gradFill>
-        <a:gradFill rotWithShape="1">
+        <a:gradFill>
           <a:gsLst>
             <a:gs pos="0">
               <a:schemeClr val="phClr">
@@ -14307,41 +14213,38 @@
       </a:lnStyleLst>
       <a:effectStyleLst>
         <a:effectStyle>
-          <a:effectLst/>
-        </a:effectStyle>
-        <a:effectStyle>
           <a:effectLst>
-            <a:outerShdw blurRad="38100" dist="25400" dir="5400000" rotWithShape="0">
+            <a:outerShdw blurRad="40000" dist="20000" dir="5400000" rotWithShape="0">
               <a:srgbClr val="000000">
-                <a:alpha val="45000"/>
+                <a:alpha val="38000"/>
               </a:srgbClr>
             </a:outerShdw>
           </a:effectLst>
         </a:effectStyle>
         <a:effectStyle>
           <a:effectLst>
-            <a:outerShdw blurRad="63500" dist="38100" dir="5400000" rotWithShape="0">
+            <a:outerShdw blurRad="40000" dist="23000" dir="5400000" rotWithShape="0">
               <a:srgbClr val="000000">
-                <a:alpha val="60000"/>
+                <a:alpha val="35000"/>
               </a:srgbClr>
             </a:outerShdw>
           </a:effectLst>
-          <a:scene3d>
-            <a:camera prst="orthographicFront">
-              <a:rot lat="0" lon="0" rev="0"/>
-            </a:camera>
-            <a:lightRig rig="threePt" dir="tl"/>
-          </a:scene3d>
-          <a:sp3d prstMaterial="plastic">
-            <a:bevelT w="0" h="0"/>
-          </a:sp3d>
+        </a:effectStyle>
+        <a:effectStyle>
+          <a:effectLst>
+            <a:outerShdw blurRad="40000" dist="23000" dir="5400000" rotWithShape="0">
+              <a:srgbClr val="000000">
+                <a:alpha val="35000"/>
+              </a:srgbClr>
+            </a:outerShdw>
+          </a:effectLst>
         </a:effectStyle>
       </a:effectStyleLst>
       <a:bgFillStyleLst>
         <a:solidFill>
           <a:schemeClr val="phClr"/>
         </a:solidFill>
-        <a:gradFill rotWithShape="1">
+        <a:gradFill>
           <a:gsLst>
             <a:gs pos="0">
               <a:schemeClr val="phClr">
@@ -14360,12 +14263,10 @@
               </a:schemeClr>
             </a:gs>
           </a:gsLst>
-          <a:path path="circle">
-            <a:fillToRect l="45000" t="65000" r="125000" b="100000"/>
-          </a:path>
+          <a:path path="circle"/>
         </a:gradFill>
-        <a:blipFill rotWithShape="1">
-          <a:blip xmlns:r="http://schemas.openxmlformats.org/officeDocument/2006/relationships" r:embed="rId1">
+        <a:blipFill>
+          <a:blip r:embed="rId1">
             <a:duotone>
               <a:schemeClr val="phClr">
                 <a:shade val="69000"/>
@@ -14386,11 +14287,5 @@
     </a:fmtScheme>
   </a:themeElements>
   <a:objectDefaults/>
-  <a:extraClrSchemeLst/>
-  <a:extLst>
-    <a:ext uri="{05A4C25C-085E-4340-85A3-A5531E510DB2}">
-      <thm15:themeFamily xmlns:thm15="http://schemas.microsoft.com/office/thememl/2012/main" name="Ion Boardroom" id="{FC33163D-4339-46B1-8EED-24C834239D99}" vid="{B8502691-933B-45FE-8764-BA278511EF27}"/>
-    </a:ext>
-  </a:extLst>
 </a:theme>
 </file>
--- a/navigation/jibebe_week_two_progress.pptx
+++ b/navigation/jibebe_week_two_progress.pptx
@@ -10,6 +10,7 @@
     <p:sldId id="258" r:id="rId5"/>
     <p:sldId id="259" r:id="rId6"/>
     <p:sldId id="260" r:id="rId7"/>
+    <p:sldId id="261" r:id="rId8"/>
   </p:sldIdLst>
   <p:sldSz cx="12192000" cy="6858000"/>
   <p:notesSz cx="12192000" cy="6858000"/>
@@ -13928,7 +13929,9 @@
         </p:nvSpPr>
         <p:spPr bwMode="auto"/>
         <p:txBody>
-          <a:bodyPr/>
+          <a:bodyPr vertOverflow="overflow" horzOverflow="overflow" vert="horz" wrap="square" lIns="91440" tIns="45720" rIns="91440" bIns="45720" numCol="1" spcCol="0" rtlCol="0" fromWordArt="0" anchor="t" anchorCtr="0" forceAA="0" upright="0" compatLnSpc="0">
+            <a:normAutofit fontScale="90000" lnSpcReduction="2000"/>
+          </a:bodyPr>
           <a:lstStyle/>
           <a:p>
             <a:pPr>
@@ -13947,6 +13950,97 @@
             <a:r>
               <a:rPr lang="en-US"/>
               <a:t>Hence for the following week progress will be made on the positioning of the robot as the initial instruction and replacement of the obstacle avoidance ultrasonic sensor with the computer vision sensor.</a:t>
+            </a:r>
+            <a:endParaRPr lang="en-US"/>
+          </a:p>
+          <a:p>
+            <a:pPr>
+              <a:defRPr/>
+            </a:pPr>
+            <a:endParaRPr/>
+          </a:p>
+          <a:p>
+            <a:pPr>
+              <a:defRPr/>
+            </a:pPr>
+            <a:r>
+              <a:rPr sz="1100" b="0" i="0" u="sng">
+                <a:solidFill>
+                  <a:srgbClr val="000000"/>
+                </a:solidFill>
+                <a:latin typeface="Arial"/>
+                <a:ea typeface="Arial"/>
+                <a:cs typeface="Arial"/>
+              </a:rPr>
+              <a:t>Challenges</a:t>
+            </a:r>
+            <a:endParaRPr/>
+          </a:p>
+          <a:p>
+            <a:pPr>
+              <a:defRPr/>
+            </a:pPr>
+            <a:r>
+              <a:rPr sz="1100" b="0" i="0" u="none">
+                <a:solidFill>
+                  <a:srgbClr val="000000"/>
+                </a:solidFill>
+                <a:latin typeface="Arial"/>
+                <a:ea typeface="Arial"/>
+                <a:cs typeface="Arial"/>
+              </a:rPr>
+              <a:t>We could not work with the gps as the magnetometer was missing</a:t>
+            </a:r>
+            <a:endParaRPr/>
+          </a:p>
+          <a:p>
+            <a:pPr>
+              <a:defRPr/>
+            </a:pPr>
+            <a:r>
+              <a:rPr sz="1100" b="0" i="0" u="none">
+                <a:solidFill>
+                  <a:srgbClr val="000000"/>
+                </a:solidFill>
+                <a:latin typeface="Arial"/>
+                <a:ea typeface="Arial"/>
+                <a:cs typeface="Arial"/>
+              </a:rPr>
+              <a:t>We realised the ultrasonic sensor could not work in the area of application.</a:t>
+            </a:r>
+            <a:endParaRPr/>
+          </a:p>
+          <a:p>
+            <a:pPr>
+              <a:defRPr/>
+            </a:pPr>
+            <a:r>
+              <a:rPr sz="1100" b="0" i="0" u="none">
+                <a:solidFill>
+                  <a:srgbClr val="000000"/>
+                </a:solidFill>
+                <a:latin typeface="Arial"/>
+                <a:ea typeface="Arial"/>
+                <a:cs typeface="Arial"/>
+              </a:rPr>
+              <a:t>A more appropriate obstacle detection device would be a camera.</a:t>
+            </a:r>
+            <a:endParaRPr/>
+          </a:p>
+          <a:p>
+            <a:pPr>
+              <a:defRPr/>
+            </a:pPr>
+            <a:r>
+              <a:rPr sz="1100" b="0" i="0" u="none">
+                <a:solidFill>
+                  <a:srgbClr val="000000"/>
+                </a:solidFill>
+                <a:latin typeface="Arial"/>
+                <a:ea typeface="Arial"/>
+                <a:cs typeface="Arial"/>
+              </a:rPr>
+              <a:t>Power. For testing we used a power adapter which limited the robots movement. Rechargeable would be more suited to the task.</a:t>
             </a:r>
             <a:endParaRPr lang="en-US"/>
           </a:p>
@@ -13980,6 +14074,184 @@
 </file>
 
 <file path=ppt/slides/slide5.xml><?xml version="1.0" encoding="utf-8"?>
+<p:sld xmlns:a="http://schemas.openxmlformats.org/drawingml/2006/main" xmlns:r="http://schemas.openxmlformats.org/officeDocument/2006/relationships" xmlns:p="http://schemas.openxmlformats.org/presentationml/2006/main" xmlns:m="http://schemas.openxmlformats.org/officeDocument/2006/math" xmlns:w="http://schemas.openxmlformats.org/wordprocessingml/2006/main" showMasterPhAnim="0" show="1">
+  <p:cSld name="">
+    <p:spTree>
+      <p:nvGrpSpPr>
+        <p:cNvPr id="1" name=""/>
+        <p:cNvGrpSpPr/>
+        <p:nvPr/>
+      </p:nvGrpSpPr>
+      <p:grpSpPr bwMode="auto">
+        <a:xfrm>
+          <a:off x="0" y="0"/>
+          <a:ext cx="0" cy="0"/>
+          <a:chOff x="0" y="0"/>
+          <a:chExt cx="0" cy="0"/>
+        </a:xfrm>
+      </p:grpSpPr>
+      <p:sp>
+        <p:nvSpPr>
+          <p:cNvPr id="1549568754" name="Title 1"/>
+          <p:cNvSpPr>
+            <a:spLocks noGrp="1"/>
+          </p:cNvSpPr>
+          <p:nvPr>
+            <p:ph type="title"/>
+          </p:nvPr>
+        </p:nvSpPr>
+        <p:spPr bwMode="auto"/>
+        <p:txBody>
+          <a:bodyPr/>
+          <a:lstStyle/>
+          <a:p>
+            <a:pPr>
+              <a:defRPr/>
+            </a:pPr>
+            <a:r>
+              <a:rPr/>
+              <a:t>Challenges</a:t>
+            </a:r>
+            <a:endParaRPr/>
+          </a:p>
+        </p:txBody>
+      </p:sp>
+      <p:sp>
+        <p:nvSpPr>
+          <p:cNvPr id="1263787648" name="Content Placeholder 2"/>
+          <p:cNvSpPr>
+            <a:spLocks noGrp="1"/>
+          </p:cNvSpPr>
+          <p:nvPr>
+            <p:ph idx="1"/>
+          </p:nvPr>
+        </p:nvSpPr>
+        <p:spPr bwMode="auto">
+          <a:xfrm>
+            <a:off x="1154953" y="2603499"/>
+            <a:ext cx="8825658" cy="3416299"/>
+          </a:xfrm>
+        </p:spPr>
+        <p:txBody>
+          <a:bodyPr/>
+          <a:lstStyle/>
+          <a:p>
+            <a:pPr>
+              <a:defRPr/>
+            </a:pPr>
+            <a:endParaRPr/>
+          </a:p>
+          <a:p>
+            <a:pPr marL="0" indent="0">
+              <a:buClr>
+                <a:schemeClr val="accent1"/>
+              </a:buClr>
+              <a:buSzPct val="80000"/>
+              <a:buFont typeface="Wingdings 3"/>
+              <a:buNone/>
+              <a:defRPr/>
+            </a:pPr>
+            <a:endParaRPr/>
+          </a:p>
+          <a:p>
+            <a:pPr>
+              <a:defRPr/>
+            </a:pPr>
+            <a:r>
+              <a:rPr sz="2000" b="0" i="0" u="none">
+                <a:solidFill>
+                  <a:srgbClr val="000000"/>
+                </a:solidFill>
+                <a:latin typeface="Times New Roman"/>
+                <a:ea typeface="Arial"/>
+                <a:cs typeface="Times New Roman"/>
+              </a:rPr>
+              <a:t>We could not work with the gps as the magnetometer was missing</a:t>
+            </a:r>
+            <a:endParaRPr sz="2000">
+              <a:latin typeface="Times New Roman"/>
+              <a:cs typeface="Times New Roman"/>
+            </a:endParaRPr>
+          </a:p>
+          <a:p>
+            <a:pPr>
+              <a:defRPr/>
+            </a:pPr>
+            <a:r>
+              <a:rPr sz="2000" b="0" i="0" u="none">
+                <a:solidFill>
+                  <a:srgbClr val="000000"/>
+                </a:solidFill>
+                <a:latin typeface="Times New Roman"/>
+                <a:ea typeface="Arial"/>
+                <a:cs typeface="Times New Roman"/>
+              </a:rPr>
+              <a:t>We realised the ultrasonic sensor could not work in the area of application.</a:t>
+            </a:r>
+            <a:endParaRPr sz="2000">
+              <a:latin typeface="Times New Roman"/>
+              <a:cs typeface="Times New Roman"/>
+            </a:endParaRPr>
+          </a:p>
+          <a:p>
+            <a:pPr>
+              <a:defRPr/>
+            </a:pPr>
+            <a:r>
+              <a:rPr sz="2000" b="0" i="0" u="none">
+                <a:solidFill>
+                  <a:srgbClr val="000000"/>
+                </a:solidFill>
+                <a:latin typeface="Times New Roman"/>
+                <a:ea typeface="Arial"/>
+                <a:cs typeface="Times New Roman"/>
+              </a:rPr>
+              <a:t>A more appropriate obstacle detection device would be a camera.</a:t>
+            </a:r>
+            <a:endParaRPr sz="2000">
+              <a:latin typeface="Times New Roman"/>
+              <a:cs typeface="Times New Roman"/>
+            </a:endParaRPr>
+          </a:p>
+          <a:p>
+            <a:pPr>
+              <a:defRPr/>
+            </a:pPr>
+            <a:r>
+              <a:rPr sz="2000" b="0" i="0" u="none">
+                <a:solidFill>
+                  <a:srgbClr val="000000"/>
+                </a:solidFill>
+                <a:latin typeface="Times New Roman"/>
+                <a:ea typeface="Arial"/>
+                <a:cs typeface="Times New Roman"/>
+              </a:rPr>
+              <a:t>Power. For testing we used a power adapter which limited the robots movement. Rechargeable would be more suited to the task.</a:t>
+            </a:r>
+            <a:endParaRPr>
+              <a:latin typeface="Times New Roman"/>
+              <a:cs typeface="Times New Roman"/>
+            </a:endParaRPr>
+          </a:p>
+        </p:txBody>
+      </p:sp>
+    </p:spTree>
+  </p:cSld>
+  <p:clrMapOvr>
+    <a:masterClrMapping/>
+  </p:clrMapOvr>
+  <mc:AlternateContent xmlns:mc="http://schemas.openxmlformats.org/markup-compatibility/2006">
+    <mc:Choice xmlns:p14="http://schemas.microsoft.com/office/powerpoint/2010/main" Requires="p14">
+      <p:transition p14:dur="2000" advClick="1"/>
+    </mc:Choice>
+    <mc:Fallback>
+      <p:transition advClick="1"/>
+    </mc:Fallback>
+  </mc:AlternateContent>
+</p:sld>
+</file>
+
+<file path=ppt/slides/slide6.xml><?xml version="1.0" encoding="utf-8"?>
 <p:sld xmlns:a="http://schemas.openxmlformats.org/drawingml/2006/main" xmlns:r="http://schemas.openxmlformats.org/officeDocument/2006/relationships" xmlns:p="http://schemas.openxmlformats.org/presentationml/2006/main" xmlns:m="http://schemas.openxmlformats.org/officeDocument/2006/math" xmlns:w="http://schemas.openxmlformats.org/wordprocessingml/2006/main" showMasterPhAnim="0" show="1">
   <p:cSld name="">
     <p:spTree>

--- a/navigation/jibebe_week_two_progress.pptx
+++ b/navigation/jibebe_week_two_progress.pptx
@@ -11,6 +11,7 @@
     <p:sldId id="259" r:id="rId6"/>
     <p:sldId id="260" r:id="rId7"/>
     <p:sldId id="261" r:id="rId8"/>
+    <p:sldId id="262" r:id="rId9"/>
   </p:sldIdLst>
   <p:sldSz cx="12192000" cy="6858000"/>
   <p:notesSz cx="12192000" cy="6858000"/>
@@ -13930,7 +13931,7 @@
         <p:spPr bwMode="auto"/>
         <p:txBody>
           <a:bodyPr vertOverflow="overflow" horzOverflow="overflow" vert="horz" wrap="square" lIns="91440" tIns="45720" rIns="91440" bIns="45720" numCol="1" spcCol="0" rtlCol="0" fromWordArt="0" anchor="t" anchorCtr="0" forceAA="0" upright="0" compatLnSpc="0">
-            <a:normAutofit fontScale="90000" lnSpcReduction="2000"/>
+            <a:normAutofit/>
           </a:bodyPr>
           <a:lstStyle/>
           <a:p>
@@ -13939,9 +13940,37 @@
             </a:pPr>
             <a:r>
               <a:rPr lang="en-US"/>
-              <a:t>We have successful completed the obstacle avoidance crash tests and moving to the GPS geo-positioning. It is needed to have a magnetometer to give the exact orientation of the robot before inputting of the X,Y,Z co-ordinates.</a:t>
+              <a:t>We have successful completed the obstacle avoidance crash tests and moving to the GPS geo-positioning. </a:t>
             </a:r>
+            <a:endParaRPr lang="en-US"/>
+          </a:p>
+          <a:p>
+            <a:pPr marL="0" indent="0">
+              <a:buClr>
+                <a:schemeClr val="accent1"/>
+              </a:buClr>
+              <a:buSzPct val="80000"/>
+              <a:buFont typeface="Wingdings 3"/>
+              <a:buNone/>
+              <a:defRPr/>
+            </a:pPr>
+            <a:endParaRPr lang="en-US"/>
+          </a:p>
+          <a:p>
+            <a:pPr>
+              <a:defRPr/>
+            </a:pPr>
             <a:endParaRPr/>
+          </a:p>
+          <a:p>
+            <a:pPr>
+              <a:defRPr/>
+            </a:pPr>
+            <a:r>
+              <a:rPr lang="en-US"/>
+              <a:t>It is needed to have a magnetometer to give the exact orientation of the robot before inputting of the X,Y,Z co-ordinates.</a:t>
+            </a:r>
+            <a:endParaRPr lang="en-US"/>
           </a:p>
           <a:p>
             <a:pPr>
@@ -13954,95 +13983,16 @@
             <a:endParaRPr lang="en-US"/>
           </a:p>
           <a:p>
-            <a:pPr>
+            <a:pPr marL="0" indent="0">
+              <a:buClr>
+                <a:schemeClr val="accent1"/>
+              </a:buClr>
+              <a:buSzPct val="80000"/>
+              <a:buFont typeface="Wingdings 3"/>
+              <a:buNone/>
               <a:defRPr/>
             </a:pPr>
             <a:endParaRPr/>
-          </a:p>
-          <a:p>
-            <a:pPr>
-              <a:defRPr/>
-            </a:pPr>
-            <a:r>
-              <a:rPr sz="1100" b="0" i="0" u="sng">
-                <a:solidFill>
-                  <a:srgbClr val="000000"/>
-                </a:solidFill>
-                <a:latin typeface="Arial"/>
-                <a:ea typeface="Arial"/>
-                <a:cs typeface="Arial"/>
-              </a:rPr>
-              <a:t>Challenges</a:t>
-            </a:r>
-            <a:endParaRPr/>
-          </a:p>
-          <a:p>
-            <a:pPr>
-              <a:defRPr/>
-            </a:pPr>
-            <a:r>
-              <a:rPr sz="1100" b="0" i="0" u="none">
-                <a:solidFill>
-                  <a:srgbClr val="000000"/>
-                </a:solidFill>
-                <a:latin typeface="Arial"/>
-                <a:ea typeface="Arial"/>
-                <a:cs typeface="Arial"/>
-              </a:rPr>
-              <a:t>We could not work with the gps as the magnetometer was missing</a:t>
-            </a:r>
-            <a:endParaRPr/>
-          </a:p>
-          <a:p>
-            <a:pPr>
-              <a:defRPr/>
-            </a:pPr>
-            <a:r>
-              <a:rPr sz="1100" b="0" i="0" u="none">
-                <a:solidFill>
-                  <a:srgbClr val="000000"/>
-                </a:solidFill>
-                <a:latin typeface="Arial"/>
-                <a:ea typeface="Arial"/>
-                <a:cs typeface="Arial"/>
-              </a:rPr>
-              <a:t>We realised the ultrasonic sensor could not work in the area of application.</a:t>
-            </a:r>
-            <a:endParaRPr/>
-          </a:p>
-          <a:p>
-            <a:pPr>
-              <a:defRPr/>
-            </a:pPr>
-            <a:r>
-              <a:rPr sz="1100" b="0" i="0" u="none">
-                <a:solidFill>
-                  <a:srgbClr val="000000"/>
-                </a:solidFill>
-                <a:latin typeface="Arial"/>
-                <a:ea typeface="Arial"/>
-                <a:cs typeface="Arial"/>
-              </a:rPr>
-              <a:t>A more appropriate obstacle detection device would be a camera.</a:t>
-            </a:r>
-            <a:endParaRPr/>
-          </a:p>
-          <a:p>
-            <a:pPr>
-              <a:defRPr/>
-            </a:pPr>
-            <a:r>
-              <a:rPr sz="1100" b="0" i="0" u="none">
-                <a:solidFill>
-                  <a:srgbClr val="000000"/>
-                </a:solidFill>
-                <a:latin typeface="Arial"/>
-                <a:ea typeface="Arial"/>
-                <a:cs typeface="Arial"/>
-              </a:rPr>
-              <a:t>Power. For testing we used a power adapter which limited the robots movement. Rechargeable would be more suited to the task.</a:t>
-            </a:r>
-            <a:endParaRPr lang="en-US"/>
           </a:p>
         </p:txBody>
       </p:sp>
@@ -14092,6 +14042,114 @@
       </p:grpSpPr>
       <p:sp>
         <p:nvSpPr>
+          <p:cNvPr id="508451173" name="Title 1"/>
+          <p:cNvSpPr>
+            <a:spLocks noGrp="1"/>
+          </p:cNvSpPr>
+          <p:nvPr>
+            <p:ph type="title"/>
+          </p:nvPr>
+        </p:nvSpPr>
+        <p:spPr bwMode="auto"/>
+        <p:txBody>
+          <a:bodyPr/>
+          <a:lstStyle/>
+          <a:p>
+            <a:pPr>
+              <a:defRPr/>
+            </a:pPr>
+            <a:r>
+              <a:rPr/>
+              <a:t>GANTT CHART</a:t>
+            </a:r>
+            <a:endParaRPr/>
+          </a:p>
+        </p:txBody>
+      </p:sp>
+      <p:sp>
+        <p:nvSpPr>
+          <p:cNvPr id="1534431366" name="Content Placeholder 2"/>
+          <p:cNvSpPr>
+            <a:spLocks noGrp="1"/>
+          </p:cNvSpPr>
+          <p:nvPr>
+            <p:ph idx="1"/>
+          </p:nvPr>
+        </p:nvSpPr>
+        <p:spPr bwMode="auto">
+          <a:xfrm>
+            <a:off x="1154953" y="2603499"/>
+            <a:ext cx="8825658" cy="3416299"/>
+          </a:xfrm>
+        </p:spPr>
+        <p:txBody>
+          <a:bodyPr/>
+          <a:lstStyle/>
+          <a:p>
+            <a:pPr>
+              <a:defRPr/>
+            </a:pPr>
+            <a:endParaRPr/>
+          </a:p>
+        </p:txBody>
+      </p:sp>
+      <p:pic>
+        <p:nvPicPr>
+          <p:cNvPr id="353754768" name=""/>
+          <p:cNvPicPr>
+            <a:picLocks noChangeAspect="1"/>
+          </p:cNvPicPr>
+          <p:nvPr/>
+        </p:nvPicPr>
+        <p:blipFill>
+          <a:blip r:embed="rId2"/>
+          <a:stretch/>
+        </p:blipFill>
+        <p:spPr bwMode="auto">
+          <a:xfrm flipH="0" flipV="0">
+            <a:off x="434431" y="2395681"/>
+            <a:ext cx="11159257" cy="4012045"/>
+          </a:xfrm>
+          <a:prstGeom prst="rect">
+            <a:avLst/>
+          </a:prstGeom>
+        </p:spPr>
+      </p:pic>
+    </p:spTree>
+  </p:cSld>
+  <p:clrMapOvr>
+    <a:masterClrMapping/>
+  </p:clrMapOvr>
+  <mc:AlternateContent xmlns:mc="http://schemas.openxmlformats.org/markup-compatibility/2006">
+    <mc:Choice xmlns:p14="http://schemas.microsoft.com/office/powerpoint/2010/main" Requires="p14">
+      <p:transition p14:dur="2000" advClick="1"/>
+    </mc:Choice>
+    <mc:Fallback>
+      <p:transition advClick="1"/>
+    </mc:Fallback>
+  </mc:AlternateContent>
+</p:sld>
+</file>
+
+<file path=ppt/slides/slide6.xml><?xml version="1.0" encoding="utf-8"?>
+<p:sld xmlns:a="http://schemas.openxmlformats.org/drawingml/2006/main" xmlns:r="http://schemas.openxmlformats.org/officeDocument/2006/relationships" xmlns:p="http://schemas.openxmlformats.org/presentationml/2006/main" xmlns:m="http://schemas.openxmlformats.org/officeDocument/2006/math" xmlns:w="http://schemas.openxmlformats.org/wordprocessingml/2006/main" showMasterPhAnim="0" show="1">
+  <p:cSld name="">
+    <p:spTree>
+      <p:nvGrpSpPr>
+        <p:cNvPr id="1" name=""/>
+        <p:cNvGrpSpPr/>
+        <p:nvPr/>
+      </p:nvGrpSpPr>
+      <p:grpSpPr bwMode="auto">
+        <a:xfrm>
+          <a:off x="0" y="0"/>
+          <a:ext cx="0" cy="0"/>
+          <a:chOff x="0" y="0"/>
+          <a:chExt cx="0" cy="0"/>
+        </a:xfrm>
+      </p:grpSpPr>
+      <p:sp>
+        <p:nvSpPr>
           <p:cNvPr id="1549568754" name="Title 1"/>
           <p:cNvSpPr>
             <a:spLocks noGrp="1"/>
@@ -14251,7 +14309,7 @@
 </p:sld>
 </file>
 
-<file path=ppt/slides/slide6.xml><?xml version="1.0" encoding="utf-8"?>
+<file path=ppt/slides/slide7.xml><?xml version="1.0" encoding="utf-8"?>
 <p:sld xmlns:a="http://schemas.openxmlformats.org/drawingml/2006/main" xmlns:r="http://schemas.openxmlformats.org/officeDocument/2006/relationships" xmlns:p="http://schemas.openxmlformats.org/presentationml/2006/main" xmlns:m="http://schemas.openxmlformats.org/officeDocument/2006/math" xmlns:w="http://schemas.openxmlformats.org/wordprocessingml/2006/main" showMasterPhAnim="0" show="1">
   <p:cSld name="">
     <p:spTree>

--- a/navigation/jibebe_week_two_progress.pptx
+++ b/navigation/jibebe_week_two_progress.pptx
@@ -12,6 +12,7 @@
     <p:sldId id="260" r:id="rId7"/>
     <p:sldId id="261" r:id="rId8"/>
     <p:sldId id="262" r:id="rId9"/>
+    <p:sldId id="263" r:id="rId10"/>
   </p:sldIdLst>
   <p:sldSz cx="12192000" cy="6858000"/>
   <p:notesSz cx="12192000" cy="6858000"/>
@@ -13940,9 +13941,53 @@
             </a:pPr>
             <a:r>
               <a:rPr lang="en-US"/>
-              <a:t>We have successful completed the obstacle avoidance crash tests and moving to the GPS geo-positioning. </a:t>
+              <a:t>We have successful completed the test robot assembly using obstacle avoidance.</a:t>
             </a:r>
             <a:endParaRPr lang="en-US"/>
+          </a:p>
+          <a:p>
+            <a:pPr>
+              <a:defRPr/>
+            </a:pPr>
+            <a:r>
+              <a:rPr lang="en-US"/>
+              <a:t>Next will be moving the test robot to a set GPS geo-position.</a:t>
+            </a:r>
+            <a:endParaRPr/>
+          </a:p>
+          <a:p>
+            <a:pPr>
+              <a:defRPr/>
+            </a:pPr>
+            <a:r>
+              <a:rPr/>
+              <a:t>Design of a stand for a computer vision module and camera.</a:t>
+            </a:r>
+            <a:endParaRPr lang="en-US"/>
+          </a:p>
+          <a:p>
+            <a:pPr>
+              <a:defRPr/>
+            </a:pPr>
+            <a:r>
+              <a:rPr lang="en-US"/>
+              <a:t>Design of </a:t>
+            </a:r>
+            <a:r>
+              <a:rPr lang="en-US" sz="1800" b="0" i="0" u="none" strike="noStrike" cap="none" spc="0">
+                <a:solidFill>
+                  <a:schemeClr val="tx1">
+                    <a:lumMod val="75000"/>
+                    <a:lumOff val="25000"/>
+                  </a:schemeClr>
+                </a:solidFill>
+                <a:latin typeface="+mn-lt"/>
+                <a:ea typeface="+mn-ea"/>
+                <a:cs typeface="+mn-cs"/>
+              </a:rPr>
+              <a:t>Acceleration, Braking and Gear shifting actuators.</a:t>
+            </a:r>
+            <a:endParaRPr sz="1800"/>
           </a:p>
           <a:p>
             <a:pPr marL="0" indent="0">
@@ -13957,30 +14002,22 @@
             <a:endParaRPr lang="en-US"/>
           </a:p>
           <a:p>
+            <a:pPr marL="0" indent="0">
+              <a:buClr>
+                <a:schemeClr val="accent1"/>
+              </a:buClr>
+              <a:buSzPct val="80000"/>
+              <a:buFont typeface="Wingdings 3"/>
+              <a:buNone/>
+              <a:defRPr/>
+            </a:pPr>
+            <a:endParaRPr lang="en-US"/>
+          </a:p>
+          <a:p>
             <a:pPr>
               <a:defRPr/>
             </a:pPr>
             <a:endParaRPr/>
-          </a:p>
-          <a:p>
-            <a:pPr>
-              <a:defRPr/>
-            </a:pPr>
-            <a:r>
-              <a:rPr lang="en-US"/>
-              <a:t>It is needed to have a magnetometer to give the exact orientation of the robot before inputting of the X,Y,Z co-ordinates.</a:t>
-            </a:r>
-            <a:endParaRPr lang="en-US"/>
-          </a:p>
-          <a:p>
-            <a:pPr>
-              <a:defRPr/>
-            </a:pPr>
-            <a:r>
-              <a:rPr lang="en-US"/>
-              <a:t>Hence for the following week progress will be made on the positioning of the robot as the initial instruction and replacement of the obstacle avoidance ultrasonic sensor with the computer vision sensor.</a:t>
-            </a:r>
-            <a:endParaRPr lang="en-US"/>
           </a:p>
           <a:p>
             <a:pPr marL="0" indent="0">
@@ -14150,6 +14187,92 @@
       </p:grpSpPr>
       <p:sp>
         <p:nvSpPr>
+          <p:cNvPr id="1490113824" name="Title 1"/>
+          <p:cNvSpPr>
+            <a:spLocks noGrp="1"/>
+          </p:cNvSpPr>
+          <p:nvPr>
+            <p:ph type="title"/>
+          </p:nvPr>
+        </p:nvSpPr>
+        <p:spPr bwMode="auto"/>
+        <p:txBody>
+          <a:bodyPr/>
+          <a:lstStyle/>
+          <a:p>
+            <a:pPr>
+              <a:defRPr/>
+            </a:pPr>
+            <a:endParaRPr/>
+          </a:p>
+        </p:txBody>
+      </p:sp>
+      <p:sp>
+        <p:nvSpPr>
+          <p:cNvPr id="952159429" name="Content Placeholder 2"/>
+          <p:cNvSpPr>
+            <a:spLocks noGrp="1"/>
+          </p:cNvSpPr>
+          <p:nvPr>
+            <p:ph idx="1"/>
+          </p:nvPr>
+        </p:nvSpPr>
+        <p:spPr bwMode="auto">
+          <a:xfrm>
+            <a:off x="1154953" y="2603499"/>
+            <a:ext cx="8825658" cy="3416299"/>
+          </a:xfrm>
+        </p:spPr>
+        <p:txBody>
+          <a:bodyPr/>
+          <a:lstStyle/>
+          <a:p>
+            <a:pPr>
+              <a:defRPr/>
+            </a:pPr>
+            <a:r>
+              <a:rPr/>
+              <a:t>Acceleration, Braking and Gear shifting actuators.</a:t>
+            </a:r>
+            <a:endParaRPr/>
+          </a:p>
+        </p:txBody>
+      </p:sp>
+    </p:spTree>
+  </p:cSld>
+  <p:clrMapOvr>
+    <a:masterClrMapping/>
+  </p:clrMapOvr>
+  <mc:AlternateContent xmlns:mc="http://schemas.openxmlformats.org/markup-compatibility/2006">
+    <mc:Choice xmlns:p14="http://schemas.microsoft.com/office/powerpoint/2010/main" Requires="p14">
+      <p:transition p14:dur="2000" advClick="1"/>
+    </mc:Choice>
+    <mc:Fallback>
+      <p:transition advClick="1"/>
+    </mc:Fallback>
+  </mc:AlternateContent>
+</p:sld>
+</file>
+
+<file path=ppt/slides/slide7.xml><?xml version="1.0" encoding="utf-8"?>
+<p:sld xmlns:a="http://schemas.openxmlformats.org/drawingml/2006/main" xmlns:r="http://schemas.openxmlformats.org/officeDocument/2006/relationships" xmlns:p="http://schemas.openxmlformats.org/presentationml/2006/main" xmlns:m="http://schemas.openxmlformats.org/officeDocument/2006/math" xmlns:w="http://schemas.openxmlformats.org/wordprocessingml/2006/main" showMasterPhAnim="0" show="1">
+  <p:cSld name="">
+    <p:spTree>
+      <p:nvGrpSpPr>
+        <p:cNvPr id="1" name=""/>
+        <p:cNvGrpSpPr/>
+        <p:nvPr/>
+      </p:nvGrpSpPr>
+      <p:grpSpPr bwMode="auto">
+        <a:xfrm>
+          <a:off x="0" y="0"/>
+          <a:ext cx="0" cy="0"/>
+          <a:chOff x="0" y="0"/>
+          <a:chExt cx="0" cy="0"/>
+        </a:xfrm>
+      </p:grpSpPr>
+      <p:sp>
+        <p:nvSpPr>
           <p:cNvPr id="1549568754" name="Title 1"/>
           <p:cNvSpPr>
             <a:spLocks noGrp="1"/>
@@ -14309,7 +14432,7 @@
 </p:sld>
 </file>
 
-<file path=ppt/slides/slide7.xml><?xml version="1.0" encoding="utf-8"?>
+<file path=ppt/slides/slide8.xml><?xml version="1.0" encoding="utf-8"?>
 <p:sld xmlns:a="http://schemas.openxmlformats.org/drawingml/2006/main" xmlns:r="http://schemas.openxmlformats.org/officeDocument/2006/relationships" xmlns:p="http://schemas.openxmlformats.org/presentationml/2006/main" xmlns:m="http://schemas.openxmlformats.org/officeDocument/2006/math" xmlns:w="http://schemas.openxmlformats.org/wordprocessingml/2006/main" showMasterPhAnim="0" show="1">
   <p:cSld name="">
     <p:spTree>
